--- a/מצגות/L6.pptx
+++ b/מצגות/L6.pptx
@@ -5,19 +5,14 @@
     <p:sldMasterId id="2147483648" r:id="rId1"/>
   </p:sldMasterIdLst>
   <p:handoutMasterIdLst>
-    <p:handoutMasterId r:id="rId12"/>
+    <p:handoutMasterId r:id="rId7"/>
   </p:handoutMasterIdLst>
   <p:sldIdLst>
     <p:sldId id="375" r:id="rId2"/>
     <p:sldId id="419" r:id="rId3"/>
-    <p:sldId id="424" r:id="rId4"/>
-    <p:sldId id="425" r:id="rId5"/>
-    <p:sldId id="426" r:id="rId6"/>
-    <p:sldId id="429" r:id="rId7"/>
-    <p:sldId id="427" r:id="rId8"/>
-    <p:sldId id="428" r:id="rId9"/>
-    <p:sldId id="422" r:id="rId10"/>
-    <p:sldId id="384" r:id="rId11"/>
+    <p:sldId id="421" r:id="rId4"/>
+    <p:sldId id="420" r:id="rId5"/>
+    <p:sldId id="384" r:id="rId6"/>
   </p:sldIdLst>
   <p:sldSz cx="12192000" cy="6858000"/>
   <p:notesSz cx="6858000" cy="9144000"/>
@@ -141,9 +136,132 @@
 <file path=ppt/revisionInfo.xml><?xml version="1.0" encoding="utf-8"?>
 <p1510:revInfo xmlns:a="http://schemas.openxmlformats.org/drawingml/2006/main" xmlns:r="http://schemas.openxmlformats.org/officeDocument/2006/relationships" xmlns:p1510="http://schemas.microsoft.com/office/powerpoint/2015/10/main">
   <p1510:revLst>
-    <p1510:client id="{113588E0-26F6-40E9-B54F-DA5E906BB72B}" v="44" dt="2022-04-04T13:29:03.980"/>
+    <p1510:client id="{7A45983D-8FC7-4040-A0FD-24CECB4AED93}" v="6" dt="2022-04-25T14:06:22.772"/>
   </p1510:revLst>
 </p1510:revInfo>
+</file>
+
+<file path=ppt/changesInfos/changesInfo1.xml><?xml version="1.0" encoding="utf-8"?>
+<pc:chgInfo xmlns:a="http://schemas.openxmlformats.org/drawingml/2006/main" xmlns:r="http://schemas.openxmlformats.org/officeDocument/2006/relationships" xmlns:ac="http://schemas.microsoft.com/office/drawing/2013/main/command" xmlns:pc="http://schemas.microsoft.com/office/powerpoint/2013/main/command">
+  <pc:docChgLst>
+    <pc:chgData name="אלכס גורבצ'וב" userId="8459a7c7-b354-45d8-a56f-77640536e27f" providerId="ADAL" clId="{7A45983D-8FC7-4040-A0FD-24CECB4AED93}"/>
+    <pc:docChg chg="undo redo custSel addSld delSld modSld">
+      <pc:chgData name="אלכס גורבצ'וב" userId="8459a7c7-b354-45d8-a56f-77640536e27f" providerId="ADAL" clId="{7A45983D-8FC7-4040-A0FD-24CECB4AED93}" dt="2022-04-25T14:10:45.626" v="332" actId="6549"/>
+      <pc:docMkLst>
+        <pc:docMk/>
+      </pc:docMkLst>
+      <pc:sldChg chg="addSp delSp modSp mod">
+        <pc:chgData name="אלכס גורבצ'וב" userId="8459a7c7-b354-45d8-a56f-77640536e27f" providerId="ADAL" clId="{7A45983D-8FC7-4040-A0FD-24CECB4AED93}" dt="2022-04-25T14:10:45.626" v="332" actId="6549"/>
+        <pc:sldMkLst>
+          <pc:docMk/>
+          <pc:sldMk cId="35916441" sldId="419"/>
+        </pc:sldMkLst>
+        <pc:spChg chg="mod">
+          <ac:chgData name="אלכס גורבצ'וב" userId="8459a7c7-b354-45d8-a56f-77640536e27f" providerId="ADAL" clId="{7A45983D-8FC7-4040-A0FD-24CECB4AED93}" dt="2022-04-25T14:10:45.626" v="332" actId="6549"/>
+          <ac:spMkLst>
+            <pc:docMk/>
+            <pc:sldMk cId="35916441" sldId="419"/>
+            <ac:spMk id="7" creationId="{54E9E228-B02C-3941-B458-23CB2D67B476}"/>
+          </ac:spMkLst>
+        </pc:spChg>
+        <pc:picChg chg="add mod">
+          <ac:chgData name="אלכס גורבצ'וב" userId="8459a7c7-b354-45d8-a56f-77640536e27f" providerId="ADAL" clId="{7A45983D-8FC7-4040-A0FD-24CECB4AED93}" dt="2022-04-25T14:09:13.043" v="291" actId="1076"/>
+          <ac:picMkLst>
+            <pc:docMk/>
+            <pc:sldMk cId="35916441" sldId="419"/>
+            <ac:picMk id="4" creationId="{7FBD0124-E0DE-41AF-91D4-B5B72F07DD7F}"/>
+          </ac:picMkLst>
+        </pc:picChg>
+        <pc:picChg chg="del">
+          <ac:chgData name="אלכס גורבצ'וב" userId="8459a7c7-b354-45d8-a56f-77640536e27f" providerId="ADAL" clId="{7A45983D-8FC7-4040-A0FD-24CECB4AED93}" dt="2022-04-25T13:47:54.471" v="1" actId="478"/>
+          <ac:picMkLst>
+            <pc:docMk/>
+            <pc:sldMk cId="35916441" sldId="419"/>
+            <ac:picMk id="3076" creationId="{251734CA-FA41-49D0-A3AE-228066AB17AE}"/>
+          </ac:picMkLst>
+        </pc:picChg>
+      </pc:sldChg>
+      <pc:sldChg chg="modSp add mod">
+        <pc:chgData name="אלכס גורבצ'וב" userId="8459a7c7-b354-45d8-a56f-77640536e27f" providerId="ADAL" clId="{7A45983D-8FC7-4040-A0FD-24CECB4AED93}" dt="2022-04-25T14:06:58.239" v="265"/>
+        <pc:sldMkLst>
+          <pc:docMk/>
+          <pc:sldMk cId="2846660391" sldId="420"/>
+        </pc:sldMkLst>
+        <pc:spChg chg="mod">
+          <ac:chgData name="אלכס גורבצ'וב" userId="8459a7c7-b354-45d8-a56f-77640536e27f" providerId="ADAL" clId="{7A45983D-8FC7-4040-A0FD-24CECB4AED93}" dt="2022-04-25T14:06:58.239" v="265"/>
+          <ac:spMkLst>
+            <pc:docMk/>
+            <pc:sldMk cId="2846660391" sldId="420"/>
+            <ac:spMk id="7" creationId="{54E9E228-B02C-3941-B458-23CB2D67B476}"/>
+          </ac:spMkLst>
+        </pc:spChg>
+      </pc:sldChg>
+      <pc:sldChg chg="add">
+        <pc:chgData name="אלכס גורבצ'וב" userId="8459a7c7-b354-45d8-a56f-77640536e27f" providerId="ADAL" clId="{7A45983D-8FC7-4040-A0FD-24CECB4AED93}" dt="2022-04-25T14:08:27.097" v="266" actId="2890"/>
+        <pc:sldMkLst>
+          <pc:docMk/>
+          <pc:sldMk cId="401958908" sldId="421"/>
+        </pc:sldMkLst>
+      </pc:sldChg>
+      <pc:sldChg chg="del">
+        <pc:chgData name="אלכס גורבצ'וב" userId="8459a7c7-b354-45d8-a56f-77640536e27f" providerId="ADAL" clId="{7A45983D-8FC7-4040-A0FD-24CECB4AED93}" dt="2022-04-25T13:55:57.473" v="72" actId="47"/>
+        <pc:sldMkLst>
+          <pc:docMk/>
+          <pc:sldMk cId="4152344990" sldId="422"/>
+        </pc:sldMkLst>
+      </pc:sldChg>
+      <pc:sldChg chg="add del">
+        <pc:chgData name="אלכס גורבצ'וב" userId="8459a7c7-b354-45d8-a56f-77640536e27f" providerId="ADAL" clId="{7A45983D-8FC7-4040-A0FD-24CECB4AED93}" dt="2022-04-25T13:55:51.892" v="71" actId="47"/>
+        <pc:sldMkLst>
+          <pc:docMk/>
+          <pc:sldMk cId="666776767" sldId="423"/>
+        </pc:sldMkLst>
+      </pc:sldChg>
+      <pc:sldChg chg="del">
+        <pc:chgData name="אלכס גורבצ'וב" userId="8459a7c7-b354-45d8-a56f-77640536e27f" providerId="ADAL" clId="{7A45983D-8FC7-4040-A0FD-24CECB4AED93}" dt="2022-04-25T13:46:51.287" v="0" actId="47"/>
+        <pc:sldMkLst>
+          <pc:docMk/>
+          <pc:sldMk cId="585705252" sldId="424"/>
+        </pc:sldMkLst>
+      </pc:sldChg>
+      <pc:sldChg chg="del">
+        <pc:chgData name="אלכס גורבצ'וב" userId="8459a7c7-b354-45d8-a56f-77640536e27f" providerId="ADAL" clId="{7A45983D-8FC7-4040-A0FD-24CECB4AED93}" dt="2022-04-25T13:46:51.287" v="0" actId="47"/>
+        <pc:sldMkLst>
+          <pc:docMk/>
+          <pc:sldMk cId="1070176920" sldId="425"/>
+        </pc:sldMkLst>
+      </pc:sldChg>
+      <pc:sldChg chg="del">
+        <pc:chgData name="אלכס גורבצ'וב" userId="8459a7c7-b354-45d8-a56f-77640536e27f" providerId="ADAL" clId="{7A45983D-8FC7-4040-A0FD-24CECB4AED93}" dt="2022-04-25T13:46:51.287" v="0" actId="47"/>
+        <pc:sldMkLst>
+          <pc:docMk/>
+          <pc:sldMk cId="1497193879" sldId="426"/>
+        </pc:sldMkLst>
+      </pc:sldChg>
+      <pc:sldChg chg="del">
+        <pc:chgData name="אלכס גורבצ'וב" userId="8459a7c7-b354-45d8-a56f-77640536e27f" providerId="ADAL" clId="{7A45983D-8FC7-4040-A0FD-24CECB4AED93}" dt="2022-04-25T13:46:51.287" v="0" actId="47"/>
+        <pc:sldMkLst>
+          <pc:docMk/>
+          <pc:sldMk cId="3739421818" sldId="427"/>
+        </pc:sldMkLst>
+      </pc:sldChg>
+      <pc:sldChg chg="del">
+        <pc:chgData name="אלכס גורבצ'וב" userId="8459a7c7-b354-45d8-a56f-77640536e27f" providerId="ADAL" clId="{7A45983D-8FC7-4040-A0FD-24CECB4AED93}" dt="2022-04-25T13:46:51.287" v="0" actId="47"/>
+        <pc:sldMkLst>
+          <pc:docMk/>
+          <pc:sldMk cId="2973914374" sldId="428"/>
+        </pc:sldMkLst>
+      </pc:sldChg>
+      <pc:sldChg chg="del">
+        <pc:chgData name="אלכס גורבצ'וב" userId="8459a7c7-b354-45d8-a56f-77640536e27f" providerId="ADAL" clId="{7A45983D-8FC7-4040-A0FD-24CECB4AED93}" dt="2022-04-25T13:46:51.287" v="0" actId="47"/>
+        <pc:sldMkLst>
+          <pc:docMk/>
+          <pc:sldMk cId="265270301" sldId="429"/>
+        </pc:sldMkLst>
+      </pc:sldChg>
+    </pc:docChg>
+  </pc:docChgLst>
+</pc:chgInfo>
 </file>
 
 <file path=ppt/handoutMasters/handoutMaster1.xml><?xml version="1.0" encoding="utf-8"?>
@@ -20270,132 +20388,6 @@
 </p:sld>
 </file>
 
-<file path=ppt/slides/slide10.xml><?xml version="1.0" encoding="utf-8"?>
-<p:sld xmlns:a="http://schemas.openxmlformats.org/drawingml/2006/main" xmlns:r="http://schemas.openxmlformats.org/officeDocument/2006/relationships" xmlns:p="http://schemas.openxmlformats.org/presentationml/2006/main">
-  <p:cSld>
-    <p:spTree>
-      <p:nvGrpSpPr>
-        <p:cNvPr id="1" name=""/>
-        <p:cNvGrpSpPr/>
-        <p:nvPr/>
-      </p:nvGrpSpPr>
-      <p:grpSpPr>
-        <a:xfrm>
-          <a:off x="0" y="0"/>
-          <a:ext cx="0" cy="0"/>
-          <a:chOff x="0" y="0"/>
-          <a:chExt cx="0" cy="0"/>
-        </a:xfrm>
-      </p:grpSpPr>
-      <p:pic>
-        <p:nvPicPr>
-          <p:cNvPr id="19" name="Picture Placeholder 15" descr="People reviewing floor plans">
-            <a:extLst>
-              <a:ext uri="{FF2B5EF4-FFF2-40B4-BE49-F238E27FC236}">
-                <a16:creationId xmlns:a16="http://schemas.microsoft.com/office/drawing/2014/main" id="{C4C2D77A-C801-9B4E-B6FB-9402525D52F3}"/>
-              </a:ext>
-              <a:ext uri="{C183D7F6-B498-43B3-948B-1728B52AA6E4}">
-                <adec:decorative xmlns:adec="http://schemas.microsoft.com/office/drawing/2017/decorative" val="0"/>
-              </a:ext>
-            </a:extLst>
-          </p:cNvPr>
-          <p:cNvPicPr>
-            <a:picLocks noGrp="1" noChangeAspect="1"/>
-          </p:cNvPicPr>
-          <p:nvPr>
-            <p:ph type="pic" sz="quarter" idx="10"/>
-          </p:nvPr>
-        </p:nvPicPr>
-        <p:blipFill>
-          <a:blip r:embed="rId2" cstate="screen">
-            <a:duotone>
-              <a:prstClr val="black"/>
-              <a:schemeClr val="accent3">
-                <a:tint val="45000"/>
-                <a:satMod val="400000"/>
-              </a:schemeClr>
-            </a:duotone>
-            <a:alphaModFix amt="20000"/>
-            <a:extLst>
-              <a:ext uri="{BEBA8EAE-BF5A-486C-A8C5-ECC9F3942E4B}">
-                <a14:imgProps xmlns:a14="http://schemas.microsoft.com/office/drawing/2010/main">
-                  <a14:imgLayer r:embed="rId3">
-                    <a14:imgEffect>
-                      <a14:brightnessContrast bright="-40000"/>
-                    </a14:imgEffect>
-                  </a14:imgLayer>
-                </a14:imgProps>
-              </a:ext>
-              <a:ext uri="{28A0092B-C50C-407E-A947-70E740481C1C}">
-                <a14:useLocalDpi xmlns:a14="http://schemas.microsoft.com/office/drawing/2010/main"/>
-              </a:ext>
-            </a:extLst>
-          </a:blip>
-          <a:srcRect/>
-          <a:stretch>
-            <a:fillRect/>
-          </a:stretch>
-        </p:blipFill>
-        <p:spPr/>
-      </p:pic>
-      <p:sp>
-        <p:nvSpPr>
-          <p:cNvPr id="5" name="Title 4">
-            <a:extLst>
-              <a:ext uri="{FF2B5EF4-FFF2-40B4-BE49-F238E27FC236}">
-                <a16:creationId xmlns:a16="http://schemas.microsoft.com/office/drawing/2014/main" id="{99516ACA-375D-1140-8EDA-CE04AAC75809}"/>
-              </a:ext>
-            </a:extLst>
-          </p:cNvPr>
-          <p:cNvSpPr>
-            <a:spLocks noGrp="1"/>
-          </p:cNvSpPr>
-          <p:nvPr>
-            <p:ph type="ctrTitle"/>
-          </p:nvPr>
-        </p:nvSpPr>
-        <p:spPr>
-          <a:xfrm>
-            <a:off x="4568556" y="2006489"/>
-            <a:ext cx="4179376" cy="2387600"/>
-          </a:xfrm>
-        </p:spPr>
-        <p:txBody>
-          <a:bodyPr>
-            <a:normAutofit/>
-          </a:bodyPr>
-          <a:lstStyle/>
-          <a:p>
-            <a:pPr algn="r" rtl="1"/>
-            <a:r>
-              <a:rPr lang="he-IL" sz="11500" dirty="0">
-                <a:solidFill>
-                  <a:schemeClr val="bg1"/>
-                </a:solidFill>
-              </a:rPr>
-              <a:t>שאלות?</a:t>
-            </a:r>
-            <a:endParaRPr lang="en-US" sz="11500" dirty="0">
-              <a:solidFill>
-                <a:schemeClr val="bg1"/>
-              </a:solidFill>
-            </a:endParaRPr>
-          </a:p>
-        </p:txBody>
-      </p:sp>
-    </p:spTree>
-    <p:extLst>
-      <p:ext uri="{BB962C8B-B14F-4D97-AF65-F5344CB8AC3E}">
-        <p14:creationId xmlns:p14="http://schemas.microsoft.com/office/powerpoint/2010/main" val="4067864897"/>
-      </p:ext>
-    </p:extLst>
-  </p:cSld>
-  <p:clrMapOvr>
-    <a:masterClrMapping/>
-  </p:clrMapOvr>
-</p:sld>
-</file>
-
 <file path=ppt/slides/slide2.xml><?xml version="1.0" encoding="utf-8"?>
 <p:sld xmlns:a="http://schemas.openxmlformats.org/drawingml/2006/main" xmlns:r="http://schemas.openxmlformats.org/officeDocument/2006/relationships" xmlns:p="http://schemas.openxmlformats.org/presentationml/2006/main">
   <p:cSld>
@@ -20471,7 +20463,7 @@
         </p:spPr>
         <p:txBody>
           <a:bodyPr>
-            <a:normAutofit lnSpcReduction="10000"/>
+            <a:normAutofit/>
           </a:bodyPr>
           <a:lstStyle/>
           <a:p>
@@ -20487,8 +20479,8 @@
               <a:defRPr/>
             </a:pPr>
             <a:r>
-              <a:rPr lang="he-IL" b="1" dirty="0"/>
-              <a:t>טבלאות</a:t>
+              <a:rPr lang="he-IL" dirty="0"/>
+              <a:t>תגיות מבנה של הדף</a:t>
             </a:r>
           </a:p>
           <a:p>
@@ -20505,12 +20497,11 @@
             </a:pPr>
             <a:r>
               <a:rPr lang="he-IL" dirty="0"/>
-              <a:t>במקרים רבים נרצה להציג רשימת נתונים (למשל רשימת אנשי קשר) בטבלה.</a:t>
-            </a:r>
-            <a:endParaRPr lang="ru-RU" dirty="0"/>
-          </a:p>
-          <a:p>
-            <a:pPr marR="0" lvl="0" algn="r" rtl="1" fontAlgn="auto">
+              <a:t>תגיות שלא משנות את התצוגה.</a:t>
+            </a:r>
+          </a:p>
+          <a:p>
+            <a:pPr marR="0" lvl="0" algn="l" fontAlgn="auto">
               <a:spcAft>
                 <a:spcPts val="0"/>
               </a:spcAft>
@@ -20522,12 +20513,12 @@
               <a:defRPr/>
             </a:pPr>
             <a:r>
-              <a:rPr lang="he-IL" dirty="0"/>
-              <a:t>מפתחי אתרים רבים השתמשו בעבר לטבלאות על מנת להגדיר את מבנה הדפים שלהם. זהו אינו השימוש הנכון בטבלאות והוא פוגע במראה האתר ובדירוגו במנועי חיפוש.</a:t>
-            </a:r>
-          </a:p>
-          <a:p>
-            <a:pPr marR="0" lvl="0" algn="r" rtl="1" fontAlgn="auto">
+              <a:rPr lang="en-US" dirty="0"/>
+              <a:t>&lt;article&gt;</a:t>
+            </a:r>
+          </a:p>
+          <a:p>
+            <a:pPr marR="0" lvl="0" algn="l" fontAlgn="auto">
               <a:spcAft>
                 <a:spcPts val="0"/>
               </a:spcAft>
@@ -20539,286 +20530,90 @@
               <a:defRPr/>
             </a:pPr>
             <a:r>
-              <a:rPr lang="he-IL" dirty="0"/>
-              <a:t>הגדרה בסיסית של טבלה</a:t>
-            </a:r>
-            <a:endParaRPr lang="ru-RU" dirty="0"/>
-          </a:p>
-          <a:p>
-            <a:pPr marL="0" indent="0" algn="l" rtl="0" fontAlgn="base">
-              <a:lnSpc>
-                <a:spcPts val="600"/>
-              </a:lnSpc>
-              <a:buNone/>
+              <a:rPr lang="en-US" dirty="0"/>
+              <a:t>&lt;aside&gt;</a:t>
+            </a:r>
+          </a:p>
+          <a:p>
+            <a:pPr marR="0" lvl="0" algn="l" fontAlgn="auto">
+              <a:spcAft>
+                <a:spcPts val="0"/>
+              </a:spcAft>
+              <a:buClr>
+                <a:srgbClr val="AA2B1E"/>
+              </a:buClr>
+              <a:buSzPct val="85000"/>
+              <a:tabLst/>
+              <a:defRPr/>
             </a:pPr>
             <a:r>
               <a:rPr lang="en-US" dirty="0"/>
-              <a:t>&lt;table&gt;</a:t>
-            </a:r>
-          </a:p>
-          <a:p>
-            <a:pPr marL="0" indent="0" algn="l" rtl="0" fontAlgn="base">
-              <a:lnSpc>
-                <a:spcPts val="600"/>
-              </a:lnSpc>
-              <a:buNone/>
+              <a:t>&lt;footer&gt;</a:t>
+            </a:r>
+          </a:p>
+          <a:p>
+            <a:pPr marR="0" lvl="0" algn="l" fontAlgn="auto">
+              <a:spcAft>
+                <a:spcPts val="0"/>
+              </a:spcAft>
+              <a:buClr>
+                <a:srgbClr val="AA2B1E"/>
+              </a:buClr>
+              <a:buSzPct val="85000"/>
+              <a:tabLst/>
+              <a:defRPr/>
             </a:pPr>
             <a:r>
               <a:rPr lang="en-US" dirty="0"/>
-              <a:t>    &lt;tr&gt;</a:t>
-            </a:r>
-          </a:p>
-          <a:p>
-            <a:pPr marL="0" indent="0" algn="l" rtl="0" fontAlgn="base">
-              <a:lnSpc>
-                <a:spcPts val="600"/>
-              </a:lnSpc>
-              <a:buNone/>
+              <a:t>&lt;header&gt;</a:t>
+            </a:r>
+          </a:p>
+          <a:p>
+            <a:pPr marR="0" lvl="0" algn="l" fontAlgn="auto">
+              <a:spcAft>
+                <a:spcPts val="0"/>
+              </a:spcAft>
+              <a:buClr>
+                <a:srgbClr val="AA2B1E"/>
+              </a:buClr>
+              <a:buSzPct val="85000"/>
+              <a:tabLst/>
+              <a:defRPr/>
             </a:pPr>
             <a:r>
               <a:rPr lang="en-US" dirty="0"/>
-              <a:t>      &lt;td&gt;</a:t>
-            </a:r>
-            <a:r>
-              <a:rPr lang="he-IL" dirty="0"/>
-              <a:t> שורה 1, תא 1</a:t>
-            </a:r>
+              <a:t>&lt;nav&gt;</a:t>
+            </a:r>
+          </a:p>
+          <a:p>
+            <a:pPr marR="0" lvl="0" algn="l" fontAlgn="auto">
+              <a:spcAft>
+                <a:spcPts val="0"/>
+              </a:spcAft>
+              <a:buClr>
+                <a:srgbClr val="AA2B1E"/>
+              </a:buClr>
+              <a:buSzPct val="85000"/>
+              <a:tabLst/>
+              <a:defRPr/>
+            </a:pPr>
             <a:r>
               <a:rPr lang="en-US" dirty="0"/>
-              <a:t>&lt;/td&gt;</a:t>
-            </a:r>
-          </a:p>
-          <a:p>
-            <a:pPr marL="0" indent="0" algn="l" rtl="0" fontAlgn="base">
-              <a:lnSpc>
-                <a:spcPts val="600"/>
-              </a:lnSpc>
-              <a:buNone/>
+              <a:t>&lt;section&gt;</a:t>
+            </a:r>
+          </a:p>
+          <a:p>
+            <a:pPr marR="0" lvl="0" algn="l" fontAlgn="auto">
+              <a:spcAft>
+                <a:spcPts val="0"/>
+              </a:spcAft>
+              <a:buClr>
+                <a:srgbClr val="AA2B1E"/>
+              </a:buClr>
+              <a:buSzPct val="85000"/>
+              <a:tabLst/>
+              <a:defRPr/>
             </a:pPr>
-            <a:r>
-              <a:rPr lang="en-US" dirty="0"/>
-              <a:t>      &lt;td&gt;</a:t>
-            </a:r>
-            <a:r>
-              <a:rPr lang="he-IL" dirty="0"/>
-              <a:t>שורה 1, תא 2</a:t>
-            </a:r>
-            <a:r>
-              <a:rPr lang="en-US" dirty="0"/>
-              <a:t> &lt;/td&gt;</a:t>
-            </a:r>
-          </a:p>
-          <a:p>
-            <a:pPr marL="0" indent="0" algn="l" rtl="0" fontAlgn="base">
-              <a:lnSpc>
-                <a:spcPts val="600"/>
-              </a:lnSpc>
-              <a:buNone/>
-            </a:pPr>
-            <a:r>
-              <a:rPr lang="en-US" dirty="0"/>
-              <a:t>      &lt;td&gt;</a:t>
-            </a:r>
-            <a:r>
-              <a:rPr lang="he-IL" dirty="0"/>
-              <a:t>שורה 1, תא 3</a:t>
-            </a:r>
-            <a:r>
-              <a:rPr lang="en-US" dirty="0"/>
-              <a:t> &lt;/td&gt;</a:t>
-            </a:r>
-          </a:p>
-          <a:p>
-            <a:pPr marL="0" indent="0" algn="l" rtl="0" fontAlgn="base">
-              <a:lnSpc>
-                <a:spcPts val="600"/>
-              </a:lnSpc>
-              <a:buNone/>
-            </a:pPr>
-            <a:r>
-              <a:rPr lang="en-US" dirty="0"/>
-              <a:t>    &lt;/tr&gt;</a:t>
-            </a:r>
-          </a:p>
-          <a:p>
-            <a:pPr marL="0" indent="0" algn="l" rtl="0" fontAlgn="base">
-              <a:lnSpc>
-                <a:spcPts val="600"/>
-              </a:lnSpc>
-              <a:buNone/>
-            </a:pPr>
-            <a:r>
-              <a:rPr lang="en-US" dirty="0"/>
-              <a:t>    &lt;tr&gt;</a:t>
-            </a:r>
-          </a:p>
-          <a:p>
-            <a:pPr marL="0" indent="0" algn="l" rtl="0" fontAlgn="base">
-              <a:lnSpc>
-                <a:spcPts val="600"/>
-              </a:lnSpc>
-              <a:buNone/>
-            </a:pPr>
-            <a:r>
-              <a:rPr lang="en-US" dirty="0"/>
-              <a:t>      &lt;td&gt;</a:t>
-            </a:r>
-            <a:r>
-              <a:rPr lang="he-IL" dirty="0"/>
-              <a:t>שורה 2, תא 1</a:t>
-            </a:r>
-            <a:r>
-              <a:rPr lang="en-US" dirty="0"/>
-              <a:t> &lt;/td&gt;</a:t>
-            </a:r>
-          </a:p>
-          <a:p>
-            <a:pPr marL="0" indent="0" algn="l" rtl="0" fontAlgn="base">
-              <a:lnSpc>
-                <a:spcPts val="600"/>
-              </a:lnSpc>
-              <a:buNone/>
-            </a:pPr>
-            <a:r>
-              <a:rPr lang="en-US" dirty="0"/>
-              <a:t>      &lt;td&gt;</a:t>
-            </a:r>
-            <a:r>
-              <a:rPr lang="he-IL" dirty="0"/>
-              <a:t>שורה 2, תא 2</a:t>
-            </a:r>
-            <a:r>
-              <a:rPr lang="en-US" dirty="0"/>
-              <a:t> &lt;/td&gt;</a:t>
-            </a:r>
-          </a:p>
-          <a:p>
-            <a:pPr marL="0" indent="0" algn="l" rtl="0" fontAlgn="base">
-              <a:lnSpc>
-                <a:spcPts val="600"/>
-              </a:lnSpc>
-              <a:buNone/>
-            </a:pPr>
-            <a:r>
-              <a:rPr lang="en-US" dirty="0"/>
-              <a:t>      &lt;td&gt;</a:t>
-            </a:r>
-            <a:r>
-              <a:rPr lang="he-IL" dirty="0"/>
-              <a:t>שורה 2, תא 3</a:t>
-            </a:r>
-            <a:r>
-              <a:rPr lang="en-US" dirty="0"/>
-              <a:t> &lt;/td&gt;</a:t>
-            </a:r>
-          </a:p>
-          <a:p>
-            <a:pPr marL="0" indent="0" algn="l" rtl="0" fontAlgn="base">
-              <a:lnSpc>
-                <a:spcPts val="600"/>
-              </a:lnSpc>
-              <a:buNone/>
-            </a:pPr>
-            <a:r>
-              <a:rPr lang="en-US" dirty="0"/>
-              <a:t>    &lt;/tr&gt;</a:t>
-            </a:r>
-          </a:p>
-          <a:p>
-            <a:pPr marL="0" indent="0" algn="l" rtl="0" fontAlgn="base">
-              <a:lnSpc>
-                <a:spcPts val="600"/>
-              </a:lnSpc>
-              <a:buNone/>
-            </a:pPr>
-            <a:r>
-              <a:rPr lang="en-US" dirty="0"/>
-              <a:t>    &lt;tr&gt;</a:t>
-            </a:r>
-          </a:p>
-          <a:p>
-            <a:pPr marL="0" indent="0" algn="l" rtl="0" fontAlgn="base">
-              <a:lnSpc>
-                <a:spcPts val="600"/>
-              </a:lnSpc>
-              <a:buNone/>
-            </a:pPr>
-            <a:r>
-              <a:rPr lang="en-US" dirty="0"/>
-              <a:t>      &lt;td&gt;</a:t>
-            </a:r>
-            <a:r>
-              <a:rPr lang="he-IL" dirty="0"/>
-              <a:t>שורה 3, תא 1</a:t>
-            </a:r>
-            <a:r>
-              <a:rPr lang="en-US" dirty="0"/>
-              <a:t> &lt;/td&gt;</a:t>
-            </a:r>
-          </a:p>
-          <a:p>
-            <a:pPr marL="0" indent="0" algn="l" rtl="0" fontAlgn="base">
-              <a:lnSpc>
-                <a:spcPts val="600"/>
-              </a:lnSpc>
-              <a:buNone/>
-            </a:pPr>
-            <a:r>
-              <a:rPr lang="en-US" dirty="0"/>
-              <a:t>      &lt;td&gt;</a:t>
-            </a:r>
-            <a:r>
-              <a:rPr lang="he-IL" dirty="0"/>
-              <a:t>שורה 3, תא 2</a:t>
-            </a:r>
-            <a:r>
-              <a:rPr lang="en-US" dirty="0"/>
-              <a:t> &lt;/td&gt;</a:t>
-            </a:r>
-          </a:p>
-          <a:p>
-            <a:pPr marL="0" indent="0" algn="l" rtl="0" fontAlgn="base">
-              <a:lnSpc>
-                <a:spcPts val="600"/>
-              </a:lnSpc>
-              <a:buNone/>
-            </a:pPr>
-            <a:r>
-              <a:rPr lang="en-US" dirty="0"/>
-              <a:t>      &lt;td&gt;</a:t>
-            </a:r>
-            <a:r>
-              <a:rPr lang="he-IL" dirty="0"/>
-              <a:t>שורה 3, תא 3</a:t>
-            </a:r>
-            <a:r>
-              <a:rPr lang="en-US" dirty="0"/>
-              <a:t> &lt;/td&gt;</a:t>
-            </a:r>
-          </a:p>
-          <a:p>
-            <a:pPr marL="0" indent="0" algn="l" rtl="0" fontAlgn="base">
-              <a:lnSpc>
-                <a:spcPts val="600"/>
-              </a:lnSpc>
-              <a:buNone/>
-            </a:pPr>
-            <a:r>
-              <a:rPr lang="en-US" dirty="0"/>
-              <a:t>    &lt;/tr&gt;</a:t>
-            </a:r>
-          </a:p>
-          <a:p>
-            <a:pPr marL="0" indent="0" algn="l" rtl="0" fontAlgn="base">
-              <a:lnSpc>
-                <a:spcPts val="600"/>
-              </a:lnSpc>
-              <a:buNone/>
-            </a:pPr>
-            <a:r>
-              <a:rPr lang="en-US" dirty="0"/>
-              <a:t>  &lt;/table&gt;</a:t>
-            </a:r>
             <a:endParaRPr lang="he-IL" dirty="0"/>
           </a:p>
         </p:txBody>
@@ -20872,41 +20667,32 @@
       </p:pic>
       <p:pic>
         <p:nvPicPr>
-          <p:cNvPr id="3076" name="Picture 4">
-            <a:extLst>
-              <a:ext uri="{FF2B5EF4-FFF2-40B4-BE49-F238E27FC236}">
-                <a16:creationId xmlns:a16="http://schemas.microsoft.com/office/drawing/2014/main" id="{251734CA-FA41-49D0-A3AE-228066AB17AE}"/>
+          <p:cNvPr id="4" name="Picture 3">
+            <a:extLst>
+              <a:ext uri="{FF2B5EF4-FFF2-40B4-BE49-F238E27FC236}">
+                <a16:creationId xmlns:a16="http://schemas.microsoft.com/office/drawing/2014/main" id="{7FBD0124-E0DE-41AF-91D4-B5B72F07DD7F}"/>
               </a:ext>
             </a:extLst>
           </p:cNvPr>
           <p:cNvPicPr>
-            <a:picLocks noChangeAspect="1" noChangeArrowheads="1"/>
+            <a:picLocks noChangeAspect="1"/>
           </p:cNvPicPr>
           <p:nvPr/>
         </p:nvPicPr>
         <p:blipFill>
           <a:blip r:embed="rId3"/>
-          <a:srcRect/>
-          <a:stretch/>
+          <a:stretch>
+            <a:fillRect/>
+          </a:stretch>
         </p:blipFill>
-        <p:spPr bwMode="auto">
-          <a:xfrm>
-            <a:off x="1344707" y="1121612"/>
-            <a:ext cx="2857500" cy="952500"/>
+        <p:spPr>
+          <a:xfrm>
+            <a:off x="8521493" y="2323566"/>
+            <a:ext cx="2190750" cy="2552700"/>
           </a:xfrm>
           <a:prstGeom prst="rect">
             <a:avLst/>
           </a:prstGeom>
-          <a:noFill/>
-          <a:extLst>
-            <a:ext uri="{909E8E84-426E-40DD-AFC4-6F175D3DCCD1}">
-              <a14:hiddenFill xmlns:a14="http://schemas.microsoft.com/office/drawing/2010/main">
-                <a:solidFill>
-                  <a:srgbClr val="FFFFFF"/>
-                </a:solidFill>
-              </a14:hiddenFill>
-            </a:ext>
-          </a:extLst>
         </p:spPr>
       </p:pic>
     </p:spTree>
@@ -21001,157 +20787,175 @@
           </a:bodyPr>
           <a:lstStyle/>
           <a:p>
-            <a:pPr marL="0" indent="0" algn="r" rtl="1" fontAlgn="base">
-              <a:buNone/>
+            <a:pPr marR="0" lvl="0" algn="r" rtl="1" fontAlgn="auto">
+              <a:spcAft>
+                <a:spcPts val="0"/>
+              </a:spcAft>
+              <a:buClr>
+                <a:srgbClr val="AA2B1E"/>
+              </a:buClr>
+              <a:buSzPct val="85000"/>
+              <a:tabLst/>
+              <a:defRPr/>
             </a:pPr>
             <a:r>
-              <a:rPr lang="he-IL" b="1" dirty="0"/>
-              <a:t>הגדרת טבלה</a:t>
-            </a:r>
-          </a:p>
-          <a:p>
-            <a:pPr marL="0" indent="0" algn="r" rtl="1" fontAlgn="base">
-              <a:buNone/>
+              <a:rPr lang="en-US" b="1" dirty="0"/>
+              <a:t>HTML Favicon</a:t>
+            </a:r>
+          </a:p>
+          <a:p>
+            <a:pPr marR="0" lvl="0" algn="r" rtl="1" fontAlgn="auto">
+              <a:spcAft>
+                <a:spcPts val="0"/>
+              </a:spcAft>
+              <a:buClr>
+                <a:srgbClr val="AA2B1E"/>
+              </a:buClr>
+              <a:buSzPct val="85000"/>
+              <a:tabLst/>
+              <a:defRPr/>
             </a:pPr>
             <a:r>
               <a:rPr lang="he-IL" dirty="0"/>
-              <a:t>הגדרת הטבלה תעשה ע”י שימוש בתגית </a:t>
-            </a:r>
+              <a:t>לפעמים יש צורך לעדכן את האייקון של האתר בדפדפן.</a:t>
+            </a:r>
+            <a:endParaRPr lang="ru-RU" dirty="0"/>
+          </a:p>
+          <a:p>
+            <a:pPr marL="0" indent="0" algn="l" rtl="0" fontAlgn="base">
+              <a:lnSpc>
+                <a:spcPts val="600"/>
+              </a:lnSpc>
+              <a:buNone/>
+            </a:pPr>
             <a:r>
               <a:rPr lang="en-US" dirty="0"/>
-              <a:t>&lt;table&gt;</a:t>
+              <a:t>&lt;!DOCTYPE html&gt;</a:t>
+            </a:r>
+          </a:p>
+          <a:p>
+            <a:pPr marL="0" indent="0" algn="l" rtl="0" fontAlgn="base">
+              <a:lnSpc>
+                <a:spcPts val="600"/>
+              </a:lnSpc>
+              <a:buNone/>
+            </a:pPr>
+            <a:r>
+              <a:rPr lang="en-US" dirty="0"/>
+              <a:t>&lt;html&gt;</a:t>
+            </a:r>
+          </a:p>
+          <a:p>
+            <a:pPr marL="0" indent="0" algn="l" rtl="0" fontAlgn="base">
+              <a:lnSpc>
+                <a:spcPts val="600"/>
+              </a:lnSpc>
+              <a:buNone/>
+            </a:pPr>
+            <a:r>
+              <a:rPr lang="en-US" dirty="0"/>
+              <a:t>&lt;head&gt;</a:t>
+            </a:r>
+          </a:p>
+          <a:p>
+            <a:pPr marL="0" indent="0" algn="l" rtl="0" fontAlgn="base">
+              <a:lnSpc>
+                <a:spcPts val="600"/>
+              </a:lnSpc>
+              <a:buNone/>
+            </a:pPr>
+            <a:r>
+              <a:rPr lang="en-US" dirty="0"/>
+              <a:t>  &lt;title&gt;</a:t>
             </a:r>
             <a:r>
               <a:rPr lang="he-IL" dirty="0"/>
-              <a:t> ובתוכה נגדיר את השורות והעמודות.</a:t>
-            </a:r>
-          </a:p>
-          <a:p>
-            <a:pPr marL="0" indent="0" algn="r" rtl="1" fontAlgn="base">
+              <a:t>דף שלי</a:t>
+            </a:r>
+            <a:r>
+              <a:rPr lang="en-US" dirty="0"/>
+              <a:t>&lt;/title&gt;</a:t>
+            </a:r>
+          </a:p>
+          <a:p>
+            <a:pPr marL="0" indent="0" algn="l" rtl="0" fontAlgn="base">
+              <a:lnSpc>
+                <a:spcPts val="600"/>
+              </a:lnSpc>
               <a:buNone/>
             </a:pPr>
             <a:r>
-              <a:rPr lang="he-IL" dirty="0"/>
-              <a:t>בתוך הגדרת הטבלה, נגדיר שורה שורה. כל שורה מוגדרת בין התגיות </a:t>
-            </a:r>
-            <a:r>
               <a:rPr lang="en-US" dirty="0"/>
-              <a:t>&lt;tr&gt;</a:t>
-            </a:r>
-            <a:r>
-              <a:rPr lang="he-IL" dirty="0"/>
-              <a:t> ל- &lt;</a:t>
-            </a:r>
+              <a:t>  </a:t>
+            </a:r>
+            <a:r>
+              <a:rPr lang="en-US" b="1" dirty="0"/>
+              <a:t>&lt;link </a:t>
+            </a:r>
+            <a:r>
+              <a:rPr lang="en-US" b="1" dirty="0" err="1"/>
+              <a:t>rel</a:t>
+            </a:r>
+            <a:r>
+              <a:rPr lang="en-US" b="1" dirty="0"/>
+              <a:t>="icon" type="image/x-icon" href="/images/favicon.ico"&gt;</a:t>
+            </a:r>
+          </a:p>
+          <a:p>
+            <a:pPr marL="0" indent="0" algn="l" rtl="0" fontAlgn="base">
+              <a:lnSpc>
+                <a:spcPts val="600"/>
+              </a:lnSpc>
+              <a:buNone/>
+            </a:pPr>
             <a:r>
               <a:rPr lang="en-US" dirty="0"/>
-              <a:t>&lt;/tr</a:t>
-            </a:r>
-            <a:r>
-              <a:rPr lang="he-IL" dirty="0"/>
-              <a:t>.</a:t>
-            </a:r>
+              <a:t>&lt;/head&gt;</a:t>
+            </a:r>
+          </a:p>
+          <a:p>
+            <a:pPr marL="0" indent="0" algn="l" rtl="0" fontAlgn="base">
+              <a:lnSpc>
+                <a:spcPts val="600"/>
+              </a:lnSpc>
+              <a:buNone/>
+            </a:pPr>
+            <a:r>
+              <a:rPr lang="en-US" dirty="0"/>
+              <a:t>&lt;body&gt;</a:t>
+            </a:r>
+          </a:p>
+          <a:p>
+            <a:pPr marL="0" indent="0" algn="l" rtl="0" fontAlgn="base">
+              <a:lnSpc>
+                <a:spcPts val="600"/>
+              </a:lnSpc>
+              <a:buNone/>
+            </a:pPr>
             <a:endParaRPr lang="en-US" dirty="0"/>
           </a:p>
           <a:p>
-            <a:pPr marL="0" indent="0" algn="r" rtl="1" fontAlgn="base">
+            <a:pPr marL="0" indent="0" algn="l" rtl="0" fontAlgn="base">
+              <a:lnSpc>
+                <a:spcPts val="600"/>
+              </a:lnSpc>
               <a:buNone/>
             </a:pPr>
             <a:r>
-              <a:rPr lang="he-IL" dirty="0"/>
-              <a:t>עבור כל שורה, נתוני התאים מוגדרים בין התגיות </a:t>
-            </a:r>
-            <a:r>
               <a:rPr lang="en-US" dirty="0"/>
-              <a:t>td&gt;</a:t>
-            </a:r>
-            <a:r>
-              <a:rPr lang="he-IL" dirty="0"/>
-              <a:t>&gt; ל- </a:t>
-            </a:r>
+              <a:t>&lt;/body&gt;</a:t>
+            </a:r>
+          </a:p>
+          <a:p>
+            <a:pPr marL="0" indent="0" algn="l" rtl="0" fontAlgn="base">
+              <a:lnSpc>
+                <a:spcPts val="600"/>
+              </a:lnSpc>
+              <a:buNone/>
+            </a:pPr>
             <a:r>
               <a:rPr lang="en-US" dirty="0"/>
-              <a:t>&lt;/td/&gt;</a:t>
-            </a:r>
-            <a:r>
-              <a:rPr lang="he-IL" dirty="0"/>
-              <a:t>.</a:t>
-            </a:r>
-          </a:p>
-          <a:p>
-            <a:pPr marL="0" indent="0" algn="r" rtl="1" fontAlgn="base">
-              <a:buNone/>
-            </a:pPr>
-            <a:endParaRPr lang="he-IL" dirty="0"/>
-          </a:p>
-          <a:p>
-            <a:pPr marL="0" indent="0" algn="r" rtl="1" fontAlgn="base">
-              <a:buNone/>
-            </a:pPr>
-            <a:r>
-              <a:rPr lang="he-IL" b="1" dirty="0"/>
-              <a:t>עיצוב טבלאות</a:t>
-            </a:r>
-          </a:p>
-          <a:p>
-            <a:pPr marL="0" indent="0" algn="r" rtl="1" fontAlgn="base">
-              <a:buNone/>
-            </a:pPr>
-            <a:r>
-              <a:rPr lang="he-IL" dirty="0"/>
-              <a:t>עיצוב טבלאות יעשה ע”י שימוש ב-</a:t>
-            </a:r>
-            <a:r>
-              <a:rPr lang="en-US" dirty="0"/>
-              <a:t>CSS</a:t>
-            </a:r>
-            <a:r>
-              <a:rPr lang="he-IL" dirty="0"/>
-              <a:t> בלבד, אולם פעמים רבות בשלב בניית הדף, נרצה לראות את הטבלה בבירור. לשם כך נשתמש במאפיין </a:t>
-            </a:r>
-            <a:r>
-              <a:rPr lang="en-US" dirty="0"/>
-              <a:t>border</a:t>
-            </a:r>
-            <a:r>
-              <a:rPr lang="he-IL" dirty="0"/>
-              <a:t>.</a:t>
-            </a:r>
-          </a:p>
-          <a:p>
-            <a:pPr marL="0" indent="0" algn="r" rtl="1" fontAlgn="base">
-              <a:buNone/>
-            </a:pPr>
-            <a:endParaRPr lang="he-IL" dirty="0"/>
-          </a:p>
-          <a:p>
-            <a:pPr marL="0" indent="0" algn="r" rtl="1" fontAlgn="base">
-              <a:buNone/>
-            </a:pPr>
-            <a:r>
-              <a:rPr lang="en-US" dirty="0"/>
-              <a:t>&lt;table </a:t>
-            </a:r>
-            <a:r>
-              <a:rPr lang="en-US" b="1" dirty="0"/>
-              <a:t>border="1"</a:t>
-            </a:r>
-            <a:r>
-              <a:rPr lang="en-US" dirty="0"/>
-              <a:t>&gt;</a:t>
-            </a:r>
-            <a:br>
-              <a:rPr lang="en-US" dirty="0"/>
-            </a:br>
-            <a:r>
-              <a:rPr lang="en-US" dirty="0"/>
-              <a:t>...</a:t>
-            </a:r>
-            <a:br>
-              <a:rPr lang="en-US" dirty="0"/>
-            </a:br>
-            <a:r>
-              <a:rPr lang="en-US" dirty="0"/>
-              <a:t>&lt;/table&gt;</a:t>
+              <a:t>&lt;/html&gt;</a:t>
             </a:r>
             <a:endParaRPr lang="he-IL" dirty="0"/>
           </a:p>
@@ -21204,49 +21008,10 @@
           </a:extLst>
         </p:spPr>
       </p:pic>
-      <p:pic>
-        <p:nvPicPr>
-          <p:cNvPr id="3076" name="Picture 4">
-            <a:extLst>
-              <a:ext uri="{FF2B5EF4-FFF2-40B4-BE49-F238E27FC236}">
-                <a16:creationId xmlns:a16="http://schemas.microsoft.com/office/drawing/2014/main" id="{251734CA-FA41-49D0-A3AE-228066AB17AE}"/>
-              </a:ext>
-            </a:extLst>
-          </p:cNvPr>
-          <p:cNvPicPr>
-            <a:picLocks noChangeAspect="1" noChangeArrowheads="1"/>
-          </p:cNvPicPr>
-          <p:nvPr/>
-        </p:nvPicPr>
-        <p:blipFill>
-          <a:blip r:embed="rId3"/>
-          <a:srcRect/>
-          <a:stretch/>
-        </p:blipFill>
-        <p:spPr bwMode="auto">
-          <a:xfrm>
-            <a:off x="1344707" y="1121612"/>
-            <a:ext cx="2857500" cy="952500"/>
-          </a:xfrm>
-          <a:prstGeom prst="rect">
-            <a:avLst/>
-          </a:prstGeom>
-          <a:noFill/>
-          <a:extLst>
-            <a:ext uri="{909E8E84-426E-40DD-AFC4-6F175D3DCCD1}">
-              <a14:hiddenFill xmlns:a14="http://schemas.microsoft.com/office/drawing/2010/main">
-                <a:solidFill>
-                  <a:srgbClr val="FFFFFF"/>
-                </a:solidFill>
-              </a14:hiddenFill>
-            </a:ext>
-          </a:extLst>
-        </p:spPr>
-      </p:pic>
     </p:spTree>
     <p:extLst>
       <p:ext uri="{BB962C8B-B14F-4D97-AF65-F5344CB8AC3E}">
-        <p14:creationId xmlns:p14="http://schemas.microsoft.com/office/powerpoint/2010/main" val="585705252"/>
+        <p14:creationId xmlns:p14="http://schemas.microsoft.com/office/powerpoint/2010/main" val="401958908"/>
       </p:ext>
     </p:extLst>
   </p:cSld>
@@ -21331,215 +21096,276 @@
         </p:spPr>
         <p:txBody>
           <a:bodyPr>
-            <a:normAutofit lnSpcReduction="10000"/>
+            <a:normAutofit/>
           </a:bodyPr>
           <a:lstStyle/>
           <a:p>
-            <a:pPr marL="0" indent="0" algn="r" rtl="1">
-              <a:buNone/>
+            <a:pPr marR="0" lvl="0" algn="r" rtl="1" fontAlgn="auto">
+              <a:spcAft>
+                <a:spcPts val="0"/>
+              </a:spcAft>
+              <a:buClr>
+                <a:srgbClr val="AA2B1E"/>
+              </a:buClr>
+              <a:buSzPct val="85000"/>
+              <a:tabLst/>
+              <a:defRPr/>
             </a:pPr>
             <a:r>
-              <a:rPr lang="he-IL" b="1" dirty="0"/>
-              <a:t>מסגרות &lt;</a:t>
-            </a:r>
-            <a:r>
               <a:rPr lang="en-US" b="1" dirty="0"/>
-              <a:t>&lt;iframe</a:t>
-            </a:r>
-            <a:endParaRPr lang="he-IL" b="1" dirty="0"/>
-          </a:p>
-          <a:p>
-            <a:pPr marL="0" indent="0" algn="l">
-              <a:buNone/>
+              <a:t>HTML Emoji</a:t>
+            </a:r>
+          </a:p>
+          <a:p>
+            <a:pPr marR="0" lvl="0" algn="r" rtl="1" fontAlgn="auto">
+              <a:spcAft>
+                <a:spcPts val="0"/>
+              </a:spcAft>
+              <a:buClr>
+                <a:srgbClr val="AA2B1E"/>
+              </a:buClr>
+              <a:buSzPct val="85000"/>
+              <a:tabLst/>
+              <a:defRPr/>
             </a:pPr>
             <a:r>
-              <a:rPr lang="en-US" dirty="0"/>
-              <a:t>&lt;iframe src= "http://ynet.co.il" width="200" height="200"&gt;&lt;/iframe&gt;</a:t>
-            </a:r>
-          </a:p>
-          <a:p>
-            <a:pPr marL="0" indent="0" algn="r" rtl="1">
-              <a:buNone/>
+              <a:rPr lang="he-IL" dirty="0"/>
+              <a:t>לפעמים יש צורך לשים סמיילים או תווים מיוחדים.</a:t>
+            </a:r>
+          </a:p>
+          <a:p>
+            <a:pPr marR="0" lvl="0" algn="r" rtl="1" fontAlgn="auto">
+              <a:spcAft>
+                <a:spcPts val="0"/>
+              </a:spcAft>
+              <a:buClr>
+                <a:srgbClr val="AA2B1E"/>
+              </a:buClr>
+              <a:buSzPct val="85000"/>
+              <a:tabLst/>
+              <a:defRPr/>
             </a:pPr>
             <a:r>
               <a:rPr lang="he-IL" dirty="0"/>
-              <a:t>מסגרות מאשפרות להכניס דף אחד לתוך דף שני.</a:t>
-            </a:r>
-          </a:p>
-          <a:p>
-            <a:pPr marL="0" indent="0" algn="l" rtl="1">
-              <a:buNone/>
+              <a:t>רשימת כל האייקונים: </a:t>
+            </a:r>
+            <a:r>
+              <a:rPr lang="en-US" dirty="0">
+                <a:hlinkClick r:id="rId2"/>
+              </a:rPr>
+              <a:t>https://www.w3schools.com/charsets/ref_emoji.asp</a:t>
+            </a:r>
+            <a:endParaRPr lang="he-IL" dirty="0"/>
+          </a:p>
+          <a:p>
+            <a:pPr marR="0" lvl="0" algn="r" rtl="1" fontAlgn="auto">
+              <a:spcAft>
+                <a:spcPts val="0"/>
+              </a:spcAft>
+              <a:buClr>
+                <a:srgbClr val="AA2B1E"/>
+              </a:buClr>
+              <a:buSzPct val="85000"/>
+              <a:tabLst/>
+              <a:defRPr/>
             </a:pPr>
             <a:endParaRPr lang="he-IL" dirty="0"/>
           </a:p>
           <a:p>
-            <a:pPr marL="0" indent="0" algn="r" rtl="1">
-              <a:buNone/>
+            <a:pPr marR="0" lvl="0" algn="r" rtl="1" fontAlgn="auto">
+              <a:spcAft>
+                <a:spcPts val="0"/>
+              </a:spcAft>
+              <a:buClr>
+                <a:srgbClr val="AA2B1E"/>
+              </a:buClr>
+              <a:buSzPct val="85000"/>
+              <a:tabLst/>
+              <a:defRPr/>
             </a:pPr>
             <a:r>
-              <a:rPr lang="he-IL" b="1" u="sng" dirty="0"/>
-              <a:t>מאפיינים:</a:t>
-            </a:r>
-          </a:p>
-          <a:p>
-            <a:pPr algn="r" rtl="1"/>
-            <a:r>
-              <a:rPr lang="en-US" b="1" dirty="0"/>
-              <a:t>src</a:t>
-            </a:r>
+              <a:rPr lang="he-IL" dirty="0"/>
+              <a:t>שימוש: </a:t>
+            </a:r>
+            <a:endParaRPr lang="ru-RU" dirty="0"/>
+          </a:p>
+          <a:p>
+            <a:pPr marR="0" lvl="0" algn="r" fontAlgn="auto">
+              <a:spcAft>
+                <a:spcPts val="0"/>
+              </a:spcAft>
+              <a:buClr>
+                <a:srgbClr val="AA2B1E"/>
+              </a:buClr>
+              <a:buSzPct val="85000"/>
+              <a:tabLst/>
+              <a:defRPr/>
+            </a:pPr>
             <a:r>
               <a:rPr lang="en-US" dirty="0"/>
-              <a:t> </a:t>
-            </a:r>
+              <a:t>&amp;#XXXXXXX</a:t>
+            </a:r>
+          </a:p>
+          <a:p>
+            <a:pPr marR="0" lvl="0" algn="r" fontAlgn="auto">
+              <a:spcAft>
+                <a:spcPts val="0"/>
+              </a:spcAft>
+              <a:buClr>
+                <a:srgbClr val="AA2B1E"/>
+              </a:buClr>
+              <a:buSzPct val="85000"/>
+              <a:tabLst/>
+              <a:defRPr/>
+            </a:pPr>
             <a:r>
               <a:rPr lang="he-IL" dirty="0"/>
-              <a:t> מציין את קובץ ה-</a:t>
+              <a:t>לדוגמא:</a:t>
+            </a:r>
+          </a:p>
+          <a:p>
+            <a:pPr marR="0" lvl="0" algn="r" fontAlgn="auto">
+              <a:spcAft>
+                <a:spcPts val="0"/>
+              </a:spcAft>
+              <a:buClr>
+                <a:srgbClr val="AA2B1E"/>
+              </a:buClr>
+              <a:buSzPct val="85000"/>
+              <a:tabLst/>
+              <a:defRPr/>
+            </a:pPr>
+            <a:r>
+              <a:rPr lang="en-US" b="0" i="0" dirty="0">
+                <a:solidFill>
+                  <a:srgbClr val="000000"/>
+                </a:solidFill>
+                <a:effectLst/>
+                <a:latin typeface="Times New Roman" panose="02020603050405020304" pitchFamily="18" charset="0"/>
+              </a:rPr>
+              <a:t>⌚</a:t>
             </a:r>
             <a:r>
               <a:rPr lang="en-US" dirty="0"/>
-              <a:t>HTML </a:t>
-            </a:r>
+              <a:t> - &amp;#8986</a:t>
+            </a:r>
+            <a:endParaRPr lang="he-IL" dirty="0"/>
+          </a:p>
+          <a:p>
+            <a:pPr marR="0" lvl="0" algn="r" fontAlgn="auto">
+              <a:spcAft>
+                <a:spcPts val="0"/>
+              </a:spcAft>
+              <a:buClr>
+                <a:srgbClr val="AA2B1E"/>
+              </a:buClr>
+              <a:buSzPct val="85000"/>
+              <a:tabLst/>
+              <a:defRPr/>
+            </a:pPr>
+            <a:endParaRPr lang="en-US" dirty="0"/>
+          </a:p>
+          <a:p>
+            <a:pPr marR="0" lvl="0" algn="r" rtl="1" fontAlgn="auto">
+              <a:spcAft>
+                <a:spcPts val="0"/>
+              </a:spcAft>
+              <a:buClr>
+                <a:srgbClr val="AA2B1E"/>
+              </a:buClr>
+              <a:buSzPct val="85000"/>
+              <a:tabLst/>
+              <a:defRPr/>
+            </a:pPr>
             <a:r>
               <a:rPr lang="he-IL" dirty="0"/>
-              <a:t> שהמסגרת תכיל.</a:t>
-            </a:r>
-          </a:p>
-          <a:p>
-            <a:pPr algn="r" rtl="1"/>
-            <a:r>
-              <a:rPr lang="en-US" b="1" dirty="0"/>
-              <a:t>name</a:t>
+              <a:t>רשימת כל התווים: </a:t>
+            </a:r>
+            <a:r>
+              <a:rPr lang="en-US" dirty="0">
+                <a:hlinkClick r:id="rId3"/>
+              </a:rPr>
+              <a:t>https://www.w3schools.com/charsets/ref_utf_math.asp</a:t>
+            </a:r>
+            <a:endParaRPr lang="he-IL" dirty="0"/>
+          </a:p>
+          <a:p>
+            <a:pPr marR="0" lvl="0" algn="r" rtl="1" fontAlgn="auto">
+              <a:spcAft>
+                <a:spcPts val="0"/>
+              </a:spcAft>
+              <a:buClr>
+                <a:srgbClr val="AA2B1E"/>
+              </a:buClr>
+              <a:buSzPct val="85000"/>
+              <a:tabLst/>
+              <a:defRPr/>
+            </a:pPr>
+            <a:r>
+              <a:rPr lang="en-US" dirty="0">
+                <a:hlinkClick r:id="rId4"/>
+              </a:rPr>
+              <a:t>https://www.w3schools.com/charsets/ref_utf_currency.asp</a:t>
+            </a:r>
+            <a:endParaRPr lang="he-IL" dirty="0"/>
+          </a:p>
+          <a:p>
+            <a:pPr marR="0" lvl="0" algn="r" fontAlgn="auto">
+              <a:spcAft>
+                <a:spcPts val="0"/>
+              </a:spcAft>
+              <a:buClr>
+                <a:srgbClr val="AA2B1E"/>
+              </a:buClr>
+              <a:buSzPct val="85000"/>
+              <a:tabLst/>
+              <a:defRPr/>
+            </a:pPr>
+            <a:r>
+              <a:rPr lang="he-IL" dirty="0"/>
+              <a:t>לדוגמא:</a:t>
+            </a:r>
+          </a:p>
+          <a:p>
+            <a:pPr marR="0" lvl="0" algn="r" fontAlgn="auto">
+              <a:spcAft>
+                <a:spcPts val="0"/>
+              </a:spcAft>
+              <a:buClr>
+                <a:srgbClr val="AA2B1E"/>
+              </a:buClr>
+              <a:buSzPct val="85000"/>
+              <a:tabLst/>
+              <a:defRPr/>
+            </a:pPr>
+            <a:r>
+              <a:rPr lang="en-US" b="0" i="0" dirty="0">
+                <a:solidFill>
+                  <a:srgbClr val="000000"/>
+                </a:solidFill>
+                <a:effectLst/>
+                <a:latin typeface="Verdana" panose="020B0604030504040204" pitchFamily="34" charset="0"/>
+              </a:rPr>
+              <a:t>₪</a:t>
             </a:r>
             <a:r>
               <a:rPr lang="en-US" dirty="0"/>
-              <a:t> </a:t>
-            </a:r>
-            <a:r>
-              <a:rPr lang="he-IL" dirty="0"/>
-              <a:t> מציין את שם המסגרת.</a:t>
-            </a:r>
-          </a:p>
-          <a:p>
-            <a:pPr algn="r" rtl="1"/>
-            <a:r>
-              <a:rPr lang="en-US" b="1" dirty="0"/>
-              <a:t>width</a:t>
-            </a:r>
-            <a:r>
-              <a:rPr lang="en-US" dirty="0"/>
-              <a:t> </a:t>
-            </a:r>
-            <a:r>
-              <a:rPr lang="he-IL" dirty="0"/>
-              <a:t> מציין את הרוחב שהמסגרת תתפוס בדף, מקבל ערך בפיקסלים.</a:t>
-            </a:r>
-          </a:p>
-          <a:p>
-            <a:pPr algn="r" rtl="1"/>
-            <a:r>
-              <a:rPr lang="en-US" b="1" dirty="0"/>
-              <a:t>height</a:t>
-            </a:r>
-            <a:r>
-              <a:rPr lang="en-US" dirty="0"/>
-              <a:t> </a:t>
-            </a:r>
-            <a:r>
-              <a:rPr lang="he-IL" dirty="0"/>
-              <a:t> מציין את הגובה שהמסגרת תתפוס בדף, מקבל ערך בפיקסלים.</a:t>
-            </a:r>
-            <a:endParaRPr lang="he-IL" b="1" dirty="0"/>
-          </a:p>
-          <a:p>
-            <a:pPr algn="r" rtl="1"/>
-            <a:r>
-              <a:rPr lang="en-US" b="1" dirty="0"/>
-              <a:t>scrolling</a:t>
-            </a:r>
-            <a:r>
-              <a:rPr lang="en-US" dirty="0"/>
-              <a:t> </a:t>
-            </a:r>
-            <a:r>
-              <a:rPr lang="he-IL" dirty="0"/>
-              <a:t> מציין האם המסגרת תקבל פס גלילה. מקבל את הערכים </a:t>
-            </a:r>
-            <a:r>
-              <a:rPr lang="en-US" dirty="0"/>
-              <a:t>yes, no </a:t>
-            </a:r>
-            <a:r>
-              <a:rPr lang="he-IL" dirty="0"/>
-              <a:t>או </a:t>
-            </a:r>
-            <a:r>
-              <a:rPr lang="en-US" dirty="0"/>
-              <a:t>auto</a:t>
-            </a:r>
-            <a:r>
-              <a:rPr lang="he-IL" dirty="0"/>
-              <a:t>.</a:t>
-            </a:r>
-          </a:p>
-          <a:p>
-            <a:pPr algn="r" rtl="1"/>
-            <a:r>
-              <a:rPr lang="en-US" b="1" dirty="0"/>
-              <a:t>frameborder</a:t>
-            </a:r>
-            <a:r>
-              <a:rPr lang="en-US" dirty="0"/>
-              <a:t> </a:t>
-            </a:r>
-            <a:r>
-              <a:rPr lang="he-IL" dirty="0"/>
-              <a:t> מציין האם להציג גבול מסביב למסגרת, מקבל או 0 או 1.</a:t>
-            </a:r>
-          </a:p>
-          <a:p>
-            <a:pPr algn="r" rtl="1"/>
-            <a:r>
-              <a:rPr lang="en-US" b="1" dirty="0"/>
-              <a:t>noresize</a:t>
-            </a:r>
-            <a:r>
-              <a:rPr lang="en-US" dirty="0"/>
-              <a:t> </a:t>
-            </a:r>
-            <a:r>
-              <a:rPr lang="he-IL" dirty="0"/>
-              <a:t> במידה והמאפיין הזה נמצא, גודל המסגרת יהיה קבוע. המאפיין הזה לא מקבל ערך.</a:t>
-            </a:r>
-          </a:p>
-          <a:p>
-            <a:pPr algn="r" rtl="1"/>
-            <a:r>
-              <a:rPr lang="en-US" b="1" dirty="0"/>
-              <a:t>marginheight</a:t>
-            </a:r>
-            <a:r>
-              <a:rPr lang="en-US" dirty="0"/>
-              <a:t> </a:t>
-            </a:r>
-            <a:r>
-              <a:rPr lang="he-IL" dirty="0"/>
-              <a:t> מציין את הריווח בין תוכן המסגרת לגבול העליון ולגבול התחתון שלה. מקבל ערך בפיקסלים.</a:t>
-            </a:r>
-          </a:p>
-          <a:p>
-            <a:pPr algn="r" rtl="1"/>
-            <a:r>
-              <a:rPr lang="en-US" b="1" dirty="0"/>
-              <a:t>marginwidth</a:t>
-            </a:r>
-            <a:r>
-              <a:rPr lang="en-US" dirty="0"/>
-              <a:t> </a:t>
-            </a:r>
-            <a:r>
-              <a:rPr lang="he-IL" dirty="0"/>
-              <a:t> מציין את הריווח בין תוכן המסגרת לגבול הימני ולגבול השמאלי שלה. מקבל ערך בפיקסלים.</a:t>
-            </a:r>
+              <a:t> - &amp;#8362</a:t>
+            </a:r>
+          </a:p>
+          <a:p>
+            <a:pPr marR="0" lvl="0" algn="r" rtl="1" fontAlgn="auto">
+              <a:spcAft>
+                <a:spcPts val="0"/>
+              </a:spcAft>
+              <a:buClr>
+                <a:srgbClr val="AA2B1E"/>
+              </a:buClr>
+              <a:buSzPct val="85000"/>
+              <a:tabLst/>
+              <a:defRPr/>
+            </a:pPr>
+            <a:endParaRPr lang="en-US" dirty="0"/>
           </a:p>
         </p:txBody>
       </p:sp>
@@ -21558,7 +21384,7 @@
           <p:nvPr/>
         </p:nvPicPr>
         <p:blipFill>
-          <a:blip r:embed="rId2" cstate="print">
+          <a:blip r:embed="rId5" cstate="print">
             <a:extLst>
               <a:ext uri="{28A0092B-C50C-407E-A947-70E740481C1C}">
                 <a14:useLocalDpi xmlns:a14="http://schemas.microsoft.com/office/drawing/2010/main" val="0"/>
@@ -21590,49 +21416,10 @@
           </a:extLst>
         </p:spPr>
       </p:pic>
-      <p:pic>
-        <p:nvPicPr>
-          <p:cNvPr id="3076" name="Picture 4">
-            <a:extLst>
-              <a:ext uri="{FF2B5EF4-FFF2-40B4-BE49-F238E27FC236}">
-                <a16:creationId xmlns:a16="http://schemas.microsoft.com/office/drawing/2014/main" id="{251734CA-FA41-49D0-A3AE-228066AB17AE}"/>
-              </a:ext>
-            </a:extLst>
-          </p:cNvPr>
-          <p:cNvPicPr>
-            <a:picLocks noChangeAspect="1" noChangeArrowheads="1"/>
-          </p:cNvPicPr>
-          <p:nvPr/>
-        </p:nvPicPr>
-        <p:blipFill>
-          <a:blip r:embed="rId3"/>
-          <a:srcRect/>
-          <a:stretch/>
-        </p:blipFill>
-        <p:spPr bwMode="auto">
-          <a:xfrm>
-            <a:off x="1438711" y="2702584"/>
-            <a:ext cx="2857500" cy="952500"/>
-          </a:xfrm>
-          <a:prstGeom prst="rect">
-            <a:avLst/>
-          </a:prstGeom>
-          <a:noFill/>
-          <a:extLst>
-            <a:ext uri="{909E8E84-426E-40DD-AFC4-6F175D3DCCD1}">
-              <a14:hiddenFill xmlns:a14="http://schemas.microsoft.com/office/drawing/2010/main">
-                <a:solidFill>
-                  <a:srgbClr val="FFFFFF"/>
-                </a:solidFill>
-              </a14:hiddenFill>
-            </a:ext>
-          </a:extLst>
-        </p:spPr>
-      </p:pic>
     </p:spTree>
     <p:extLst>
       <p:ext uri="{BB962C8B-B14F-4D97-AF65-F5344CB8AC3E}">
-        <p14:creationId xmlns:p14="http://schemas.microsoft.com/office/powerpoint/2010/main" val="1070176920"/>
+        <p14:creationId xmlns:p14="http://schemas.microsoft.com/office/powerpoint/2010/main" val="2846660391"/>
       </p:ext>
     </p:extLst>
   </p:cSld>
@@ -21659,237 +21446,47 @@
           <a:chExt cx="0" cy="0"/>
         </a:xfrm>
       </p:grpSpPr>
-      <p:sp>
-        <p:nvSpPr>
-          <p:cNvPr id="3" name="Title 2">
-            <a:extLst>
-              <a:ext uri="{FF2B5EF4-FFF2-40B4-BE49-F238E27FC236}">
-                <a16:creationId xmlns:a16="http://schemas.microsoft.com/office/drawing/2014/main" id="{12B178B4-CDED-454C-BED2-2E2B10ADA703}"/>
-              </a:ext>
-            </a:extLst>
-          </p:cNvPr>
-          <p:cNvSpPr>
-            <a:spLocks noGrp="1"/>
-          </p:cNvSpPr>
-          <p:nvPr>
-            <p:ph type="ctrTitle"/>
-          </p:nvPr>
-        </p:nvSpPr>
-        <p:spPr/>
-        <p:txBody>
-          <a:bodyPr/>
-          <a:lstStyle/>
-          <a:p>
-            <a:pPr algn="r" rtl="1"/>
-            <a:r>
-              <a:rPr lang="en-US" dirty="0"/>
-              <a:t>HTML </a:t>
-            </a:r>
-            <a:r>
-              <a:rPr lang="he-IL" dirty="0"/>
-              <a:t> - תגים בסיסיים</a:t>
-            </a:r>
-            <a:endParaRPr lang="en-US" dirty="0"/>
-          </a:p>
-        </p:txBody>
-      </p:sp>
-      <p:sp>
-        <p:nvSpPr>
-          <p:cNvPr id="7" name="Text Placeholder 6">
-            <a:extLst>
-              <a:ext uri="{FF2B5EF4-FFF2-40B4-BE49-F238E27FC236}">
-                <a16:creationId xmlns:a16="http://schemas.microsoft.com/office/drawing/2014/main" id="{54E9E228-B02C-3941-B458-23CB2D67B476}"/>
-              </a:ext>
-            </a:extLst>
-          </p:cNvPr>
-          <p:cNvSpPr>
-            <a:spLocks noGrp="1"/>
-          </p:cNvSpPr>
-          <p:nvPr>
-            <p:ph type="body" sz="quarter" idx="14"/>
-          </p:nvPr>
-        </p:nvSpPr>
-        <p:spPr>
-          <a:xfrm>
-            <a:off x="1627321" y="1507066"/>
-            <a:ext cx="10134372" cy="5103284"/>
-          </a:xfrm>
-        </p:spPr>
-        <p:txBody>
-          <a:bodyPr>
-            <a:normAutofit/>
-          </a:bodyPr>
-          <a:lstStyle/>
-          <a:p>
-            <a:pPr marL="0" indent="0" algn="r" rtl="1">
-              <a:buNone/>
-            </a:pPr>
-            <a:r>
-              <a:rPr lang="he-IL" b="1" dirty="0"/>
-              <a:t>טפסים</a:t>
-            </a:r>
-          </a:p>
-          <a:p>
-            <a:pPr marL="0" indent="0" algn="r" rtl="1">
-              <a:buNone/>
-            </a:pPr>
-            <a:r>
-              <a:rPr lang="he-IL" dirty="0"/>
-              <a:t>לא פעם אנחנו רוצים לקבל אינפורמציה מהגולש, ואת זה עושים באמצעות טפסים. בכדי לכתוב טופס מתחילים בתג </a:t>
-            </a:r>
-            <a:r>
-              <a:rPr lang="en-US" dirty="0"/>
-              <a:t>form&gt;</a:t>
-            </a:r>
-            <a:r>
-              <a:rPr lang="he-IL" dirty="0"/>
-              <a:t>&gt;:</a:t>
-            </a:r>
-          </a:p>
-          <a:p>
-            <a:pPr marL="0" indent="0" algn="r" rtl="1">
-              <a:buNone/>
-            </a:pPr>
-            <a:r>
-              <a:rPr lang="en-US" dirty="0"/>
-              <a:t>&lt;form name="example" method="get" action=""&gt;  </a:t>
-            </a:r>
-          </a:p>
-          <a:p>
-            <a:pPr marL="0" indent="0" algn="r" rtl="1">
-              <a:buNone/>
-            </a:pPr>
-            <a:r>
-              <a:rPr lang="he-IL" dirty="0"/>
-              <a:t>שם פרטי:</a:t>
-            </a:r>
-            <a:r>
-              <a:rPr lang="en-US" dirty="0"/>
-              <a:t> &lt;input type="text" name="</a:t>
-            </a:r>
-            <a:r>
-              <a:rPr lang="en-US" dirty="0" err="1"/>
-              <a:t>firstname</a:t>
-            </a:r>
-            <a:r>
-              <a:rPr lang="en-US" dirty="0"/>
-              <a:t>"&gt;  </a:t>
-            </a:r>
-          </a:p>
-          <a:p>
-            <a:pPr marL="0" indent="0" algn="r" rtl="1">
-              <a:buNone/>
-            </a:pPr>
-            <a:r>
-              <a:rPr lang="he-IL" dirty="0"/>
-              <a:t>שם משפחה:</a:t>
-            </a:r>
-            <a:r>
-              <a:rPr lang="en-US" dirty="0"/>
-              <a:t> &lt;input type="text" name="</a:t>
-            </a:r>
-            <a:r>
-              <a:rPr lang="en-US" dirty="0" err="1"/>
-              <a:t>lastname</a:t>
-            </a:r>
-            <a:r>
-              <a:rPr lang="en-US" dirty="0"/>
-              <a:t>"&gt;  </a:t>
-            </a:r>
-          </a:p>
-          <a:p>
-            <a:pPr marL="0" indent="0" algn="r" rtl="1">
-              <a:buNone/>
-            </a:pPr>
-            <a:r>
-              <a:rPr lang="en-US" dirty="0"/>
-              <a:t>&lt;/form&gt;</a:t>
-            </a:r>
-          </a:p>
-          <a:p>
-            <a:pPr marL="0" indent="0" algn="r" rtl="1">
-              <a:buNone/>
-            </a:pPr>
-            <a:r>
-              <a:rPr lang="he-IL" b="1" u="sng" dirty="0"/>
-              <a:t>מאפיינים נוספים:</a:t>
-            </a:r>
-            <a:br>
-              <a:rPr lang="he-IL" dirty="0"/>
-            </a:br>
-            <a:br>
-              <a:rPr lang="he-IL" dirty="0"/>
-            </a:br>
-            <a:r>
-              <a:rPr lang="en-US" b="1" dirty="0"/>
-              <a:t>method</a:t>
-            </a:r>
-            <a:r>
-              <a:rPr lang="en-US" dirty="0"/>
-              <a:t> </a:t>
-            </a:r>
-            <a:r>
-              <a:rPr lang="he-IL" dirty="0"/>
-              <a:t> מציין את שיטת שליחת הנתונים, מקבל אחד מהערכים </a:t>
-            </a:r>
-            <a:r>
-              <a:rPr lang="en-US" dirty="0"/>
-              <a:t>get </a:t>
-            </a:r>
-            <a:r>
-              <a:rPr lang="he-IL" dirty="0"/>
-              <a:t> או </a:t>
-            </a:r>
-            <a:r>
-              <a:rPr lang="en-US" dirty="0"/>
-              <a:t>post</a:t>
-            </a:r>
-            <a:r>
-              <a:rPr lang="he-IL" dirty="0"/>
-              <a:t>. ל</a:t>
-            </a:r>
-            <a:r>
-              <a:rPr lang="en-US" dirty="0"/>
-              <a:t>get-</a:t>
-            </a:r>
-            <a:r>
-              <a:rPr lang="he-IL" dirty="0"/>
-              <a:t> יש הגבלת אורך של 256 תווים.</a:t>
-            </a:r>
-          </a:p>
-          <a:p>
-            <a:pPr marL="0" indent="0" algn="r" rtl="1">
-              <a:buNone/>
-            </a:pPr>
-            <a:br>
-              <a:rPr lang="he-IL" dirty="0"/>
-            </a:br>
-            <a:r>
-              <a:rPr lang="he-IL" dirty="0"/>
-              <a:t>האלמנטים שטופס יכול להכיל הם תיבות טקסט, תיבות סיסמא, תיבות סימון, כפתורי רדיו, אזורי טקסט, תיבות בחירה, תיבות בחירה מרובה, תיבות קובץ, וכפתורים.</a:t>
-            </a:r>
-          </a:p>
-        </p:txBody>
-      </p:sp>
       <p:pic>
         <p:nvPicPr>
-          <p:cNvPr id="5" name="Picture 2" descr="https://upload.wikimedia.org/wikipedia/commons/thumb/6/61/HTML5_logo_and_wordmark.svg/512px-HTML5_logo_and_wordmark.svg.png">
-            <a:extLst>
-              <a:ext uri="{FF2B5EF4-FFF2-40B4-BE49-F238E27FC236}">
-                <a16:creationId xmlns:a16="http://schemas.microsoft.com/office/drawing/2014/main" id="{FC03673A-5009-4140-8008-133D436C7A27}"/>
+          <p:cNvPr id="19" name="Picture Placeholder 15" descr="People reviewing floor plans">
+            <a:extLst>
+              <a:ext uri="{FF2B5EF4-FFF2-40B4-BE49-F238E27FC236}">
+                <a16:creationId xmlns:a16="http://schemas.microsoft.com/office/drawing/2014/main" id="{C4C2D77A-C801-9B4E-B6FB-9402525D52F3}"/>
+              </a:ext>
+              <a:ext uri="{C183D7F6-B498-43B3-948B-1728B52AA6E4}">
+                <adec:decorative xmlns:adec="http://schemas.microsoft.com/office/drawing/2017/decorative" val="0"/>
               </a:ext>
             </a:extLst>
           </p:cNvPr>
           <p:cNvPicPr>
-            <a:picLocks noChangeAspect="1" noChangeArrowheads="1"/>
+            <a:picLocks noGrp="1" noChangeAspect="1"/>
           </p:cNvPicPr>
-          <p:nvPr/>
+          <p:nvPr>
+            <p:ph type="pic" sz="quarter" idx="10"/>
+          </p:nvPr>
         </p:nvPicPr>
         <p:blipFill>
-          <a:blip r:embed="rId2" cstate="print">
-            <a:extLst>
+          <a:blip r:embed="rId2" cstate="screen">
+            <a:duotone>
+              <a:prstClr val="black"/>
+              <a:schemeClr val="accent3">
+                <a:tint val="45000"/>
+                <a:satMod val="400000"/>
+              </a:schemeClr>
+            </a:duotone>
+            <a:alphaModFix amt="20000"/>
+            <a:extLst>
+              <a:ext uri="{BEBA8EAE-BF5A-486C-A8C5-ECC9F3942E4B}">
+                <a14:imgProps xmlns:a14="http://schemas.microsoft.com/office/drawing/2010/main">
+                  <a14:imgLayer r:embed="rId3">
+                    <a14:imgEffect>
+                      <a14:brightnessContrast bright="-40000"/>
+                    </a14:imgEffect>
+                  </a14:imgLayer>
+                </a14:imgProps>
+              </a:ext>
               <a:ext uri="{28A0092B-C50C-407E-A947-70E740481C1C}">
-                <a14:useLocalDpi xmlns:a14="http://schemas.microsoft.com/office/drawing/2010/main" val="0"/>
+                <a14:useLocalDpi xmlns:a14="http://schemas.microsoft.com/office/drawing/2010/main"/>
               </a:ext>
             </a:extLst>
           </a:blip>
@@ -21898,101 +21495,14 @@
             <a:fillRect/>
           </a:stretch>
         </p:blipFill>
-        <p:spPr bwMode="auto">
-          <a:xfrm>
-            <a:off x="-112454" y="5403902"/>
-            <a:ext cx="1368152" cy="1368153"/>
-          </a:xfrm>
-          <a:prstGeom prst="rect">
-            <a:avLst/>
-          </a:prstGeom>
-          <a:noFill/>
-          <a:extLst>
-            <a:ext uri="{909E8E84-426E-40DD-AFC4-6F175D3DCCD1}">
-              <a14:hiddenFill xmlns:a14="http://schemas.microsoft.com/office/drawing/2010/main">
-                <a:solidFill>
-                  <a:srgbClr val="FFFFFF"/>
-                </a:solidFill>
-              </a14:hiddenFill>
-            </a:ext>
-          </a:extLst>
-        </p:spPr>
+        <p:spPr/>
       </p:pic>
-      <p:pic>
-        <p:nvPicPr>
-          <p:cNvPr id="3076" name="Picture 4">
-            <a:extLst>
-              <a:ext uri="{FF2B5EF4-FFF2-40B4-BE49-F238E27FC236}">
-                <a16:creationId xmlns:a16="http://schemas.microsoft.com/office/drawing/2014/main" id="{251734CA-FA41-49D0-A3AE-228066AB17AE}"/>
-              </a:ext>
-            </a:extLst>
-          </p:cNvPr>
-          <p:cNvPicPr>
-            <a:picLocks noChangeAspect="1" noChangeArrowheads="1"/>
-          </p:cNvPicPr>
-          <p:nvPr/>
-        </p:nvPicPr>
-        <p:blipFill>
-          <a:blip r:embed="rId3"/>
-          <a:srcRect/>
-          <a:stretch/>
-        </p:blipFill>
-        <p:spPr bwMode="auto">
-          <a:xfrm>
-            <a:off x="1964039" y="5403902"/>
-            <a:ext cx="1721385" cy="952500"/>
-          </a:xfrm>
-          <a:prstGeom prst="rect">
-            <a:avLst/>
-          </a:prstGeom>
-          <a:noFill/>
-          <a:extLst>
-            <a:ext uri="{909E8E84-426E-40DD-AFC4-6F175D3DCCD1}">
-              <a14:hiddenFill xmlns:a14="http://schemas.microsoft.com/office/drawing/2010/main">
-                <a:solidFill>
-                  <a:srgbClr val="FFFFFF"/>
-                </a:solidFill>
-              </a14:hiddenFill>
-            </a:ext>
-          </a:extLst>
-        </p:spPr>
-      </p:pic>
-    </p:spTree>
-    <p:extLst>
-      <p:ext uri="{BB962C8B-B14F-4D97-AF65-F5344CB8AC3E}">
-        <p14:creationId xmlns:p14="http://schemas.microsoft.com/office/powerpoint/2010/main" val="1497193879"/>
-      </p:ext>
-    </p:extLst>
-  </p:cSld>
-  <p:clrMapOvr>
-    <a:masterClrMapping/>
-  </p:clrMapOvr>
-</p:sld>
-</file>
-
-<file path=ppt/slides/slide6.xml><?xml version="1.0" encoding="utf-8"?>
-<p:sld xmlns:a="http://schemas.openxmlformats.org/drawingml/2006/main" xmlns:r="http://schemas.openxmlformats.org/officeDocument/2006/relationships" xmlns:p="http://schemas.openxmlformats.org/presentationml/2006/main">
-  <p:cSld>
-    <p:spTree>
-      <p:nvGrpSpPr>
-        <p:cNvPr id="1" name=""/>
-        <p:cNvGrpSpPr/>
-        <p:nvPr/>
-      </p:nvGrpSpPr>
-      <p:grpSpPr>
-        <a:xfrm>
-          <a:off x="0" y="0"/>
-          <a:ext cx="0" cy="0"/>
-          <a:chOff x="0" y="0"/>
-          <a:chExt cx="0" cy="0"/>
-        </a:xfrm>
-      </p:grpSpPr>
-      <p:sp>
-        <p:nvSpPr>
-          <p:cNvPr id="3" name="Title 2">
-            <a:extLst>
-              <a:ext uri="{FF2B5EF4-FFF2-40B4-BE49-F238E27FC236}">
-                <a16:creationId xmlns:a16="http://schemas.microsoft.com/office/drawing/2014/main" id="{12B178B4-CDED-454C-BED2-2E2B10ADA703}"/>
+      <p:sp>
+        <p:nvSpPr>
+          <p:cNvPr id="5" name="Title 4">
+            <a:extLst>
+              <a:ext uri="{FF2B5EF4-FFF2-40B4-BE49-F238E27FC236}">
+                <a16:creationId xmlns:a16="http://schemas.microsoft.com/office/drawing/2014/main" id="{99516ACA-375D-1140-8EDA-CE04AAC75809}"/>
               </a:ext>
             </a:extLst>
           </p:cNvPr>
@@ -22003,44 +21513,10 @@
             <p:ph type="ctrTitle"/>
           </p:nvPr>
         </p:nvSpPr>
-        <p:spPr/>
-        <p:txBody>
-          <a:bodyPr/>
-          <a:lstStyle/>
-          <a:p>
-            <a:pPr algn="r" rtl="1"/>
-            <a:r>
-              <a:rPr lang="en-US" dirty="0"/>
-              <a:t>HTML </a:t>
-            </a:r>
-            <a:r>
-              <a:rPr lang="he-IL" dirty="0"/>
-              <a:t> - תגים בסיסיים</a:t>
-            </a:r>
-            <a:endParaRPr lang="en-US" dirty="0"/>
-          </a:p>
-        </p:txBody>
-      </p:sp>
-      <p:sp>
-        <p:nvSpPr>
-          <p:cNvPr id="7" name="Text Placeholder 6">
-            <a:extLst>
-              <a:ext uri="{FF2B5EF4-FFF2-40B4-BE49-F238E27FC236}">
-                <a16:creationId xmlns:a16="http://schemas.microsoft.com/office/drawing/2014/main" id="{54E9E228-B02C-3941-B458-23CB2D67B476}"/>
-              </a:ext>
-            </a:extLst>
-          </p:cNvPr>
-          <p:cNvSpPr>
-            <a:spLocks noGrp="1"/>
-          </p:cNvSpPr>
-          <p:nvPr>
-            <p:ph type="body" sz="quarter" idx="14"/>
-          </p:nvPr>
-        </p:nvSpPr>
-        <p:spPr>
-          <a:xfrm>
-            <a:off x="1627321" y="1507066"/>
-            <a:ext cx="10134372" cy="5103284"/>
+        <p:spPr>
+          <a:xfrm>
+            <a:off x="4568556" y="2006489"/>
+            <a:ext cx="4179376" cy="2387600"/>
           </a:xfrm>
         </p:spPr>
         <p:txBody>
@@ -22049,3702 +21525,27 @@
           </a:bodyPr>
           <a:lstStyle/>
           <a:p>
-            <a:pPr marL="0" indent="0" algn="r" rtl="1">
-              <a:buNone/>
-            </a:pPr>
-            <a:r>
-              <a:rPr lang="he-IL" b="1" dirty="0"/>
-              <a:t>טפסים</a:t>
-            </a:r>
-          </a:p>
-          <a:p>
-            <a:pPr marL="0" indent="0" algn="r" rtl="1">
-              <a:buNone/>
-            </a:pPr>
-            <a:r>
-              <a:rPr lang="he-IL" dirty="0"/>
-              <a:t>תגיות של הטפסים:</a:t>
-            </a:r>
-          </a:p>
-          <a:p>
             <a:pPr algn="r" rtl="1"/>
             <a:r>
-              <a:rPr lang="en-US" b="0" dirty="0">
-                <a:solidFill>
-                  <a:srgbClr val="808080"/>
-                </a:solidFill>
-                <a:effectLst/>
-                <a:latin typeface="Consolas" panose="020B0609020204030204" pitchFamily="49" charset="0"/>
+              <a:rPr lang="he-IL" sz="11500" dirty="0">
+                <a:solidFill>
+                  <a:schemeClr val="bg1"/>
+                </a:solidFill>
               </a:rPr>
-              <a:t>&lt;</a:t>
-            </a:r>
-            <a:r>
-              <a:rPr lang="en-US" b="0" dirty="0">
-                <a:solidFill>
-                  <a:srgbClr val="569CD6"/>
-                </a:solidFill>
-                <a:effectLst/>
-                <a:latin typeface="Consolas" panose="020B0609020204030204" pitchFamily="49" charset="0"/>
-              </a:rPr>
-              <a:t>input</a:t>
-            </a:r>
-            <a:r>
-              <a:rPr lang="en-US" b="0" dirty="0">
-                <a:solidFill>
-                  <a:srgbClr val="808080"/>
-                </a:solidFill>
-                <a:effectLst/>
-                <a:latin typeface="Consolas" panose="020B0609020204030204" pitchFamily="49" charset="0"/>
-              </a:rPr>
-              <a:t>&gt;</a:t>
-            </a:r>
-            <a:r>
-              <a:rPr lang="he-IL" b="0" dirty="0">
-                <a:solidFill>
-                  <a:srgbClr val="808080"/>
-                </a:solidFill>
-                <a:effectLst/>
-                <a:latin typeface="Consolas" panose="020B0609020204030204" pitchFamily="49" charset="0"/>
-              </a:rPr>
-              <a:t> - שדה טקסט</a:t>
-            </a:r>
-            <a:endParaRPr lang="en-US" b="0" dirty="0">
+              <a:t>שאלות?</a:t>
+            </a:r>
+            <a:endParaRPr lang="en-US" sz="11500" dirty="0">
               <a:solidFill>
-                <a:srgbClr val="D4D4D4"/>
+                <a:schemeClr val="bg1"/>
               </a:solidFill>
-              <a:effectLst/>
-              <a:latin typeface="Consolas" panose="020B0609020204030204" pitchFamily="49" charset="0"/>
             </a:endParaRPr>
           </a:p>
-          <a:p>
-            <a:pPr algn="r" rtl="1"/>
-            <a:r>
-              <a:rPr lang="en-US" b="0" dirty="0">
-                <a:solidFill>
-                  <a:srgbClr val="808080"/>
-                </a:solidFill>
-                <a:effectLst/>
-                <a:latin typeface="Consolas" panose="020B0609020204030204" pitchFamily="49" charset="0"/>
-              </a:rPr>
-              <a:t>&lt;</a:t>
-            </a:r>
-            <a:r>
-              <a:rPr lang="en-US" b="0" dirty="0">
-                <a:solidFill>
-                  <a:srgbClr val="569CD6"/>
-                </a:solidFill>
-                <a:effectLst/>
-                <a:latin typeface="Consolas" panose="020B0609020204030204" pitchFamily="49" charset="0"/>
-              </a:rPr>
-              <a:t>label</a:t>
-            </a:r>
-            <a:r>
-              <a:rPr lang="en-US" b="0" dirty="0">
-                <a:solidFill>
-                  <a:srgbClr val="808080"/>
-                </a:solidFill>
-                <a:effectLst/>
-                <a:latin typeface="Consolas" panose="020B0609020204030204" pitchFamily="49" charset="0"/>
-              </a:rPr>
-              <a:t>&gt;</a:t>
-            </a:r>
-            <a:r>
-              <a:rPr lang="he-IL" b="0" dirty="0">
-                <a:solidFill>
-                  <a:srgbClr val="808080"/>
-                </a:solidFill>
-                <a:effectLst/>
-                <a:latin typeface="Consolas" panose="020B0609020204030204" pitchFamily="49" charset="0"/>
-              </a:rPr>
-              <a:t> - שדה מקדים לשדה טקסט</a:t>
-            </a:r>
-            <a:endParaRPr lang="en-US" b="0" dirty="0">
-              <a:solidFill>
-                <a:srgbClr val="D4D4D4"/>
-              </a:solidFill>
-              <a:effectLst/>
-              <a:latin typeface="Consolas" panose="020B0609020204030204" pitchFamily="49" charset="0"/>
-            </a:endParaRPr>
-          </a:p>
-          <a:p>
-            <a:pPr algn="r" rtl="1"/>
-            <a:r>
-              <a:rPr lang="en-US" b="0" dirty="0">
-                <a:solidFill>
-                  <a:srgbClr val="808080"/>
-                </a:solidFill>
-                <a:effectLst/>
-                <a:latin typeface="Consolas" panose="020B0609020204030204" pitchFamily="49" charset="0"/>
-              </a:rPr>
-              <a:t>&lt;</a:t>
-            </a:r>
-            <a:r>
-              <a:rPr lang="en-US" b="0" dirty="0">
-                <a:solidFill>
-                  <a:srgbClr val="569CD6"/>
-                </a:solidFill>
-                <a:effectLst/>
-                <a:latin typeface="Consolas" panose="020B0609020204030204" pitchFamily="49" charset="0"/>
-              </a:rPr>
-              <a:t>select</a:t>
-            </a:r>
-            <a:r>
-              <a:rPr lang="en-US" b="0" dirty="0">
-                <a:solidFill>
-                  <a:srgbClr val="808080"/>
-                </a:solidFill>
-                <a:effectLst/>
-                <a:latin typeface="Consolas" panose="020B0609020204030204" pitchFamily="49" charset="0"/>
-              </a:rPr>
-              <a:t>&gt;</a:t>
-            </a:r>
-            <a:r>
-              <a:rPr lang="he-IL" b="0" dirty="0">
-                <a:solidFill>
-                  <a:srgbClr val="808080"/>
-                </a:solidFill>
-                <a:effectLst/>
-                <a:latin typeface="Consolas" panose="020B0609020204030204" pitchFamily="49" charset="0"/>
-              </a:rPr>
-              <a:t> - שדה בחירה</a:t>
-            </a:r>
-            <a:endParaRPr lang="en-US" b="0" dirty="0">
-              <a:solidFill>
-                <a:srgbClr val="D4D4D4"/>
-              </a:solidFill>
-              <a:effectLst/>
-              <a:latin typeface="Consolas" panose="020B0609020204030204" pitchFamily="49" charset="0"/>
-            </a:endParaRPr>
-          </a:p>
-          <a:p>
-            <a:pPr algn="r" rtl="1"/>
-            <a:r>
-              <a:rPr lang="en-US" b="0" dirty="0">
-                <a:solidFill>
-                  <a:srgbClr val="808080"/>
-                </a:solidFill>
-                <a:effectLst/>
-                <a:latin typeface="Consolas" panose="020B0609020204030204" pitchFamily="49" charset="0"/>
-              </a:rPr>
-              <a:t>&lt;</a:t>
-            </a:r>
-            <a:r>
-              <a:rPr lang="en-US" b="0" dirty="0" err="1">
-                <a:solidFill>
-                  <a:srgbClr val="569CD6"/>
-                </a:solidFill>
-                <a:effectLst/>
-                <a:latin typeface="Consolas" panose="020B0609020204030204" pitchFamily="49" charset="0"/>
-              </a:rPr>
-              <a:t>textarea</a:t>
-            </a:r>
-            <a:r>
-              <a:rPr lang="en-US" b="0" dirty="0">
-                <a:solidFill>
-                  <a:srgbClr val="808080"/>
-                </a:solidFill>
-                <a:effectLst/>
-                <a:latin typeface="Consolas" panose="020B0609020204030204" pitchFamily="49" charset="0"/>
-              </a:rPr>
-              <a:t>&gt;</a:t>
-            </a:r>
-            <a:r>
-              <a:rPr lang="he-IL" b="0" dirty="0">
-                <a:solidFill>
-                  <a:srgbClr val="808080"/>
-                </a:solidFill>
-                <a:effectLst/>
-                <a:latin typeface="Consolas" panose="020B0609020204030204" pitchFamily="49" charset="0"/>
-              </a:rPr>
-              <a:t> - שדה תיבת טקסט</a:t>
-            </a:r>
-            <a:endParaRPr lang="en-US" b="0" dirty="0">
-              <a:solidFill>
-                <a:srgbClr val="D4D4D4"/>
-              </a:solidFill>
-              <a:effectLst/>
-              <a:latin typeface="Consolas" panose="020B0609020204030204" pitchFamily="49" charset="0"/>
-            </a:endParaRPr>
-          </a:p>
-          <a:p>
-            <a:pPr algn="r" rtl="1"/>
-            <a:r>
-              <a:rPr lang="en-US" b="0" dirty="0">
-                <a:solidFill>
-                  <a:srgbClr val="808080"/>
-                </a:solidFill>
-                <a:effectLst/>
-                <a:latin typeface="Consolas" panose="020B0609020204030204" pitchFamily="49" charset="0"/>
-              </a:rPr>
-              <a:t>&lt;</a:t>
-            </a:r>
-            <a:r>
-              <a:rPr lang="en-US" b="0" dirty="0">
-                <a:solidFill>
-                  <a:srgbClr val="569CD6"/>
-                </a:solidFill>
-                <a:effectLst/>
-                <a:latin typeface="Consolas" panose="020B0609020204030204" pitchFamily="49" charset="0"/>
-              </a:rPr>
-              <a:t>button</a:t>
-            </a:r>
-            <a:r>
-              <a:rPr lang="en-US" b="0" dirty="0">
-                <a:solidFill>
-                  <a:srgbClr val="808080"/>
-                </a:solidFill>
-                <a:effectLst/>
-                <a:latin typeface="Consolas" panose="020B0609020204030204" pitchFamily="49" charset="0"/>
-              </a:rPr>
-              <a:t>&gt;</a:t>
-            </a:r>
-            <a:r>
-              <a:rPr lang="he-IL" b="0" dirty="0">
-                <a:solidFill>
-                  <a:srgbClr val="808080"/>
-                </a:solidFill>
-                <a:effectLst/>
-                <a:latin typeface="Consolas" panose="020B0609020204030204" pitchFamily="49" charset="0"/>
-              </a:rPr>
-              <a:t> - כפתור</a:t>
-            </a:r>
-            <a:endParaRPr lang="en-US" b="0" dirty="0">
-              <a:solidFill>
-                <a:srgbClr val="D4D4D4"/>
-              </a:solidFill>
-              <a:effectLst/>
-              <a:latin typeface="Consolas" panose="020B0609020204030204" pitchFamily="49" charset="0"/>
-            </a:endParaRPr>
-          </a:p>
-          <a:p>
-            <a:pPr algn="r" rtl="1"/>
-            <a:r>
-              <a:rPr lang="en-US" b="0" dirty="0">
-                <a:solidFill>
-                  <a:srgbClr val="808080"/>
-                </a:solidFill>
-                <a:effectLst/>
-                <a:latin typeface="Consolas" panose="020B0609020204030204" pitchFamily="49" charset="0"/>
-              </a:rPr>
-              <a:t>&lt;</a:t>
-            </a:r>
-            <a:r>
-              <a:rPr lang="en-US" b="0" dirty="0" err="1">
-                <a:solidFill>
-                  <a:srgbClr val="569CD6"/>
-                </a:solidFill>
-                <a:effectLst/>
-                <a:latin typeface="Consolas" panose="020B0609020204030204" pitchFamily="49" charset="0"/>
-              </a:rPr>
-              <a:t>fieldset</a:t>
-            </a:r>
-            <a:r>
-              <a:rPr lang="en-US" b="0" dirty="0">
-                <a:solidFill>
-                  <a:srgbClr val="808080"/>
-                </a:solidFill>
-                <a:effectLst/>
-                <a:latin typeface="Consolas" panose="020B0609020204030204" pitchFamily="49" charset="0"/>
-              </a:rPr>
-              <a:t>&gt;</a:t>
-            </a:r>
-            <a:r>
-              <a:rPr lang="he-IL" b="0" dirty="0">
-                <a:solidFill>
-                  <a:srgbClr val="808080"/>
-                </a:solidFill>
-                <a:effectLst/>
-                <a:latin typeface="Consolas" panose="020B0609020204030204" pitchFamily="49" charset="0"/>
-              </a:rPr>
-              <a:t> - שדה הגדרת אזור</a:t>
-            </a:r>
-            <a:endParaRPr lang="en-US" b="0" dirty="0">
-              <a:solidFill>
-                <a:srgbClr val="D4D4D4"/>
-              </a:solidFill>
-              <a:effectLst/>
-              <a:latin typeface="Consolas" panose="020B0609020204030204" pitchFamily="49" charset="0"/>
-            </a:endParaRPr>
-          </a:p>
-          <a:p>
-            <a:pPr algn="r" rtl="1"/>
-            <a:r>
-              <a:rPr lang="en-US" b="0" dirty="0">
-                <a:solidFill>
-                  <a:srgbClr val="808080"/>
-                </a:solidFill>
-                <a:effectLst/>
-                <a:latin typeface="Consolas" panose="020B0609020204030204" pitchFamily="49" charset="0"/>
-              </a:rPr>
-              <a:t>&lt;</a:t>
-            </a:r>
-            <a:r>
-              <a:rPr lang="en-US" b="0" dirty="0">
-                <a:solidFill>
-                  <a:srgbClr val="569CD6"/>
-                </a:solidFill>
-                <a:effectLst/>
-                <a:latin typeface="Consolas" panose="020B0609020204030204" pitchFamily="49" charset="0"/>
-              </a:rPr>
-              <a:t>legend</a:t>
-            </a:r>
-            <a:r>
-              <a:rPr lang="en-US" b="0" dirty="0">
-                <a:solidFill>
-                  <a:srgbClr val="808080"/>
-                </a:solidFill>
-                <a:effectLst/>
-                <a:latin typeface="Consolas" panose="020B0609020204030204" pitchFamily="49" charset="0"/>
-              </a:rPr>
-              <a:t>&gt;</a:t>
-            </a:r>
-            <a:r>
-              <a:rPr lang="he-IL" b="0" dirty="0">
-                <a:solidFill>
-                  <a:srgbClr val="808080"/>
-                </a:solidFill>
-                <a:effectLst/>
-                <a:latin typeface="Consolas" panose="020B0609020204030204" pitchFamily="49" charset="0"/>
-              </a:rPr>
-              <a:t> - כותרת לאזור</a:t>
-            </a:r>
-            <a:endParaRPr lang="en-US" b="0" dirty="0">
-              <a:solidFill>
-                <a:srgbClr val="D4D4D4"/>
-              </a:solidFill>
-              <a:effectLst/>
-              <a:latin typeface="Consolas" panose="020B0609020204030204" pitchFamily="49" charset="0"/>
-            </a:endParaRPr>
-          </a:p>
-          <a:p>
-            <a:pPr algn="r" rtl="1"/>
-            <a:r>
-              <a:rPr lang="en-US" b="0" dirty="0">
-                <a:solidFill>
-                  <a:srgbClr val="808080"/>
-                </a:solidFill>
-                <a:effectLst/>
-                <a:latin typeface="Consolas" panose="020B0609020204030204" pitchFamily="49" charset="0"/>
-              </a:rPr>
-              <a:t>&lt;</a:t>
-            </a:r>
-            <a:r>
-              <a:rPr lang="en-US" b="0" dirty="0" err="1">
-                <a:solidFill>
-                  <a:srgbClr val="569CD6"/>
-                </a:solidFill>
-                <a:effectLst/>
-                <a:latin typeface="Consolas" panose="020B0609020204030204" pitchFamily="49" charset="0"/>
-              </a:rPr>
-              <a:t>datalist</a:t>
-            </a:r>
-            <a:r>
-              <a:rPr lang="en-US" b="0" dirty="0">
-                <a:solidFill>
-                  <a:srgbClr val="808080"/>
-                </a:solidFill>
-                <a:effectLst/>
-                <a:latin typeface="Consolas" panose="020B0609020204030204" pitchFamily="49" charset="0"/>
-              </a:rPr>
-              <a:t>&gt;</a:t>
-            </a:r>
-            <a:r>
-              <a:rPr lang="he-IL" b="0" dirty="0">
-                <a:solidFill>
-                  <a:srgbClr val="808080"/>
-                </a:solidFill>
-                <a:effectLst/>
-                <a:latin typeface="Consolas" panose="020B0609020204030204" pitchFamily="49" charset="0"/>
-              </a:rPr>
-              <a:t> - שדה בחירה חכם</a:t>
-            </a:r>
-            <a:endParaRPr lang="en-US" b="0" dirty="0">
-              <a:solidFill>
-                <a:srgbClr val="D4D4D4"/>
-              </a:solidFill>
-              <a:effectLst/>
-              <a:latin typeface="Consolas" panose="020B0609020204030204" pitchFamily="49" charset="0"/>
-            </a:endParaRPr>
-          </a:p>
-          <a:p>
-            <a:pPr algn="r" rtl="1"/>
-            <a:r>
-              <a:rPr lang="en-US" b="0" dirty="0">
-                <a:solidFill>
-                  <a:srgbClr val="808080"/>
-                </a:solidFill>
-                <a:effectLst/>
-                <a:latin typeface="Consolas" panose="020B0609020204030204" pitchFamily="49" charset="0"/>
-              </a:rPr>
-              <a:t>&lt;</a:t>
-            </a:r>
-            <a:r>
-              <a:rPr lang="en-US" b="0" dirty="0">
-                <a:solidFill>
-                  <a:srgbClr val="569CD6"/>
-                </a:solidFill>
-                <a:effectLst/>
-                <a:latin typeface="Consolas" panose="020B0609020204030204" pitchFamily="49" charset="0"/>
-              </a:rPr>
-              <a:t>option</a:t>
-            </a:r>
-            <a:r>
-              <a:rPr lang="en-US" b="0" dirty="0">
-                <a:solidFill>
-                  <a:srgbClr val="808080"/>
-                </a:solidFill>
-                <a:effectLst/>
-                <a:latin typeface="Consolas" panose="020B0609020204030204" pitchFamily="49" charset="0"/>
-              </a:rPr>
-              <a:t>&gt;</a:t>
-            </a:r>
-            <a:r>
-              <a:rPr lang="he-IL" b="0" dirty="0">
-                <a:solidFill>
-                  <a:srgbClr val="808080"/>
-                </a:solidFill>
-                <a:effectLst/>
-                <a:latin typeface="Consolas" panose="020B0609020204030204" pitchFamily="49" charset="0"/>
-              </a:rPr>
-              <a:t> - שדה ערך לבחירה</a:t>
-            </a:r>
-            <a:endParaRPr lang="en-US" b="0" dirty="0">
-              <a:solidFill>
-                <a:srgbClr val="D4D4D4"/>
-              </a:solidFill>
-              <a:effectLst/>
-              <a:latin typeface="Consolas" panose="020B0609020204030204" pitchFamily="49" charset="0"/>
-            </a:endParaRPr>
-          </a:p>
-        </p:txBody>
-      </p:sp>
-      <p:pic>
-        <p:nvPicPr>
-          <p:cNvPr id="5" name="Picture 2" descr="https://upload.wikimedia.org/wikipedia/commons/thumb/6/61/HTML5_logo_and_wordmark.svg/512px-HTML5_logo_and_wordmark.svg.png">
-            <a:extLst>
-              <a:ext uri="{FF2B5EF4-FFF2-40B4-BE49-F238E27FC236}">
-                <a16:creationId xmlns:a16="http://schemas.microsoft.com/office/drawing/2014/main" id="{FC03673A-5009-4140-8008-133D436C7A27}"/>
-              </a:ext>
-            </a:extLst>
-          </p:cNvPr>
-          <p:cNvPicPr>
-            <a:picLocks noChangeAspect="1" noChangeArrowheads="1"/>
-          </p:cNvPicPr>
-          <p:nvPr/>
-        </p:nvPicPr>
-        <p:blipFill>
-          <a:blip r:embed="rId2" cstate="print">
-            <a:extLst>
-              <a:ext uri="{28A0092B-C50C-407E-A947-70E740481C1C}">
-                <a14:useLocalDpi xmlns:a14="http://schemas.microsoft.com/office/drawing/2010/main" val="0"/>
-              </a:ext>
-            </a:extLst>
-          </a:blip>
-          <a:srcRect/>
-          <a:stretch>
-            <a:fillRect/>
-          </a:stretch>
-        </p:blipFill>
-        <p:spPr bwMode="auto">
-          <a:xfrm>
-            <a:off x="-112454" y="5403902"/>
-            <a:ext cx="1368152" cy="1368153"/>
-          </a:xfrm>
-          <a:prstGeom prst="rect">
-            <a:avLst/>
-          </a:prstGeom>
-          <a:noFill/>
-          <a:extLst>
-            <a:ext uri="{909E8E84-426E-40DD-AFC4-6F175D3DCCD1}">
-              <a14:hiddenFill xmlns:a14="http://schemas.microsoft.com/office/drawing/2010/main">
-                <a:solidFill>
-                  <a:srgbClr val="FFFFFF"/>
-                </a:solidFill>
-              </a14:hiddenFill>
-            </a:ext>
-          </a:extLst>
-        </p:spPr>
-      </p:pic>
-      <p:pic>
-        <p:nvPicPr>
-          <p:cNvPr id="8" name="Picture 4">
-            <a:extLst>
-              <a:ext uri="{FF2B5EF4-FFF2-40B4-BE49-F238E27FC236}">
-                <a16:creationId xmlns:a16="http://schemas.microsoft.com/office/drawing/2014/main" id="{D268E801-7D0B-4F8B-B047-E122011CB9CB}"/>
-              </a:ext>
-            </a:extLst>
-          </p:cNvPr>
-          <p:cNvPicPr>
-            <a:picLocks noChangeAspect="1" noChangeArrowheads="1"/>
-          </p:cNvPicPr>
-          <p:nvPr/>
-        </p:nvPicPr>
-        <p:blipFill>
-          <a:blip r:embed="rId3"/>
-          <a:srcRect/>
-          <a:stretch/>
-        </p:blipFill>
-        <p:spPr bwMode="auto">
-          <a:xfrm>
-            <a:off x="1964039" y="5403902"/>
-            <a:ext cx="1721385" cy="952500"/>
-          </a:xfrm>
-          <a:prstGeom prst="rect">
-            <a:avLst/>
-          </a:prstGeom>
-          <a:noFill/>
-          <a:extLst>
-            <a:ext uri="{909E8E84-426E-40DD-AFC4-6F175D3DCCD1}">
-              <a14:hiddenFill xmlns:a14="http://schemas.microsoft.com/office/drawing/2010/main">
-                <a:solidFill>
-                  <a:srgbClr val="FFFFFF"/>
-                </a:solidFill>
-              </a14:hiddenFill>
-            </a:ext>
-          </a:extLst>
-        </p:spPr>
-      </p:pic>
+        </p:txBody>
+      </p:sp>
     </p:spTree>
     <p:extLst>
       <p:ext uri="{BB962C8B-B14F-4D97-AF65-F5344CB8AC3E}">
-        <p14:creationId xmlns:p14="http://schemas.microsoft.com/office/powerpoint/2010/main" val="265270301"/>
-      </p:ext>
-    </p:extLst>
-  </p:cSld>
-  <p:clrMapOvr>
-    <a:masterClrMapping/>
-  </p:clrMapOvr>
-</p:sld>
-</file>
-
-<file path=ppt/slides/slide7.xml><?xml version="1.0" encoding="utf-8"?>
-<p:sld xmlns:a="http://schemas.openxmlformats.org/drawingml/2006/main" xmlns:r="http://schemas.openxmlformats.org/officeDocument/2006/relationships" xmlns:p="http://schemas.openxmlformats.org/presentationml/2006/main">
-  <p:cSld>
-    <p:spTree>
-      <p:nvGrpSpPr>
-        <p:cNvPr id="1" name=""/>
-        <p:cNvGrpSpPr/>
-        <p:nvPr/>
-      </p:nvGrpSpPr>
-      <p:grpSpPr>
-        <a:xfrm>
-          <a:off x="0" y="0"/>
-          <a:ext cx="0" cy="0"/>
-          <a:chOff x="0" y="0"/>
-          <a:chExt cx="0" cy="0"/>
-        </a:xfrm>
-      </p:grpSpPr>
-      <p:sp>
-        <p:nvSpPr>
-          <p:cNvPr id="3" name="Title 2">
-            <a:extLst>
-              <a:ext uri="{FF2B5EF4-FFF2-40B4-BE49-F238E27FC236}">
-                <a16:creationId xmlns:a16="http://schemas.microsoft.com/office/drawing/2014/main" id="{12B178B4-CDED-454C-BED2-2E2B10ADA703}"/>
-              </a:ext>
-            </a:extLst>
-          </p:cNvPr>
-          <p:cNvSpPr>
-            <a:spLocks noGrp="1"/>
-          </p:cNvSpPr>
-          <p:nvPr>
-            <p:ph type="ctrTitle"/>
-          </p:nvPr>
-        </p:nvSpPr>
-        <p:spPr/>
-        <p:txBody>
-          <a:bodyPr/>
-          <a:lstStyle/>
-          <a:p>
-            <a:pPr algn="r" rtl="1"/>
-            <a:r>
-              <a:rPr lang="en-US" dirty="0"/>
-              <a:t>HTML </a:t>
-            </a:r>
-            <a:r>
-              <a:rPr lang="he-IL" dirty="0"/>
-              <a:t> - תגים בסיסיים</a:t>
-            </a:r>
-            <a:endParaRPr lang="en-US" dirty="0"/>
-          </a:p>
-        </p:txBody>
-      </p:sp>
-      <p:sp>
-        <p:nvSpPr>
-          <p:cNvPr id="7" name="Text Placeholder 6">
-            <a:extLst>
-              <a:ext uri="{FF2B5EF4-FFF2-40B4-BE49-F238E27FC236}">
-                <a16:creationId xmlns:a16="http://schemas.microsoft.com/office/drawing/2014/main" id="{54E9E228-B02C-3941-B458-23CB2D67B476}"/>
-              </a:ext>
-            </a:extLst>
-          </p:cNvPr>
-          <p:cNvSpPr>
-            <a:spLocks noGrp="1"/>
-          </p:cNvSpPr>
-          <p:nvPr>
-            <p:ph type="body" sz="quarter" idx="14"/>
-          </p:nvPr>
-        </p:nvSpPr>
-        <p:spPr>
-          <a:xfrm>
-            <a:off x="1627321" y="1507066"/>
-            <a:ext cx="10134372" cy="5103284"/>
-          </a:xfrm>
-        </p:spPr>
-        <p:txBody>
-          <a:bodyPr>
-            <a:normAutofit/>
-          </a:bodyPr>
-          <a:lstStyle/>
-          <a:p>
-            <a:pPr marL="0" indent="0" algn="r" rtl="1">
-              <a:buNone/>
-            </a:pPr>
-            <a:r>
-              <a:rPr lang="he-IL" b="1" dirty="0"/>
-              <a:t>אלמנטים של טפסים</a:t>
-            </a:r>
-          </a:p>
-          <a:p>
-            <a:pPr marL="0" indent="0" algn="r" rtl="1">
-              <a:buNone/>
-            </a:pPr>
-            <a:r>
-              <a:rPr lang="en-US" b="1" dirty="0"/>
-              <a:t>&lt;input&gt;</a:t>
-            </a:r>
-            <a:r>
-              <a:rPr lang="he-IL" b="1" dirty="0"/>
-              <a:t> </a:t>
-            </a:r>
-            <a:r>
-              <a:rPr lang="he-IL" dirty="0"/>
-              <a:t>- תג מאוד מגוון.</a:t>
-            </a:r>
-          </a:p>
-          <a:p>
-            <a:pPr marL="0" indent="0" algn="r" rtl="1">
-              <a:buNone/>
-            </a:pPr>
-            <a:endParaRPr lang="he-IL" dirty="0"/>
-          </a:p>
-          <a:p>
-            <a:pPr marL="0" indent="0" algn="r" rtl="1">
-              <a:buNone/>
-            </a:pPr>
-            <a:r>
-              <a:rPr lang="he-IL" dirty="0"/>
-              <a:t>המאפיינים של תיבת טקסט הם:</a:t>
-            </a:r>
-          </a:p>
-          <a:p>
-            <a:pPr marL="285750" indent="-285750" algn="r" rtl="1">
-              <a:buFont typeface="Wingdings" panose="05000000000000000000" pitchFamily="2" charset="2"/>
-              <a:buChar char="v"/>
-            </a:pPr>
-            <a:r>
-              <a:rPr lang="en-US" b="1" dirty="0"/>
-              <a:t>name</a:t>
-            </a:r>
-            <a:r>
-              <a:rPr lang="he-IL" dirty="0"/>
-              <a:t> קובע את השם של תיבת הטקסט.</a:t>
-            </a:r>
-          </a:p>
-          <a:p>
-            <a:pPr marL="285750" indent="-285750" algn="r" rtl="1">
-              <a:buFont typeface="Wingdings" panose="05000000000000000000" pitchFamily="2" charset="2"/>
-              <a:buChar char="v"/>
-            </a:pPr>
-            <a:r>
-              <a:rPr lang="en-US" b="1" dirty="0"/>
-              <a:t>maxlength</a:t>
-            </a:r>
-            <a:r>
-              <a:rPr lang="he-IL" dirty="0"/>
-              <a:t> קובע את הגודל המקסימאלי של הקלט, מקבל מספר תווים.</a:t>
-            </a:r>
-          </a:p>
-          <a:p>
-            <a:pPr marL="285750" indent="-285750" algn="r" rtl="1">
-              <a:buFont typeface="Wingdings" panose="05000000000000000000" pitchFamily="2" charset="2"/>
-              <a:buChar char="v"/>
-            </a:pPr>
-            <a:r>
-              <a:rPr lang="en-US" b="1" dirty="0"/>
-              <a:t>size</a:t>
-            </a:r>
-            <a:r>
-              <a:rPr lang="he-IL" dirty="0"/>
-              <a:t> קובע את הגודל של תיבת הטקסט, מקבל מספר תווים.</a:t>
-            </a:r>
-          </a:p>
-          <a:p>
-            <a:pPr marL="285750" indent="-285750" algn="r" rtl="1">
-              <a:buFont typeface="Wingdings" panose="05000000000000000000" pitchFamily="2" charset="2"/>
-              <a:buChar char="v"/>
-            </a:pPr>
-            <a:r>
-              <a:rPr lang="en-US" b="1" dirty="0"/>
-              <a:t>value</a:t>
-            </a:r>
-            <a:r>
-              <a:rPr lang="he-IL" dirty="0"/>
-              <a:t> מקבל ערך התחלתי שיהיה כתוב בתיבת הטקסט.</a:t>
-            </a:r>
-          </a:p>
-          <a:p>
-            <a:pPr marL="285750" indent="-285750" algn="r" rtl="1">
-              <a:buFont typeface="Wingdings" panose="05000000000000000000" pitchFamily="2" charset="2"/>
-              <a:buChar char="v"/>
-            </a:pPr>
-            <a:r>
-              <a:rPr lang="en-US" b="1" dirty="0"/>
-              <a:t>readonly</a:t>
-            </a:r>
-            <a:r>
-              <a:rPr lang="he-IL" dirty="0"/>
-              <a:t> מציין האם תיבת הטקסט היא לקריאה בלבד. אין צורך לתת לו ערך, אלא רק לציין אותו.</a:t>
-            </a:r>
-          </a:p>
-          <a:p>
-            <a:pPr marL="285750" indent="-285750" algn="r" rtl="1">
-              <a:buFont typeface="Wingdings" panose="05000000000000000000" pitchFamily="2" charset="2"/>
-              <a:buChar char="v"/>
-            </a:pPr>
-            <a:r>
-              <a:rPr lang="en-US" b="1" dirty="0"/>
-              <a:t>disabled</a:t>
-            </a:r>
-            <a:r>
-              <a:rPr lang="he-IL" dirty="0"/>
-              <a:t> מציין האם תיבת הטקסט היא פעילה. גם כאן, מספיק רק לציין אותו.</a:t>
-            </a:r>
-          </a:p>
-          <a:p>
-            <a:pPr marL="285750" indent="-285750" algn="r" rtl="1">
-              <a:buFont typeface="Wingdings" panose="05000000000000000000" pitchFamily="2" charset="2"/>
-              <a:buChar char="v"/>
-            </a:pPr>
-            <a:r>
-              <a:rPr lang="he-IL" dirty="0"/>
-              <a:t>ההבדל בין </a:t>
-            </a:r>
-            <a:r>
-              <a:rPr lang="en-US" dirty="0"/>
-              <a:t>readonly</a:t>
-            </a:r>
-            <a:r>
-              <a:rPr lang="he-IL" dirty="0"/>
-              <a:t> ל-</a:t>
-            </a:r>
-            <a:r>
-              <a:rPr lang="en-US" dirty="0"/>
-              <a:t>disabled</a:t>
-            </a:r>
-            <a:r>
-              <a:rPr lang="he-IL" dirty="0"/>
-              <a:t> הוא שאלמנט שהוא </a:t>
-            </a:r>
-            <a:r>
-              <a:rPr lang="en-US" dirty="0"/>
-              <a:t>disabled</a:t>
-            </a:r>
-            <a:r>
-              <a:rPr lang="he-IL" dirty="0"/>
-              <a:t> לא ישלח עם הטופס, בעוד אלמנט שהוא </a:t>
-            </a:r>
-            <a:r>
-              <a:rPr lang="en-US" dirty="0"/>
-              <a:t>readonly</a:t>
-            </a:r>
-            <a:r>
-              <a:rPr lang="he-IL" dirty="0"/>
-              <a:t> רק לא יהיה ניתן לשינוי.</a:t>
-            </a:r>
-            <a:endParaRPr lang="en-US" dirty="0"/>
-          </a:p>
-          <a:p>
-            <a:pPr marL="285750" indent="-285750" algn="r" rtl="1">
-              <a:buFont typeface="Wingdings" panose="05000000000000000000" pitchFamily="2" charset="2"/>
-              <a:buChar char="v"/>
-            </a:pPr>
-            <a:r>
-              <a:rPr lang="en-US" dirty="0"/>
-              <a:t>placeholder</a:t>
-            </a:r>
-            <a:r>
-              <a:rPr lang="he-IL" dirty="0"/>
-              <a:t> – טקסט שיופיע בתוך התיבה</a:t>
-            </a:r>
-          </a:p>
-        </p:txBody>
-      </p:sp>
-      <p:pic>
-        <p:nvPicPr>
-          <p:cNvPr id="5" name="Picture 2" descr="https://upload.wikimedia.org/wikipedia/commons/thumb/6/61/HTML5_logo_and_wordmark.svg/512px-HTML5_logo_and_wordmark.svg.png">
-            <a:extLst>
-              <a:ext uri="{FF2B5EF4-FFF2-40B4-BE49-F238E27FC236}">
-                <a16:creationId xmlns:a16="http://schemas.microsoft.com/office/drawing/2014/main" id="{FC03673A-5009-4140-8008-133D436C7A27}"/>
-              </a:ext>
-            </a:extLst>
-          </p:cNvPr>
-          <p:cNvPicPr>
-            <a:picLocks noChangeAspect="1" noChangeArrowheads="1"/>
-          </p:cNvPicPr>
-          <p:nvPr/>
-        </p:nvPicPr>
-        <p:blipFill>
-          <a:blip r:embed="rId2" cstate="print">
-            <a:extLst>
-              <a:ext uri="{28A0092B-C50C-407E-A947-70E740481C1C}">
-                <a14:useLocalDpi xmlns:a14="http://schemas.microsoft.com/office/drawing/2010/main" val="0"/>
-              </a:ext>
-            </a:extLst>
-          </a:blip>
-          <a:srcRect/>
-          <a:stretch>
-            <a:fillRect/>
-          </a:stretch>
-        </p:blipFill>
-        <p:spPr bwMode="auto">
-          <a:xfrm>
-            <a:off x="-112454" y="5403902"/>
-            <a:ext cx="1368152" cy="1368153"/>
-          </a:xfrm>
-          <a:prstGeom prst="rect">
-            <a:avLst/>
-          </a:prstGeom>
-          <a:noFill/>
-          <a:extLst>
-            <a:ext uri="{909E8E84-426E-40DD-AFC4-6F175D3DCCD1}">
-              <a14:hiddenFill xmlns:a14="http://schemas.microsoft.com/office/drawing/2010/main">
-                <a:solidFill>
-                  <a:srgbClr val="FFFFFF"/>
-                </a:solidFill>
-              </a14:hiddenFill>
-            </a:ext>
-          </a:extLst>
-        </p:spPr>
-      </p:pic>
-      <p:pic>
-        <p:nvPicPr>
-          <p:cNvPr id="3076" name="Picture 4">
-            <a:extLst>
-              <a:ext uri="{FF2B5EF4-FFF2-40B4-BE49-F238E27FC236}">
-                <a16:creationId xmlns:a16="http://schemas.microsoft.com/office/drawing/2014/main" id="{251734CA-FA41-49D0-A3AE-228066AB17AE}"/>
-              </a:ext>
-            </a:extLst>
-          </p:cNvPr>
-          <p:cNvPicPr>
-            <a:picLocks noChangeAspect="1" noChangeArrowheads="1"/>
-          </p:cNvPicPr>
-          <p:nvPr/>
-        </p:nvPicPr>
-        <p:blipFill>
-          <a:blip r:embed="rId3"/>
-          <a:srcRect/>
-          <a:stretch/>
-        </p:blipFill>
-        <p:spPr bwMode="auto">
-          <a:xfrm>
-            <a:off x="1895673" y="1986928"/>
-            <a:ext cx="1721385" cy="573795"/>
-          </a:xfrm>
-          <a:prstGeom prst="rect">
-            <a:avLst/>
-          </a:prstGeom>
-          <a:noFill/>
-          <a:extLst>
-            <a:ext uri="{909E8E84-426E-40DD-AFC4-6F175D3DCCD1}">
-              <a14:hiddenFill xmlns:a14="http://schemas.microsoft.com/office/drawing/2010/main">
-                <a:solidFill>
-                  <a:srgbClr val="FFFFFF"/>
-                </a:solidFill>
-              </a14:hiddenFill>
-            </a:ext>
-          </a:extLst>
-        </p:spPr>
-      </p:pic>
-    </p:spTree>
-    <p:extLst>
-      <p:ext uri="{BB962C8B-B14F-4D97-AF65-F5344CB8AC3E}">
-        <p14:creationId xmlns:p14="http://schemas.microsoft.com/office/powerpoint/2010/main" val="3739421818"/>
-      </p:ext>
-    </p:extLst>
-  </p:cSld>
-  <p:clrMapOvr>
-    <a:masterClrMapping/>
-  </p:clrMapOvr>
-</p:sld>
-</file>
-
-<file path=ppt/slides/slide8.xml><?xml version="1.0" encoding="utf-8"?>
-<p:sld xmlns:a="http://schemas.openxmlformats.org/drawingml/2006/main" xmlns:r="http://schemas.openxmlformats.org/officeDocument/2006/relationships" xmlns:p="http://schemas.openxmlformats.org/presentationml/2006/main">
-  <p:cSld>
-    <p:spTree>
-      <p:nvGrpSpPr>
-        <p:cNvPr id="1" name=""/>
-        <p:cNvGrpSpPr/>
-        <p:nvPr/>
-      </p:nvGrpSpPr>
-      <p:grpSpPr>
-        <a:xfrm>
-          <a:off x="0" y="0"/>
-          <a:ext cx="0" cy="0"/>
-          <a:chOff x="0" y="0"/>
-          <a:chExt cx="0" cy="0"/>
-        </a:xfrm>
-      </p:grpSpPr>
-      <p:sp>
-        <p:nvSpPr>
-          <p:cNvPr id="3" name="Title 2">
-            <a:extLst>
-              <a:ext uri="{FF2B5EF4-FFF2-40B4-BE49-F238E27FC236}">
-                <a16:creationId xmlns:a16="http://schemas.microsoft.com/office/drawing/2014/main" id="{12B178B4-CDED-454C-BED2-2E2B10ADA703}"/>
-              </a:ext>
-            </a:extLst>
-          </p:cNvPr>
-          <p:cNvSpPr>
-            <a:spLocks noGrp="1"/>
-          </p:cNvSpPr>
-          <p:nvPr>
-            <p:ph type="ctrTitle"/>
-          </p:nvPr>
-        </p:nvSpPr>
-        <p:spPr/>
-        <p:txBody>
-          <a:bodyPr/>
-          <a:lstStyle/>
-          <a:p>
-            <a:pPr algn="r" rtl="1"/>
-            <a:r>
-              <a:rPr lang="en-US" dirty="0"/>
-              <a:t>HTML </a:t>
-            </a:r>
-            <a:r>
-              <a:rPr lang="he-IL" dirty="0"/>
-              <a:t> - תגים בסיסיים</a:t>
-            </a:r>
-            <a:endParaRPr lang="en-US" dirty="0"/>
-          </a:p>
-        </p:txBody>
-      </p:sp>
-      <p:sp>
-        <p:nvSpPr>
-          <p:cNvPr id="7" name="Text Placeholder 6">
-            <a:extLst>
-              <a:ext uri="{FF2B5EF4-FFF2-40B4-BE49-F238E27FC236}">
-                <a16:creationId xmlns:a16="http://schemas.microsoft.com/office/drawing/2014/main" id="{54E9E228-B02C-3941-B458-23CB2D67B476}"/>
-              </a:ext>
-            </a:extLst>
-          </p:cNvPr>
-          <p:cNvSpPr>
-            <a:spLocks noGrp="1"/>
-          </p:cNvSpPr>
-          <p:nvPr>
-            <p:ph type="body" sz="quarter" idx="14"/>
-          </p:nvPr>
-        </p:nvSpPr>
-        <p:spPr>
-          <a:xfrm>
-            <a:off x="1627321" y="1507066"/>
-            <a:ext cx="10134372" cy="5103284"/>
-          </a:xfrm>
-        </p:spPr>
-        <p:txBody>
-          <a:bodyPr numCol="2">
-            <a:normAutofit/>
-          </a:bodyPr>
-          <a:lstStyle/>
-          <a:p>
-            <a:pPr marL="0" indent="0" algn="r" rtl="1">
-              <a:buNone/>
-            </a:pPr>
-            <a:endParaRPr lang="en-US" b="1" dirty="0"/>
-          </a:p>
-          <a:p>
-            <a:pPr marL="0" indent="0" algn="r" rtl="1">
-              <a:buNone/>
-            </a:pPr>
-            <a:endParaRPr lang="en-US" b="1" dirty="0"/>
-          </a:p>
-          <a:p>
-            <a:r>
-              <a:rPr lang="en-US" b="0" dirty="0">
-                <a:solidFill>
-                  <a:srgbClr val="808080"/>
-                </a:solidFill>
-                <a:effectLst/>
-                <a:latin typeface="Consolas" panose="020B0609020204030204" pitchFamily="49" charset="0"/>
-              </a:rPr>
-              <a:t>        &lt;</a:t>
-            </a:r>
-            <a:r>
-              <a:rPr lang="en-US" b="0" dirty="0">
-                <a:solidFill>
-                  <a:srgbClr val="569CD6"/>
-                </a:solidFill>
-                <a:effectLst/>
-                <a:latin typeface="Consolas" panose="020B0609020204030204" pitchFamily="49" charset="0"/>
-              </a:rPr>
-              <a:t>input</a:t>
-            </a:r>
-            <a:r>
-              <a:rPr lang="en-US" b="0" dirty="0">
-                <a:solidFill>
-                  <a:srgbClr val="D4D4D4"/>
-                </a:solidFill>
-                <a:effectLst/>
-                <a:latin typeface="Consolas" panose="020B0609020204030204" pitchFamily="49" charset="0"/>
-              </a:rPr>
-              <a:t> </a:t>
-            </a:r>
-            <a:r>
-              <a:rPr lang="en-US" b="0" dirty="0">
-                <a:solidFill>
-                  <a:srgbClr val="9CDCFE"/>
-                </a:solidFill>
-                <a:effectLst/>
-                <a:latin typeface="Consolas" panose="020B0609020204030204" pitchFamily="49" charset="0"/>
-              </a:rPr>
-              <a:t>type</a:t>
-            </a:r>
-            <a:r>
-              <a:rPr lang="en-US" b="0" dirty="0">
-                <a:solidFill>
-                  <a:srgbClr val="D4D4D4"/>
-                </a:solidFill>
-                <a:effectLst/>
-                <a:latin typeface="Consolas" panose="020B0609020204030204" pitchFamily="49" charset="0"/>
-              </a:rPr>
-              <a:t>=</a:t>
-            </a:r>
-            <a:r>
-              <a:rPr lang="en-US" b="0" dirty="0">
-                <a:solidFill>
-                  <a:srgbClr val="CE9178"/>
-                </a:solidFill>
-                <a:effectLst/>
-                <a:latin typeface="Consolas" panose="020B0609020204030204" pitchFamily="49" charset="0"/>
-              </a:rPr>
-              <a:t>"button"</a:t>
-            </a:r>
-            <a:r>
-              <a:rPr lang="en-US" b="0" dirty="0">
-                <a:solidFill>
-                  <a:srgbClr val="808080"/>
-                </a:solidFill>
-                <a:effectLst/>
-                <a:latin typeface="Consolas" panose="020B0609020204030204" pitchFamily="49" charset="0"/>
-              </a:rPr>
-              <a:t>&gt;</a:t>
-            </a:r>
-            <a:endParaRPr lang="en-US" b="0" dirty="0">
-              <a:solidFill>
-                <a:srgbClr val="D4D4D4"/>
-              </a:solidFill>
-              <a:effectLst/>
-              <a:latin typeface="Consolas" panose="020B0609020204030204" pitchFamily="49" charset="0"/>
-            </a:endParaRPr>
-          </a:p>
-          <a:p>
-            <a:r>
-              <a:rPr lang="en-US" b="0" dirty="0">
-                <a:solidFill>
-                  <a:srgbClr val="D4D4D4"/>
-                </a:solidFill>
-                <a:effectLst/>
-                <a:latin typeface="Consolas" panose="020B0609020204030204" pitchFamily="49" charset="0"/>
-              </a:rPr>
-              <a:t>        </a:t>
-            </a:r>
-            <a:r>
-              <a:rPr lang="en-US" b="0" dirty="0">
-                <a:solidFill>
-                  <a:srgbClr val="808080"/>
-                </a:solidFill>
-                <a:effectLst/>
-                <a:latin typeface="Consolas" panose="020B0609020204030204" pitchFamily="49" charset="0"/>
-              </a:rPr>
-              <a:t>&lt;</a:t>
-            </a:r>
-            <a:r>
-              <a:rPr lang="en-US" b="0" dirty="0">
-                <a:solidFill>
-                  <a:srgbClr val="569CD6"/>
-                </a:solidFill>
-                <a:effectLst/>
-                <a:latin typeface="Consolas" panose="020B0609020204030204" pitchFamily="49" charset="0"/>
-              </a:rPr>
-              <a:t>input</a:t>
-            </a:r>
-            <a:r>
-              <a:rPr lang="en-US" b="0" dirty="0">
-                <a:solidFill>
-                  <a:srgbClr val="D4D4D4"/>
-                </a:solidFill>
-                <a:effectLst/>
-                <a:latin typeface="Consolas" panose="020B0609020204030204" pitchFamily="49" charset="0"/>
-              </a:rPr>
-              <a:t> </a:t>
-            </a:r>
-            <a:r>
-              <a:rPr lang="en-US" b="0" dirty="0">
-                <a:solidFill>
-                  <a:srgbClr val="9CDCFE"/>
-                </a:solidFill>
-                <a:effectLst/>
-                <a:latin typeface="Consolas" panose="020B0609020204030204" pitchFamily="49" charset="0"/>
-              </a:rPr>
-              <a:t>type</a:t>
-            </a:r>
-            <a:r>
-              <a:rPr lang="en-US" b="0" dirty="0">
-                <a:solidFill>
-                  <a:srgbClr val="D4D4D4"/>
-                </a:solidFill>
-                <a:effectLst/>
-                <a:latin typeface="Consolas" panose="020B0609020204030204" pitchFamily="49" charset="0"/>
-              </a:rPr>
-              <a:t>=</a:t>
-            </a:r>
-            <a:r>
-              <a:rPr lang="en-US" b="0" dirty="0">
-                <a:solidFill>
-                  <a:srgbClr val="CE9178"/>
-                </a:solidFill>
-                <a:effectLst/>
-                <a:latin typeface="Consolas" panose="020B0609020204030204" pitchFamily="49" charset="0"/>
-              </a:rPr>
-              <a:t>"checkbox"</a:t>
-            </a:r>
-            <a:r>
-              <a:rPr lang="en-US" b="0" dirty="0">
-                <a:solidFill>
-                  <a:srgbClr val="808080"/>
-                </a:solidFill>
-                <a:effectLst/>
-                <a:latin typeface="Consolas" panose="020B0609020204030204" pitchFamily="49" charset="0"/>
-              </a:rPr>
-              <a:t>&gt;</a:t>
-            </a:r>
-            <a:endParaRPr lang="en-US" b="0" dirty="0">
-              <a:solidFill>
-                <a:srgbClr val="D4D4D4"/>
-              </a:solidFill>
-              <a:effectLst/>
-              <a:latin typeface="Consolas" panose="020B0609020204030204" pitchFamily="49" charset="0"/>
-            </a:endParaRPr>
-          </a:p>
-          <a:p>
-            <a:r>
-              <a:rPr lang="en-US" b="0" dirty="0">
-                <a:solidFill>
-                  <a:srgbClr val="D4D4D4"/>
-                </a:solidFill>
-                <a:effectLst/>
-                <a:latin typeface="Consolas" panose="020B0609020204030204" pitchFamily="49" charset="0"/>
-              </a:rPr>
-              <a:t>        </a:t>
-            </a:r>
-            <a:r>
-              <a:rPr lang="en-US" b="0" dirty="0">
-                <a:solidFill>
-                  <a:srgbClr val="808080"/>
-                </a:solidFill>
-                <a:effectLst/>
-                <a:latin typeface="Consolas" panose="020B0609020204030204" pitchFamily="49" charset="0"/>
-              </a:rPr>
-              <a:t>&lt;</a:t>
-            </a:r>
-            <a:r>
-              <a:rPr lang="en-US" b="0" dirty="0">
-                <a:solidFill>
-                  <a:srgbClr val="569CD6"/>
-                </a:solidFill>
-                <a:effectLst/>
-                <a:latin typeface="Consolas" panose="020B0609020204030204" pitchFamily="49" charset="0"/>
-              </a:rPr>
-              <a:t>input</a:t>
-            </a:r>
-            <a:r>
-              <a:rPr lang="en-US" b="0" dirty="0">
-                <a:solidFill>
-                  <a:srgbClr val="D4D4D4"/>
-                </a:solidFill>
-                <a:effectLst/>
-                <a:latin typeface="Consolas" panose="020B0609020204030204" pitchFamily="49" charset="0"/>
-              </a:rPr>
-              <a:t> </a:t>
-            </a:r>
-            <a:r>
-              <a:rPr lang="en-US" b="0" dirty="0">
-                <a:solidFill>
-                  <a:srgbClr val="9CDCFE"/>
-                </a:solidFill>
-                <a:effectLst/>
-                <a:latin typeface="Consolas" panose="020B0609020204030204" pitchFamily="49" charset="0"/>
-              </a:rPr>
-              <a:t>type</a:t>
-            </a:r>
-            <a:r>
-              <a:rPr lang="en-US" b="0" dirty="0">
-                <a:solidFill>
-                  <a:srgbClr val="D4D4D4"/>
-                </a:solidFill>
-                <a:effectLst/>
-                <a:latin typeface="Consolas" panose="020B0609020204030204" pitchFamily="49" charset="0"/>
-              </a:rPr>
-              <a:t>=</a:t>
-            </a:r>
-            <a:r>
-              <a:rPr lang="en-US" b="0" dirty="0">
-                <a:solidFill>
-                  <a:srgbClr val="CE9178"/>
-                </a:solidFill>
-                <a:effectLst/>
-                <a:latin typeface="Consolas" panose="020B0609020204030204" pitchFamily="49" charset="0"/>
-              </a:rPr>
-              <a:t>"color"</a:t>
-            </a:r>
-            <a:r>
-              <a:rPr lang="en-US" b="0" dirty="0">
-                <a:solidFill>
-                  <a:srgbClr val="808080"/>
-                </a:solidFill>
-                <a:effectLst/>
-                <a:latin typeface="Consolas" panose="020B0609020204030204" pitchFamily="49" charset="0"/>
-              </a:rPr>
-              <a:t>&gt;</a:t>
-            </a:r>
-            <a:endParaRPr lang="en-US" b="0" dirty="0">
-              <a:solidFill>
-                <a:srgbClr val="D4D4D4"/>
-              </a:solidFill>
-              <a:effectLst/>
-              <a:latin typeface="Consolas" panose="020B0609020204030204" pitchFamily="49" charset="0"/>
-            </a:endParaRPr>
-          </a:p>
-          <a:p>
-            <a:r>
-              <a:rPr lang="en-US" b="0" dirty="0">
-                <a:solidFill>
-                  <a:srgbClr val="D4D4D4"/>
-                </a:solidFill>
-                <a:effectLst/>
-                <a:latin typeface="Consolas" panose="020B0609020204030204" pitchFamily="49" charset="0"/>
-              </a:rPr>
-              <a:t>        </a:t>
-            </a:r>
-            <a:r>
-              <a:rPr lang="en-US" b="0" dirty="0">
-                <a:solidFill>
-                  <a:srgbClr val="808080"/>
-                </a:solidFill>
-                <a:effectLst/>
-                <a:latin typeface="Consolas" panose="020B0609020204030204" pitchFamily="49" charset="0"/>
-              </a:rPr>
-              <a:t>&lt;</a:t>
-            </a:r>
-            <a:r>
-              <a:rPr lang="en-US" b="0" dirty="0">
-                <a:solidFill>
-                  <a:srgbClr val="569CD6"/>
-                </a:solidFill>
-                <a:effectLst/>
-                <a:latin typeface="Consolas" panose="020B0609020204030204" pitchFamily="49" charset="0"/>
-              </a:rPr>
-              <a:t>input</a:t>
-            </a:r>
-            <a:r>
-              <a:rPr lang="en-US" b="0" dirty="0">
-                <a:solidFill>
-                  <a:srgbClr val="D4D4D4"/>
-                </a:solidFill>
-                <a:effectLst/>
-                <a:latin typeface="Consolas" panose="020B0609020204030204" pitchFamily="49" charset="0"/>
-              </a:rPr>
-              <a:t> </a:t>
-            </a:r>
-            <a:r>
-              <a:rPr lang="en-US" b="0" dirty="0">
-                <a:solidFill>
-                  <a:srgbClr val="9CDCFE"/>
-                </a:solidFill>
-                <a:effectLst/>
-                <a:latin typeface="Consolas" panose="020B0609020204030204" pitchFamily="49" charset="0"/>
-              </a:rPr>
-              <a:t>type</a:t>
-            </a:r>
-            <a:r>
-              <a:rPr lang="en-US" b="0" dirty="0">
-                <a:solidFill>
-                  <a:srgbClr val="D4D4D4"/>
-                </a:solidFill>
-                <a:effectLst/>
-                <a:latin typeface="Consolas" panose="020B0609020204030204" pitchFamily="49" charset="0"/>
-              </a:rPr>
-              <a:t>=</a:t>
-            </a:r>
-            <a:r>
-              <a:rPr lang="en-US" b="0" dirty="0">
-                <a:solidFill>
-                  <a:srgbClr val="CE9178"/>
-                </a:solidFill>
-                <a:effectLst/>
-                <a:latin typeface="Consolas" panose="020B0609020204030204" pitchFamily="49" charset="0"/>
-              </a:rPr>
-              <a:t>"date"</a:t>
-            </a:r>
-            <a:r>
-              <a:rPr lang="en-US" b="0" dirty="0">
-                <a:solidFill>
-                  <a:srgbClr val="808080"/>
-                </a:solidFill>
-                <a:effectLst/>
-                <a:latin typeface="Consolas" panose="020B0609020204030204" pitchFamily="49" charset="0"/>
-              </a:rPr>
-              <a:t>&gt;</a:t>
-            </a:r>
-            <a:endParaRPr lang="en-US" b="0" dirty="0">
-              <a:solidFill>
-                <a:srgbClr val="D4D4D4"/>
-              </a:solidFill>
-              <a:effectLst/>
-              <a:latin typeface="Consolas" panose="020B0609020204030204" pitchFamily="49" charset="0"/>
-            </a:endParaRPr>
-          </a:p>
-          <a:p>
-            <a:r>
-              <a:rPr lang="en-US" b="0" dirty="0">
-                <a:solidFill>
-                  <a:srgbClr val="D4D4D4"/>
-                </a:solidFill>
-                <a:effectLst/>
-                <a:latin typeface="Consolas" panose="020B0609020204030204" pitchFamily="49" charset="0"/>
-              </a:rPr>
-              <a:t>        </a:t>
-            </a:r>
-            <a:r>
-              <a:rPr lang="en-US" b="0" dirty="0">
-                <a:solidFill>
-                  <a:srgbClr val="808080"/>
-                </a:solidFill>
-                <a:effectLst/>
-                <a:latin typeface="Consolas" panose="020B0609020204030204" pitchFamily="49" charset="0"/>
-              </a:rPr>
-              <a:t>&lt;</a:t>
-            </a:r>
-            <a:r>
-              <a:rPr lang="en-US" b="0" dirty="0">
-                <a:solidFill>
-                  <a:srgbClr val="569CD6"/>
-                </a:solidFill>
-                <a:effectLst/>
-                <a:latin typeface="Consolas" panose="020B0609020204030204" pitchFamily="49" charset="0"/>
-              </a:rPr>
-              <a:t>input</a:t>
-            </a:r>
-            <a:r>
-              <a:rPr lang="en-US" b="0" dirty="0">
-                <a:solidFill>
-                  <a:srgbClr val="D4D4D4"/>
-                </a:solidFill>
-                <a:effectLst/>
-                <a:latin typeface="Consolas" panose="020B0609020204030204" pitchFamily="49" charset="0"/>
-              </a:rPr>
-              <a:t> </a:t>
-            </a:r>
-            <a:r>
-              <a:rPr lang="en-US" b="0" dirty="0">
-                <a:solidFill>
-                  <a:srgbClr val="9CDCFE"/>
-                </a:solidFill>
-                <a:effectLst/>
-                <a:latin typeface="Consolas" panose="020B0609020204030204" pitchFamily="49" charset="0"/>
-              </a:rPr>
-              <a:t>type</a:t>
-            </a:r>
-            <a:r>
-              <a:rPr lang="en-US" b="0" dirty="0">
-                <a:solidFill>
-                  <a:srgbClr val="D4D4D4"/>
-                </a:solidFill>
-                <a:effectLst/>
-                <a:latin typeface="Consolas" panose="020B0609020204030204" pitchFamily="49" charset="0"/>
-              </a:rPr>
-              <a:t>=</a:t>
-            </a:r>
-            <a:r>
-              <a:rPr lang="en-US" b="0" dirty="0">
-                <a:solidFill>
-                  <a:srgbClr val="CE9178"/>
-                </a:solidFill>
-                <a:effectLst/>
-                <a:latin typeface="Consolas" panose="020B0609020204030204" pitchFamily="49" charset="0"/>
-              </a:rPr>
-              <a:t>"datetime-local"</a:t>
-            </a:r>
-            <a:r>
-              <a:rPr lang="en-US" b="0" dirty="0">
-                <a:solidFill>
-                  <a:srgbClr val="808080"/>
-                </a:solidFill>
-                <a:effectLst/>
-                <a:latin typeface="Consolas" panose="020B0609020204030204" pitchFamily="49" charset="0"/>
-              </a:rPr>
-              <a:t>&gt;</a:t>
-            </a:r>
-            <a:endParaRPr lang="en-US" b="0" dirty="0">
-              <a:solidFill>
-                <a:srgbClr val="D4D4D4"/>
-              </a:solidFill>
-              <a:effectLst/>
-              <a:latin typeface="Consolas" panose="020B0609020204030204" pitchFamily="49" charset="0"/>
-            </a:endParaRPr>
-          </a:p>
-          <a:p>
-            <a:r>
-              <a:rPr lang="en-US" b="0" dirty="0">
-                <a:solidFill>
-                  <a:srgbClr val="D4D4D4"/>
-                </a:solidFill>
-                <a:effectLst/>
-                <a:latin typeface="Consolas" panose="020B0609020204030204" pitchFamily="49" charset="0"/>
-              </a:rPr>
-              <a:t>        </a:t>
-            </a:r>
-            <a:r>
-              <a:rPr lang="en-US" b="0" dirty="0">
-                <a:solidFill>
-                  <a:srgbClr val="808080"/>
-                </a:solidFill>
-                <a:effectLst/>
-                <a:latin typeface="Consolas" panose="020B0609020204030204" pitchFamily="49" charset="0"/>
-              </a:rPr>
-              <a:t>&lt;</a:t>
-            </a:r>
-            <a:r>
-              <a:rPr lang="en-US" b="0" dirty="0">
-                <a:solidFill>
-                  <a:srgbClr val="569CD6"/>
-                </a:solidFill>
-                <a:effectLst/>
-                <a:latin typeface="Consolas" panose="020B0609020204030204" pitchFamily="49" charset="0"/>
-              </a:rPr>
-              <a:t>input</a:t>
-            </a:r>
-            <a:r>
-              <a:rPr lang="en-US" b="0" dirty="0">
-                <a:solidFill>
-                  <a:srgbClr val="D4D4D4"/>
-                </a:solidFill>
-                <a:effectLst/>
-                <a:latin typeface="Consolas" panose="020B0609020204030204" pitchFamily="49" charset="0"/>
-              </a:rPr>
-              <a:t> </a:t>
-            </a:r>
-            <a:r>
-              <a:rPr lang="en-US" b="0" dirty="0">
-                <a:solidFill>
-                  <a:srgbClr val="9CDCFE"/>
-                </a:solidFill>
-                <a:effectLst/>
-                <a:latin typeface="Consolas" panose="020B0609020204030204" pitchFamily="49" charset="0"/>
-              </a:rPr>
-              <a:t>type</a:t>
-            </a:r>
-            <a:r>
-              <a:rPr lang="en-US" b="0" dirty="0">
-                <a:solidFill>
-                  <a:srgbClr val="D4D4D4"/>
-                </a:solidFill>
-                <a:effectLst/>
-                <a:latin typeface="Consolas" panose="020B0609020204030204" pitchFamily="49" charset="0"/>
-              </a:rPr>
-              <a:t>=</a:t>
-            </a:r>
-            <a:r>
-              <a:rPr lang="en-US" b="0" dirty="0">
-                <a:solidFill>
-                  <a:srgbClr val="CE9178"/>
-                </a:solidFill>
-                <a:effectLst/>
-                <a:latin typeface="Consolas" panose="020B0609020204030204" pitchFamily="49" charset="0"/>
-              </a:rPr>
-              <a:t>"email"</a:t>
-            </a:r>
-            <a:r>
-              <a:rPr lang="en-US" b="0" dirty="0">
-                <a:solidFill>
-                  <a:srgbClr val="808080"/>
-                </a:solidFill>
-                <a:effectLst/>
-                <a:latin typeface="Consolas" panose="020B0609020204030204" pitchFamily="49" charset="0"/>
-              </a:rPr>
-              <a:t>&gt;</a:t>
-            </a:r>
-            <a:endParaRPr lang="en-US" b="0" dirty="0">
-              <a:solidFill>
-                <a:srgbClr val="D4D4D4"/>
-              </a:solidFill>
-              <a:effectLst/>
-              <a:latin typeface="Consolas" panose="020B0609020204030204" pitchFamily="49" charset="0"/>
-            </a:endParaRPr>
-          </a:p>
-          <a:p>
-            <a:r>
-              <a:rPr lang="en-US" b="0" dirty="0">
-                <a:solidFill>
-                  <a:srgbClr val="D4D4D4"/>
-                </a:solidFill>
-                <a:effectLst/>
-                <a:latin typeface="Consolas" panose="020B0609020204030204" pitchFamily="49" charset="0"/>
-              </a:rPr>
-              <a:t>        </a:t>
-            </a:r>
-            <a:r>
-              <a:rPr lang="en-US" b="0" dirty="0">
-                <a:solidFill>
-                  <a:srgbClr val="808080"/>
-                </a:solidFill>
-                <a:effectLst/>
-                <a:latin typeface="Consolas" panose="020B0609020204030204" pitchFamily="49" charset="0"/>
-              </a:rPr>
-              <a:t>&lt;</a:t>
-            </a:r>
-            <a:r>
-              <a:rPr lang="en-US" b="0" dirty="0">
-                <a:solidFill>
-                  <a:srgbClr val="569CD6"/>
-                </a:solidFill>
-                <a:effectLst/>
-                <a:latin typeface="Consolas" panose="020B0609020204030204" pitchFamily="49" charset="0"/>
-              </a:rPr>
-              <a:t>input</a:t>
-            </a:r>
-            <a:r>
-              <a:rPr lang="en-US" b="0" dirty="0">
-                <a:solidFill>
-                  <a:srgbClr val="D4D4D4"/>
-                </a:solidFill>
-                <a:effectLst/>
-                <a:latin typeface="Consolas" panose="020B0609020204030204" pitchFamily="49" charset="0"/>
-              </a:rPr>
-              <a:t> </a:t>
-            </a:r>
-            <a:r>
-              <a:rPr lang="en-US" b="0" dirty="0">
-                <a:solidFill>
-                  <a:srgbClr val="9CDCFE"/>
-                </a:solidFill>
-                <a:effectLst/>
-                <a:latin typeface="Consolas" panose="020B0609020204030204" pitchFamily="49" charset="0"/>
-              </a:rPr>
-              <a:t>type</a:t>
-            </a:r>
-            <a:r>
-              <a:rPr lang="en-US" b="0" dirty="0">
-                <a:solidFill>
-                  <a:srgbClr val="D4D4D4"/>
-                </a:solidFill>
-                <a:effectLst/>
-                <a:latin typeface="Consolas" panose="020B0609020204030204" pitchFamily="49" charset="0"/>
-              </a:rPr>
-              <a:t>=</a:t>
-            </a:r>
-            <a:r>
-              <a:rPr lang="en-US" b="0" dirty="0">
-                <a:solidFill>
-                  <a:srgbClr val="CE9178"/>
-                </a:solidFill>
-                <a:effectLst/>
-                <a:latin typeface="Consolas" panose="020B0609020204030204" pitchFamily="49" charset="0"/>
-              </a:rPr>
-              <a:t>"file"</a:t>
-            </a:r>
-            <a:r>
-              <a:rPr lang="en-US" b="0" dirty="0">
-                <a:solidFill>
-                  <a:srgbClr val="808080"/>
-                </a:solidFill>
-                <a:effectLst/>
-                <a:latin typeface="Consolas" panose="020B0609020204030204" pitchFamily="49" charset="0"/>
-              </a:rPr>
-              <a:t>&gt;</a:t>
-            </a:r>
-            <a:endParaRPr lang="en-US" b="0" dirty="0">
-              <a:solidFill>
-                <a:srgbClr val="D4D4D4"/>
-              </a:solidFill>
-              <a:effectLst/>
-              <a:latin typeface="Consolas" panose="020B0609020204030204" pitchFamily="49" charset="0"/>
-            </a:endParaRPr>
-          </a:p>
-          <a:p>
-            <a:r>
-              <a:rPr lang="en-US" b="0" dirty="0">
-                <a:solidFill>
-                  <a:srgbClr val="D4D4D4"/>
-                </a:solidFill>
-                <a:effectLst/>
-                <a:latin typeface="Consolas" panose="020B0609020204030204" pitchFamily="49" charset="0"/>
-              </a:rPr>
-              <a:t>        </a:t>
-            </a:r>
-            <a:r>
-              <a:rPr lang="en-US" b="0" dirty="0">
-                <a:solidFill>
-                  <a:srgbClr val="808080"/>
-                </a:solidFill>
-                <a:effectLst/>
-                <a:latin typeface="Consolas" panose="020B0609020204030204" pitchFamily="49" charset="0"/>
-              </a:rPr>
-              <a:t>&lt;</a:t>
-            </a:r>
-            <a:r>
-              <a:rPr lang="en-US" b="0" dirty="0">
-                <a:solidFill>
-                  <a:srgbClr val="569CD6"/>
-                </a:solidFill>
-                <a:effectLst/>
-                <a:latin typeface="Consolas" panose="020B0609020204030204" pitchFamily="49" charset="0"/>
-              </a:rPr>
-              <a:t>input</a:t>
-            </a:r>
-            <a:r>
-              <a:rPr lang="en-US" b="0" dirty="0">
-                <a:solidFill>
-                  <a:srgbClr val="D4D4D4"/>
-                </a:solidFill>
-                <a:effectLst/>
-                <a:latin typeface="Consolas" panose="020B0609020204030204" pitchFamily="49" charset="0"/>
-              </a:rPr>
-              <a:t> </a:t>
-            </a:r>
-            <a:r>
-              <a:rPr lang="en-US" b="0" dirty="0">
-                <a:solidFill>
-                  <a:srgbClr val="9CDCFE"/>
-                </a:solidFill>
-                <a:effectLst/>
-                <a:latin typeface="Consolas" panose="020B0609020204030204" pitchFamily="49" charset="0"/>
-              </a:rPr>
-              <a:t>type</a:t>
-            </a:r>
-            <a:r>
-              <a:rPr lang="en-US" b="0" dirty="0">
-                <a:solidFill>
-                  <a:srgbClr val="D4D4D4"/>
-                </a:solidFill>
-                <a:effectLst/>
-                <a:latin typeface="Consolas" panose="020B0609020204030204" pitchFamily="49" charset="0"/>
-              </a:rPr>
-              <a:t>=</a:t>
-            </a:r>
-            <a:r>
-              <a:rPr lang="en-US" b="0" dirty="0">
-                <a:solidFill>
-                  <a:srgbClr val="CE9178"/>
-                </a:solidFill>
-                <a:effectLst/>
-                <a:latin typeface="Consolas" panose="020B0609020204030204" pitchFamily="49" charset="0"/>
-              </a:rPr>
-              <a:t>"hidden"</a:t>
-            </a:r>
-            <a:r>
-              <a:rPr lang="en-US" b="0" dirty="0">
-                <a:solidFill>
-                  <a:srgbClr val="808080"/>
-                </a:solidFill>
-                <a:effectLst/>
-                <a:latin typeface="Consolas" panose="020B0609020204030204" pitchFamily="49" charset="0"/>
-              </a:rPr>
-              <a:t>&gt;</a:t>
-            </a:r>
-            <a:endParaRPr lang="en-US" b="0" dirty="0">
-              <a:solidFill>
-                <a:srgbClr val="D4D4D4"/>
-              </a:solidFill>
-              <a:effectLst/>
-              <a:latin typeface="Consolas" panose="020B0609020204030204" pitchFamily="49" charset="0"/>
-            </a:endParaRPr>
-          </a:p>
-          <a:p>
-            <a:r>
-              <a:rPr lang="en-US" b="0" dirty="0">
-                <a:solidFill>
-                  <a:srgbClr val="D4D4D4"/>
-                </a:solidFill>
-                <a:effectLst/>
-                <a:latin typeface="Consolas" panose="020B0609020204030204" pitchFamily="49" charset="0"/>
-              </a:rPr>
-              <a:t>        </a:t>
-            </a:r>
-            <a:r>
-              <a:rPr lang="en-US" b="0" dirty="0">
-                <a:solidFill>
-                  <a:srgbClr val="808080"/>
-                </a:solidFill>
-                <a:effectLst/>
-                <a:latin typeface="Consolas" panose="020B0609020204030204" pitchFamily="49" charset="0"/>
-              </a:rPr>
-              <a:t>&lt;</a:t>
-            </a:r>
-            <a:r>
-              <a:rPr lang="en-US" b="0" dirty="0">
-                <a:solidFill>
-                  <a:srgbClr val="569CD6"/>
-                </a:solidFill>
-                <a:effectLst/>
-                <a:latin typeface="Consolas" panose="020B0609020204030204" pitchFamily="49" charset="0"/>
-              </a:rPr>
-              <a:t>input</a:t>
-            </a:r>
-            <a:r>
-              <a:rPr lang="en-US" b="0" dirty="0">
-                <a:solidFill>
-                  <a:srgbClr val="D4D4D4"/>
-                </a:solidFill>
-                <a:effectLst/>
-                <a:latin typeface="Consolas" panose="020B0609020204030204" pitchFamily="49" charset="0"/>
-              </a:rPr>
-              <a:t> </a:t>
-            </a:r>
-            <a:r>
-              <a:rPr lang="en-US" b="0" dirty="0">
-                <a:solidFill>
-                  <a:srgbClr val="9CDCFE"/>
-                </a:solidFill>
-                <a:effectLst/>
-                <a:latin typeface="Consolas" panose="020B0609020204030204" pitchFamily="49" charset="0"/>
-              </a:rPr>
-              <a:t>type</a:t>
-            </a:r>
-            <a:r>
-              <a:rPr lang="en-US" b="0" dirty="0">
-                <a:solidFill>
-                  <a:srgbClr val="D4D4D4"/>
-                </a:solidFill>
-                <a:effectLst/>
-                <a:latin typeface="Consolas" panose="020B0609020204030204" pitchFamily="49" charset="0"/>
-              </a:rPr>
-              <a:t>=</a:t>
-            </a:r>
-            <a:r>
-              <a:rPr lang="en-US" b="0" dirty="0">
-                <a:solidFill>
-                  <a:srgbClr val="CE9178"/>
-                </a:solidFill>
-                <a:effectLst/>
-                <a:latin typeface="Consolas" panose="020B0609020204030204" pitchFamily="49" charset="0"/>
-              </a:rPr>
-              <a:t>"image"</a:t>
-            </a:r>
-            <a:r>
-              <a:rPr lang="en-US" b="0" dirty="0">
-                <a:solidFill>
-                  <a:srgbClr val="808080"/>
-                </a:solidFill>
-                <a:effectLst/>
-                <a:latin typeface="Consolas" panose="020B0609020204030204" pitchFamily="49" charset="0"/>
-              </a:rPr>
-              <a:t>&gt;</a:t>
-            </a:r>
-            <a:endParaRPr lang="en-US" b="0" dirty="0">
-              <a:solidFill>
-                <a:srgbClr val="D4D4D4"/>
-              </a:solidFill>
-              <a:effectLst/>
-              <a:latin typeface="Consolas" panose="020B0609020204030204" pitchFamily="49" charset="0"/>
-            </a:endParaRPr>
-          </a:p>
-          <a:p>
-            <a:r>
-              <a:rPr lang="en-US" b="0" dirty="0">
-                <a:solidFill>
-                  <a:srgbClr val="D4D4D4"/>
-                </a:solidFill>
-                <a:effectLst/>
-                <a:latin typeface="Consolas" panose="020B0609020204030204" pitchFamily="49" charset="0"/>
-              </a:rPr>
-              <a:t>        </a:t>
-            </a:r>
-            <a:r>
-              <a:rPr lang="en-US" b="0" dirty="0">
-                <a:solidFill>
-                  <a:srgbClr val="808080"/>
-                </a:solidFill>
-                <a:effectLst/>
-                <a:latin typeface="Consolas" panose="020B0609020204030204" pitchFamily="49" charset="0"/>
-              </a:rPr>
-              <a:t>&lt;</a:t>
-            </a:r>
-            <a:r>
-              <a:rPr lang="en-US" b="0" dirty="0">
-                <a:solidFill>
-                  <a:srgbClr val="569CD6"/>
-                </a:solidFill>
-                <a:effectLst/>
-                <a:latin typeface="Consolas" panose="020B0609020204030204" pitchFamily="49" charset="0"/>
-              </a:rPr>
-              <a:t>input</a:t>
-            </a:r>
-            <a:r>
-              <a:rPr lang="en-US" b="0" dirty="0">
-                <a:solidFill>
-                  <a:srgbClr val="D4D4D4"/>
-                </a:solidFill>
-                <a:effectLst/>
-                <a:latin typeface="Consolas" panose="020B0609020204030204" pitchFamily="49" charset="0"/>
-              </a:rPr>
-              <a:t> </a:t>
-            </a:r>
-            <a:r>
-              <a:rPr lang="en-US" b="0" dirty="0">
-                <a:solidFill>
-                  <a:srgbClr val="9CDCFE"/>
-                </a:solidFill>
-                <a:effectLst/>
-                <a:latin typeface="Consolas" panose="020B0609020204030204" pitchFamily="49" charset="0"/>
-              </a:rPr>
-              <a:t>type</a:t>
-            </a:r>
-            <a:r>
-              <a:rPr lang="en-US" b="0" dirty="0">
-                <a:solidFill>
-                  <a:srgbClr val="D4D4D4"/>
-                </a:solidFill>
-                <a:effectLst/>
-                <a:latin typeface="Consolas" panose="020B0609020204030204" pitchFamily="49" charset="0"/>
-              </a:rPr>
-              <a:t>=</a:t>
-            </a:r>
-            <a:r>
-              <a:rPr lang="en-US" b="0" dirty="0">
-                <a:solidFill>
-                  <a:srgbClr val="CE9178"/>
-                </a:solidFill>
-                <a:effectLst/>
-                <a:latin typeface="Consolas" panose="020B0609020204030204" pitchFamily="49" charset="0"/>
-              </a:rPr>
-              <a:t>"month"</a:t>
-            </a:r>
-            <a:r>
-              <a:rPr lang="en-US" b="0" dirty="0">
-                <a:solidFill>
-                  <a:srgbClr val="808080"/>
-                </a:solidFill>
-                <a:effectLst/>
-                <a:latin typeface="Consolas" panose="020B0609020204030204" pitchFamily="49" charset="0"/>
-              </a:rPr>
-              <a:t>&gt;</a:t>
-            </a:r>
-            <a:endParaRPr lang="en-US" b="0" dirty="0">
-              <a:solidFill>
-                <a:srgbClr val="D4D4D4"/>
-              </a:solidFill>
-              <a:effectLst/>
-              <a:latin typeface="Consolas" panose="020B0609020204030204" pitchFamily="49" charset="0"/>
-            </a:endParaRPr>
-          </a:p>
-          <a:p>
-            <a:r>
-              <a:rPr lang="en-US" b="0" dirty="0">
-                <a:solidFill>
-                  <a:srgbClr val="D4D4D4"/>
-                </a:solidFill>
-                <a:effectLst/>
-                <a:latin typeface="Consolas" panose="020B0609020204030204" pitchFamily="49" charset="0"/>
-              </a:rPr>
-              <a:t>        </a:t>
-            </a:r>
-            <a:r>
-              <a:rPr lang="en-US" b="0" dirty="0">
-                <a:solidFill>
-                  <a:srgbClr val="808080"/>
-                </a:solidFill>
-                <a:effectLst/>
-                <a:latin typeface="Consolas" panose="020B0609020204030204" pitchFamily="49" charset="0"/>
-              </a:rPr>
-              <a:t>&lt;</a:t>
-            </a:r>
-            <a:r>
-              <a:rPr lang="en-US" b="0" dirty="0">
-                <a:solidFill>
-                  <a:srgbClr val="569CD6"/>
-                </a:solidFill>
-                <a:effectLst/>
-                <a:latin typeface="Consolas" panose="020B0609020204030204" pitchFamily="49" charset="0"/>
-              </a:rPr>
-              <a:t>input</a:t>
-            </a:r>
-            <a:r>
-              <a:rPr lang="en-US" b="0" dirty="0">
-                <a:solidFill>
-                  <a:srgbClr val="D4D4D4"/>
-                </a:solidFill>
-                <a:effectLst/>
-                <a:latin typeface="Consolas" panose="020B0609020204030204" pitchFamily="49" charset="0"/>
-              </a:rPr>
-              <a:t> </a:t>
-            </a:r>
-            <a:r>
-              <a:rPr lang="en-US" b="0" dirty="0">
-                <a:solidFill>
-                  <a:srgbClr val="9CDCFE"/>
-                </a:solidFill>
-                <a:effectLst/>
-                <a:latin typeface="Consolas" panose="020B0609020204030204" pitchFamily="49" charset="0"/>
-              </a:rPr>
-              <a:t>type</a:t>
-            </a:r>
-            <a:r>
-              <a:rPr lang="en-US" b="0" dirty="0">
-                <a:solidFill>
-                  <a:srgbClr val="D4D4D4"/>
-                </a:solidFill>
-                <a:effectLst/>
-                <a:latin typeface="Consolas" panose="020B0609020204030204" pitchFamily="49" charset="0"/>
-              </a:rPr>
-              <a:t>=</a:t>
-            </a:r>
-            <a:r>
-              <a:rPr lang="en-US" b="0" dirty="0">
-                <a:solidFill>
-                  <a:srgbClr val="CE9178"/>
-                </a:solidFill>
-                <a:effectLst/>
-                <a:latin typeface="Consolas" panose="020B0609020204030204" pitchFamily="49" charset="0"/>
-              </a:rPr>
-              <a:t>"number"</a:t>
-            </a:r>
-            <a:r>
-              <a:rPr lang="en-US" b="0" dirty="0">
-                <a:solidFill>
-                  <a:srgbClr val="808080"/>
-                </a:solidFill>
-                <a:effectLst/>
-                <a:latin typeface="Consolas" panose="020B0609020204030204" pitchFamily="49" charset="0"/>
-              </a:rPr>
-              <a:t>&gt;</a:t>
-            </a:r>
-            <a:endParaRPr lang="en-US" b="0" dirty="0">
-              <a:solidFill>
-                <a:srgbClr val="D4D4D4"/>
-              </a:solidFill>
-              <a:effectLst/>
-              <a:latin typeface="Consolas" panose="020B0609020204030204" pitchFamily="49" charset="0"/>
-            </a:endParaRPr>
-          </a:p>
-          <a:p>
-            <a:pPr algn="r" rtl="1"/>
-            <a:r>
-              <a:rPr lang="en-US" b="0" dirty="0">
-                <a:solidFill>
-                  <a:srgbClr val="D4D4D4"/>
-                </a:solidFill>
-                <a:effectLst/>
-                <a:latin typeface="Consolas" panose="020B0609020204030204" pitchFamily="49" charset="0"/>
-              </a:rPr>
-              <a:t>        </a:t>
-            </a:r>
-          </a:p>
-          <a:p>
-            <a:endParaRPr lang="en-US" dirty="0">
-              <a:solidFill>
-                <a:srgbClr val="D4D4D4"/>
-              </a:solidFill>
-              <a:latin typeface="Consolas" panose="020B0609020204030204" pitchFamily="49" charset="0"/>
-            </a:endParaRPr>
-          </a:p>
-          <a:p>
-            <a:r>
-              <a:rPr lang="en-US" b="0" dirty="0">
-                <a:solidFill>
-                  <a:srgbClr val="D4D4D4"/>
-                </a:solidFill>
-                <a:effectLst/>
-                <a:latin typeface="Consolas" panose="020B0609020204030204" pitchFamily="49" charset="0"/>
-              </a:rPr>
-              <a:t>        </a:t>
-            </a:r>
-            <a:r>
-              <a:rPr lang="en-US" b="0" dirty="0">
-                <a:solidFill>
-                  <a:srgbClr val="808080"/>
-                </a:solidFill>
-                <a:effectLst/>
-                <a:latin typeface="Consolas" panose="020B0609020204030204" pitchFamily="49" charset="0"/>
-              </a:rPr>
-              <a:t>&lt;</a:t>
-            </a:r>
-            <a:r>
-              <a:rPr lang="en-US" b="0" dirty="0">
-                <a:solidFill>
-                  <a:srgbClr val="569CD6"/>
-                </a:solidFill>
-                <a:effectLst/>
-                <a:latin typeface="Consolas" panose="020B0609020204030204" pitchFamily="49" charset="0"/>
-              </a:rPr>
-              <a:t>input</a:t>
-            </a:r>
-            <a:r>
-              <a:rPr lang="en-US" b="0" dirty="0">
-                <a:solidFill>
-                  <a:srgbClr val="D4D4D4"/>
-                </a:solidFill>
-                <a:effectLst/>
-                <a:latin typeface="Consolas" panose="020B0609020204030204" pitchFamily="49" charset="0"/>
-              </a:rPr>
-              <a:t> </a:t>
-            </a:r>
-            <a:r>
-              <a:rPr lang="en-US" b="0" dirty="0">
-                <a:solidFill>
-                  <a:srgbClr val="9CDCFE"/>
-                </a:solidFill>
-                <a:effectLst/>
-                <a:latin typeface="Consolas" panose="020B0609020204030204" pitchFamily="49" charset="0"/>
-              </a:rPr>
-              <a:t>type</a:t>
-            </a:r>
-            <a:r>
-              <a:rPr lang="en-US" b="0" dirty="0">
-                <a:solidFill>
-                  <a:srgbClr val="D4D4D4"/>
-                </a:solidFill>
-                <a:effectLst/>
-                <a:latin typeface="Consolas" panose="020B0609020204030204" pitchFamily="49" charset="0"/>
-              </a:rPr>
-              <a:t>=</a:t>
-            </a:r>
-            <a:r>
-              <a:rPr lang="en-US" b="0" dirty="0">
-                <a:solidFill>
-                  <a:srgbClr val="CE9178"/>
-                </a:solidFill>
-                <a:effectLst/>
-                <a:latin typeface="Consolas" panose="020B0609020204030204" pitchFamily="49" charset="0"/>
-              </a:rPr>
-              <a:t>"password"</a:t>
-            </a:r>
-            <a:r>
-              <a:rPr lang="en-US" b="0" dirty="0">
-                <a:solidFill>
-                  <a:srgbClr val="808080"/>
-                </a:solidFill>
-                <a:effectLst/>
-                <a:latin typeface="Consolas" panose="020B0609020204030204" pitchFamily="49" charset="0"/>
-              </a:rPr>
-              <a:t>&gt;</a:t>
-            </a:r>
-            <a:endParaRPr lang="en-US" b="0" dirty="0">
-              <a:solidFill>
-                <a:srgbClr val="D4D4D4"/>
-              </a:solidFill>
-              <a:effectLst/>
-              <a:latin typeface="Consolas" panose="020B0609020204030204" pitchFamily="49" charset="0"/>
-            </a:endParaRPr>
-          </a:p>
-          <a:p>
-            <a:r>
-              <a:rPr lang="en-US" b="0" dirty="0">
-                <a:solidFill>
-                  <a:srgbClr val="D4D4D4"/>
-                </a:solidFill>
-                <a:effectLst/>
-                <a:latin typeface="Consolas" panose="020B0609020204030204" pitchFamily="49" charset="0"/>
-              </a:rPr>
-              <a:t>        </a:t>
-            </a:r>
-            <a:r>
-              <a:rPr lang="en-US" b="0" dirty="0">
-                <a:solidFill>
-                  <a:srgbClr val="808080"/>
-                </a:solidFill>
-                <a:effectLst/>
-                <a:latin typeface="Consolas" panose="020B0609020204030204" pitchFamily="49" charset="0"/>
-              </a:rPr>
-              <a:t>&lt;</a:t>
-            </a:r>
-            <a:r>
-              <a:rPr lang="en-US" b="0" dirty="0">
-                <a:solidFill>
-                  <a:srgbClr val="569CD6"/>
-                </a:solidFill>
-                <a:effectLst/>
-                <a:latin typeface="Consolas" panose="020B0609020204030204" pitchFamily="49" charset="0"/>
-              </a:rPr>
-              <a:t>input</a:t>
-            </a:r>
-            <a:r>
-              <a:rPr lang="en-US" b="0" dirty="0">
-                <a:solidFill>
-                  <a:srgbClr val="D4D4D4"/>
-                </a:solidFill>
-                <a:effectLst/>
-                <a:latin typeface="Consolas" panose="020B0609020204030204" pitchFamily="49" charset="0"/>
-              </a:rPr>
-              <a:t> </a:t>
-            </a:r>
-            <a:r>
-              <a:rPr lang="en-US" b="0" dirty="0">
-                <a:solidFill>
-                  <a:srgbClr val="9CDCFE"/>
-                </a:solidFill>
-                <a:effectLst/>
-                <a:latin typeface="Consolas" panose="020B0609020204030204" pitchFamily="49" charset="0"/>
-              </a:rPr>
-              <a:t>type</a:t>
-            </a:r>
-            <a:r>
-              <a:rPr lang="en-US" b="0" dirty="0">
-                <a:solidFill>
-                  <a:srgbClr val="D4D4D4"/>
-                </a:solidFill>
-                <a:effectLst/>
-                <a:latin typeface="Consolas" panose="020B0609020204030204" pitchFamily="49" charset="0"/>
-              </a:rPr>
-              <a:t>=</a:t>
-            </a:r>
-            <a:r>
-              <a:rPr lang="en-US" b="0" dirty="0">
-                <a:solidFill>
-                  <a:srgbClr val="CE9178"/>
-                </a:solidFill>
-                <a:effectLst/>
-                <a:latin typeface="Consolas" panose="020B0609020204030204" pitchFamily="49" charset="0"/>
-              </a:rPr>
-              <a:t>"radio"</a:t>
-            </a:r>
-            <a:r>
-              <a:rPr lang="en-US" b="0" dirty="0">
-                <a:solidFill>
-                  <a:srgbClr val="808080"/>
-                </a:solidFill>
-                <a:effectLst/>
-                <a:latin typeface="Consolas" panose="020B0609020204030204" pitchFamily="49" charset="0"/>
-              </a:rPr>
-              <a:t>&gt;</a:t>
-            </a:r>
-            <a:endParaRPr lang="en-US" b="0" dirty="0">
-              <a:solidFill>
-                <a:srgbClr val="D4D4D4"/>
-              </a:solidFill>
-              <a:effectLst/>
-              <a:latin typeface="Consolas" panose="020B0609020204030204" pitchFamily="49" charset="0"/>
-            </a:endParaRPr>
-          </a:p>
-          <a:p>
-            <a:r>
-              <a:rPr lang="en-US" b="0" dirty="0">
-                <a:solidFill>
-                  <a:srgbClr val="D4D4D4"/>
-                </a:solidFill>
-                <a:effectLst/>
-                <a:latin typeface="Consolas" panose="020B0609020204030204" pitchFamily="49" charset="0"/>
-              </a:rPr>
-              <a:t>        </a:t>
-            </a:r>
-            <a:r>
-              <a:rPr lang="en-US" b="0" dirty="0">
-                <a:solidFill>
-                  <a:srgbClr val="808080"/>
-                </a:solidFill>
-                <a:effectLst/>
-                <a:latin typeface="Consolas" panose="020B0609020204030204" pitchFamily="49" charset="0"/>
-              </a:rPr>
-              <a:t>&lt;</a:t>
-            </a:r>
-            <a:r>
-              <a:rPr lang="en-US" b="0" dirty="0">
-                <a:solidFill>
-                  <a:srgbClr val="569CD6"/>
-                </a:solidFill>
-                <a:effectLst/>
-                <a:latin typeface="Consolas" panose="020B0609020204030204" pitchFamily="49" charset="0"/>
-              </a:rPr>
-              <a:t>input</a:t>
-            </a:r>
-            <a:r>
-              <a:rPr lang="en-US" b="0" dirty="0">
-                <a:solidFill>
-                  <a:srgbClr val="D4D4D4"/>
-                </a:solidFill>
-                <a:effectLst/>
-                <a:latin typeface="Consolas" panose="020B0609020204030204" pitchFamily="49" charset="0"/>
-              </a:rPr>
-              <a:t> </a:t>
-            </a:r>
-            <a:r>
-              <a:rPr lang="en-US" b="0" dirty="0">
-                <a:solidFill>
-                  <a:srgbClr val="9CDCFE"/>
-                </a:solidFill>
-                <a:effectLst/>
-                <a:latin typeface="Consolas" panose="020B0609020204030204" pitchFamily="49" charset="0"/>
-              </a:rPr>
-              <a:t>type</a:t>
-            </a:r>
-            <a:r>
-              <a:rPr lang="en-US" b="0" dirty="0">
-                <a:solidFill>
-                  <a:srgbClr val="D4D4D4"/>
-                </a:solidFill>
-                <a:effectLst/>
-                <a:latin typeface="Consolas" panose="020B0609020204030204" pitchFamily="49" charset="0"/>
-              </a:rPr>
-              <a:t>=</a:t>
-            </a:r>
-            <a:r>
-              <a:rPr lang="en-US" b="0" dirty="0">
-                <a:solidFill>
-                  <a:srgbClr val="CE9178"/>
-                </a:solidFill>
-                <a:effectLst/>
-                <a:latin typeface="Consolas" panose="020B0609020204030204" pitchFamily="49" charset="0"/>
-              </a:rPr>
-              <a:t>"range"</a:t>
-            </a:r>
-            <a:r>
-              <a:rPr lang="en-US" b="0" dirty="0">
-                <a:solidFill>
-                  <a:srgbClr val="808080"/>
-                </a:solidFill>
-                <a:effectLst/>
-                <a:latin typeface="Consolas" panose="020B0609020204030204" pitchFamily="49" charset="0"/>
-              </a:rPr>
-              <a:t>&gt;</a:t>
-            </a:r>
-            <a:endParaRPr lang="en-US" b="0" dirty="0">
-              <a:solidFill>
-                <a:srgbClr val="D4D4D4"/>
-              </a:solidFill>
-              <a:effectLst/>
-              <a:latin typeface="Consolas" panose="020B0609020204030204" pitchFamily="49" charset="0"/>
-            </a:endParaRPr>
-          </a:p>
-          <a:p>
-            <a:r>
-              <a:rPr lang="en-US" b="0" dirty="0">
-                <a:solidFill>
-                  <a:srgbClr val="D4D4D4"/>
-                </a:solidFill>
-                <a:effectLst/>
-                <a:latin typeface="Consolas" panose="020B0609020204030204" pitchFamily="49" charset="0"/>
-              </a:rPr>
-              <a:t>        </a:t>
-            </a:r>
-            <a:r>
-              <a:rPr lang="en-US" b="0" dirty="0">
-                <a:solidFill>
-                  <a:srgbClr val="808080"/>
-                </a:solidFill>
-                <a:effectLst/>
-                <a:latin typeface="Consolas" panose="020B0609020204030204" pitchFamily="49" charset="0"/>
-              </a:rPr>
-              <a:t>&lt;</a:t>
-            </a:r>
-            <a:r>
-              <a:rPr lang="en-US" b="0" dirty="0">
-                <a:solidFill>
-                  <a:srgbClr val="569CD6"/>
-                </a:solidFill>
-                <a:effectLst/>
-                <a:latin typeface="Consolas" panose="020B0609020204030204" pitchFamily="49" charset="0"/>
-              </a:rPr>
-              <a:t>input</a:t>
-            </a:r>
-            <a:r>
-              <a:rPr lang="en-US" b="0" dirty="0">
-                <a:solidFill>
-                  <a:srgbClr val="D4D4D4"/>
-                </a:solidFill>
-                <a:effectLst/>
-                <a:latin typeface="Consolas" panose="020B0609020204030204" pitchFamily="49" charset="0"/>
-              </a:rPr>
-              <a:t> </a:t>
-            </a:r>
-            <a:r>
-              <a:rPr lang="en-US" b="0" dirty="0">
-                <a:solidFill>
-                  <a:srgbClr val="9CDCFE"/>
-                </a:solidFill>
-                <a:effectLst/>
-                <a:latin typeface="Consolas" panose="020B0609020204030204" pitchFamily="49" charset="0"/>
-              </a:rPr>
-              <a:t>type</a:t>
-            </a:r>
-            <a:r>
-              <a:rPr lang="en-US" b="0" dirty="0">
-                <a:solidFill>
-                  <a:srgbClr val="D4D4D4"/>
-                </a:solidFill>
-                <a:effectLst/>
-                <a:latin typeface="Consolas" panose="020B0609020204030204" pitchFamily="49" charset="0"/>
-              </a:rPr>
-              <a:t>=</a:t>
-            </a:r>
-            <a:r>
-              <a:rPr lang="en-US" b="0" dirty="0">
-                <a:solidFill>
-                  <a:srgbClr val="CE9178"/>
-                </a:solidFill>
-                <a:effectLst/>
-                <a:latin typeface="Consolas" panose="020B0609020204030204" pitchFamily="49" charset="0"/>
-              </a:rPr>
-              <a:t>"reset"</a:t>
-            </a:r>
-            <a:r>
-              <a:rPr lang="en-US" b="0" dirty="0">
-                <a:solidFill>
-                  <a:srgbClr val="808080"/>
-                </a:solidFill>
-                <a:effectLst/>
-                <a:latin typeface="Consolas" panose="020B0609020204030204" pitchFamily="49" charset="0"/>
-              </a:rPr>
-              <a:t>&gt;</a:t>
-            </a:r>
-            <a:endParaRPr lang="en-US" b="0" dirty="0">
-              <a:solidFill>
-                <a:srgbClr val="D4D4D4"/>
-              </a:solidFill>
-              <a:effectLst/>
-              <a:latin typeface="Consolas" panose="020B0609020204030204" pitchFamily="49" charset="0"/>
-            </a:endParaRPr>
-          </a:p>
-          <a:p>
-            <a:r>
-              <a:rPr lang="en-US" b="0" dirty="0">
-                <a:solidFill>
-                  <a:srgbClr val="D4D4D4"/>
-                </a:solidFill>
-                <a:effectLst/>
-                <a:latin typeface="Consolas" panose="020B0609020204030204" pitchFamily="49" charset="0"/>
-              </a:rPr>
-              <a:t>        </a:t>
-            </a:r>
-            <a:r>
-              <a:rPr lang="en-US" b="0" dirty="0">
-                <a:solidFill>
-                  <a:srgbClr val="808080"/>
-                </a:solidFill>
-                <a:effectLst/>
-                <a:latin typeface="Consolas" panose="020B0609020204030204" pitchFamily="49" charset="0"/>
-              </a:rPr>
-              <a:t>&lt;</a:t>
-            </a:r>
-            <a:r>
-              <a:rPr lang="en-US" b="0" dirty="0">
-                <a:solidFill>
-                  <a:srgbClr val="569CD6"/>
-                </a:solidFill>
-                <a:effectLst/>
-                <a:latin typeface="Consolas" panose="020B0609020204030204" pitchFamily="49" charset="0"/>
-              </a:rPr>
-              <a:t>input</a:t>
-            </a:r>
-            <a:r>
-              <a:rPr lang="en-US" b="0" dirty="0">
-                <a:solidFill>
-                  <a:srgbClr val="D4D4D4"/>
-                </a:solidFill>
-                <a:effectLst/>
-                <a:latin typeface="Consolas" panose="020B0609020204030204" pitchFamily="49" charset="0"/>
-              </a:rPr>
-              <a:t> </a:t>
-            </a:r>
-            <a:r>
-              <a:rPr lang="en-US" b="0" dirty="0">
-                <a:solidFill>
-                  <a:srgbClr val="9CDCFE"/>
-                </a:solidFill>
-                <a:effectLst/>
-                <a:latin typeface="Consolas" panose="020B0609020204030204" pitchFamily="49" charset="0"/>
-              </a:rPr>
-              <a:t>type</a:t>
-            </a:r>
-            <a:r>
-              <a:rPr lang="en-US" b="0" dirty="0">
-                <a:solidFill>
-                  <a:srgbClr val="D4D4D4"/>
-                </a:solidFill>
-                <a:effectLst/>
-                <a:latin typeface="Consolas" panose="020B0609020204030204" pitchFamily="49" charset="0"/>
-              </a:rPr>
-              <a:t>=</a:t>
-            </a:r>
-            <a:r>
-              <a:rPr lang="en-US" b="0" dirty="0">
-                <a:solidFill>
-                  <a:srgbClr val="CE9178"/>
-                </a:solidFill>
-                <a:effectLst/>
-                <a:latin typeface="Consolas" panose="020B0609020204030204" pitchFamily="49" charset="0"/>
-              </a:rPr>
-              <a:t>"search"</a:t>
-            </a:r>
-            <a:r>
-              <a:rPr lang="en-US" b="0" dirty="0">
-                <a:solidFill>
-                  <a:srgbClr val="808080"/>
-                </a:solidFill>
-                <a:effectLst/>
-                <a:latin typeface="Consolas" panose="020B0609020204030204" pitchFamily="49" charset="0"/>
-              </a:rPr>
-              <a:t>&gt;</a:t>
-            </a:r>
-            <a:endParaRPr lang="en-US" b="0" dirty="0">
-              <a:solidFill>
-                <a:srgbClr val="D4D4D4"/>
-              </a:solidFill>
-              <a:effectLst/>
-              <a:latin typeface="Consolas" panose="020B0609020204030204" pitchFamily="49" charset="0"/>
-            </a:endParaRPr>
-          </a:p>
-          <a:p>
-            <a:r>
-              <a:rPr lang="en-US" b="0" dirty="0">
-                <a:solidFill>
-                  <a:srgbClr val="D4D4D4"/>
-                </a:solidFill>
-                <a:effectLst/>
-                <a:latin typeface="Consolas" panose="020B0609020204030204" pitchFamily="49" charset="0"/>
-              </a:rPr>
-              <a:t>        </a:t>
-            </a:r>
-            <a:r>
-              <a:rPr lang="en-US" b="0" dirty="0">
-                <a:solidFill>
-                  <a:srgbClr val="808080"/>
-                </a:solidFill>
-                <a:effectLst/>
-                <a:latin typeface="Consolas" panose="020B0609020204030204" pitchFamily="49" charset="0"/>
-              </a:rPr>
-              <a:t>&lt;</a:t>
-            </a:r>
-            <a:r>
-              <a:rPr lang="en-US" b="0" dirty="0">
-                <a:solidFill>
-                  <a:srgbClr val="569CD6"/>
-                </a:solidFill>
-                <a:effectLst/>
-                <a:latin typeface="Consolas" panose="020B0609020204030204" pitchFamily="49" charset="0"/>
-              </a:rPr>
-              <a:t>input</a:t>
-            </a:r>
-            <a:r>
-              <a:rPr lang="en-US" b="0" dirty="0">
-                <a:solidFill>
-                  <a:srgbClr val="D4D4D4"/>
-                </a:solidFill>
-                <a:effectLst/>
-                <a:latin typeface="Consolas" panose="020B0609020204030204" pitchFamily="49" charset="0"/>
-              </a:rPr>
-              <a:t> </a:t>
-            </a:r>
-            <a:r>
-              <a:rPr lang="en-US" b="0" dirty="0">
-                <a:solidFill>
-                  <a:srgbClr val="9CDCFE"/>
-                </a:solidFill>
-                <a:effectLst/>
-                <a:latin typeface="Consolas" panose="020B0609020204030204" pitchFamily="49" charset="0"/>
-              </a:rPr>
-              <a:t>type</a:t>
-            </a:r>
-            <a:r>
-              <a:rPr lang="en-US" b="0" dirty="0">
-                <a:solidFill>
-                  <a:srgbClr val="D4D4D4"/>
-                </a:solidFill>
-                <a:effectLst/>
-                <a:latin typeface="Consolas" panose="020B0609020204030204" pitchFamily="49" charset="0"/>
-              </a:rPr>
-              <a:t>=</a:t>
-            </a:r>
-            <a:r>
-              <a:rPr lang="en-US" b="0" dirty="0">
-                <a:solidFill>
-                  <a:srgbClr val="CE9178"/>
-                </a:solidFill>
-                <a:effectLst/>
-                <a:latin typeface="Consolas" panose="020B0609020204030204" pitchFamily="49" charset="0"/>
-              </a:rPr>
-              <a:t>"submit"</a:t>
-            </a:r>
-            <a:r>
-              <a:rPr lang="en-US" b="0" dirty="0">
-                <a:solidFill>
-                  <a:srgbClr val="808080"/>
-                </a:solidFill>
-                <a:effectLst/>
-                <a:latin typeface="Consolas" panose="020B0609020204030204" pitchFamily="49" charset="0"/>
-              </a:rPr>
-              <a:t>&gt;</a:t>
-            </a:r>
-            <a:endParaRPr lang="en-US" b="0" dirty="0">
-              <a:solidFill>
-                <a:srgbClr val="D4D4D4"/>
-              </a:solidFill>
-              <a:effectLst/>
-              <a:latin typeface="Consolas" panose="020B0609020204030204" pitchFamily="49" charset="0"/>
-            </a:endParaRPr>
-          </a:p>
-          <a:p>
-            <a:r>
-              <a:rPr lang="en-US" b="0" dirty="0">
-                <a:solidFill>
-                  <a:srgbClr val="D4D4D4"/>
-                </a:solidFill>
-                <a:effectLst/>
-                <a:latin typeface="Consolas" panose="020B0609020204030204" pitchFamily="49" charset="0"/>
-              </a:rPr>
-              <a:t>        </a:t>
-            </a:r>
-            <a:r>
-              <a:rPr lang="en-US" b="0" dirty="0">
-                <a:solidFill>
-                  <a:srgbClr val="808080"/>
-                </a:solidFill>
-                <a:effectLst/>
-                <a:latin typeface="Consolas" panose="020B0609020204030204" pitchFamily="49" charset="0"/>
-              </a:rPr>
-              <a:t>&lt;</a:t>
-            </a:r>
-            <a:r>
-              <a:rPr lang="en-US" b="0" dirty="0">
-                <a:solidFill>
-                  <a:srgbClr val="569CD6"/>
-                </a:solidFill>
-                <a:effectLst/>
-                <a:latin typeface="Consolas" panose="020B0609020204030204" pitchFamily="49" charset="0"/>
-              </a:rPr>
-              <a:t>input</a:t>
-            </a:r>
-            <a:r>
-              <a:rPr lang="en-US" b="0" dirty="0">
-                <a:solidFill>
-                  <a:srgbClr val="D4D4D4"/>
-                </a:solidFill>
-                <a:effectLst/>
-                <a:latin typeface="Consolas" panose="020B0609020204030204" pitchFamily="49" charset="0"/>
-              </a:rPr>
-              <a:t> </a:t>
-            </a:r>
-            <a:r>
-              <a:rPr lang="en-US" b="0" dirty="0">
-                <a:solidFill>
-                  <a:srgbClr val="9CDCFE"/>
-                </a:solidFill>
-                <a:effectLst/>
-                <a:latin typeface="Consolas" panose="020B0609020204030204" pitchFamily="49" charset="0"/>
-              </a:rPr>
-              <a:t>type</a:t>
-            </a:r>
-            <a:r>
-              <a:rPr lang="en-US" b="0" dirty="0">
-                <a:solidFill>
-                  <a:srgbClr val="D4D4D4"/>
-                </a:solidFill>
-                <a:effectLst/>
-                <a:latin typeface="Consolas" panose="020B0609020204030204" pitchFamily="49" charset="0"/>
-              </a:rPr>
-              <a:t>=</a:t>
-            </a:r>
-            <a:r>
-              <a:rPr lang="en-US" b="0" dirty="0">
-                <a:solidFill>
-                  <a:srgbClr val="CE9178"/>
-                </a:solidFill>
-                <a:effectLst/>
-                <a:latin typeface="Consolas" panose="020B0609020204030204" pitchFamily="49" charset="0"/>
-              </a:rPr>
-              <a:t>"</a:t>
-            </a:r>
-            <a:r>
-              <a:rPr lang="en-US" b="0" dirty="0" err="1">
-                <a:solidFill>
-                  <a:srgbClr val="CE9178"/>
-                </a:solidFill>
-                <a:effectLst/>
-                <a:latin typeface="Consolas" panose="020B0609020204030204" pitchFamily="49" charset="0"/>
-              </a:rPr>
-              <a:t>tel</a:t>
-            </a:r>
-            <a:r>
-              <a:rPr lang="en-US" b="0" dirty="0">
-                <a:solidFill>
-                  <a:srgbClr val="CE9178"/>
-                </a:solidFill>
-                <a:effectLst/>
-                <a:latin typeface="Consolas" panose="020B0609020204030204" pitchFamily="49" charset="0"/>
-              </a:rPr>
-              <a:t>"</a:t>
-            </a:r>
-            <a:r>
-              <a:rPr lang="en-US" b="0" dirty="0">
-                <a:solidFill>
-                  <a:srgbClr val="808080"/>
-                </a:solidFill>
-                <a:effectLst/>
-                <a:latin typeface="Consolas" panose="020B0609020204030204" pitchFamily="49" charset="0"/>
-              </a:rPr>
-              <a:t>&gt;</a:t>
-            </a:r>
-            <a:endParaRPr lang="en-US" b="0" dirty="0">
-              <a:solidFill>
-                <a:srgbClr val="D4D4D4"/>
-              </a:solidFill>
-              <a:effectLst/>
-              <a:latin typeface="Consolas" panose="020B0609020204030204" pitchFamily="49" charset="0"/>
-            </a:endParaRPr>
-          </a:p>
-          <a:p>
-            <a:r>
-              <a:rPr lang="en-US" b="0" dirty="0">
-                <a:solidFill>
-                  <a:srgbClr val="D4D4D4"/>
-                </a:solidFill>
-                <a:effectLst/>
-                <a:latin typeface="Consolas" panose="020B0609020204030204" pitchFamily="49" charset="0"/>
-              </a:rPr>
-              <a:t>        </a:t>
-            </a:r>
-            <a:r>
-              <a:rPr lang="en-US" b="0" dirty="0">
-                <a:solidFill>
-                  <a:srgbClr val="808080"/>
-                </a:solidFill>
-                <a:effectLst/>
-                <a:latin typeface="Consolas" panose="020B0609020204030204" pitchFamily="49" charset="0"/>
-              </a:rPr>
-              <a:t>&lt;</a:t>
-            </a:r>
-            <a:r>
-              <a:rPr lang="en-US" b="0" dirty="0">
-                <a:solidFill>
-                  <a:srgbClr val="569CD6"/>
-                </a:solidFill>
-                <a:effectLst/>
-                <a:latin typeface="Consolas" panose="020B0609020204030204" pitchFamily="49" charset="0"/>
-              </a:rPr>
-              <a:t>input</a:t>
-            </a:r>
-            <a:r>
-              <a:rPr lang="en-US" b="0" dirty="0">
-                <a:solidFill>
-                  <a:srgbClr val="D4D4D4"/>
-                </a:solidFill>
-                <a:effectLst/>
-                <a:latin typeface="Consolas" panose="020B0609020204030204" pitchFamily="49" charset="0"/>
-              </a:rPr>
-              <a:t> </a:t>
-            </a:r>
-            <a:r>
-              <a:rPr lang="en-US" b="0" dirty="0">
-                <a:solidFill>
-                  <a:srgbClr val="9CDCFE"/>
-                </a:solidFill>
-                <a:effectLst/>
-                <a:latin typeface="Consolas" panose="020B0609020204030204" pitchFamily="49" charset="0"/>
-              </a:rPr>
-              <a:t>type</a:t>
-            </a:r>
-            <a:r>
-              <a:rPr lang="en-US" b="0" dirty="0">
-                <a:solidFill>
-                  <a:srgbClr val="D4D4D4"/>
-                </a:solidFill>
-                <a:effectLst/>
-                <a:latin typeface="Consolas" panose="020B0609020204030204" pitchFamily="49" charset="0"/>
-              </a:rPr>
-              <a:t>=</a:t>
-            </a:r>
-            <a:r>
-              <a:rPr lang="en-US" b="0" dirty="0">
-                <a:solidFill>
-                  <a:srgbClr val="CE9178"/>
-                </a:solidFill>
-                <a:effectLst/>
-                <a:latin typeface="Consolas" panose="020B0609020204030204" pitchFamily="49" charset="0"/>
-              </a:rPr>
-              <a:t>"text"</a:t>
-            </a:r>
-            <a:r>
-              <a:rPr lang="en-US" b="0" dirty="0">
-                <a:solidFill>
-                  <a:srgbClr val="808080"/>
-                </a:solidFill>
-                <a:effectLst/>
-                <a:latin typeface="Consolas" panose="020B0609020204030204" pitchFamily="49" charset="0"/>
-              </a:rPr>
-              <a:t>&gt;</a:t>
-            </a:r>
-            <a:endParaRPr lang="en-US" b="0" dirty="0">
-              <a:solidFill>
-                <a:srgbClr val="D4D4D4"/>
-              </a:solidFill>
-              <a:effectLst/>
-              <a:latin typeface="Consolas" panose="020B0609020204030204" pitchFamily="49" charset="0"/>
-            </a:endParaRPr>
-          </a:p>
-          <a:p>
-            <a:r>
-              <a:rPr lang="en-US" b="0" dirty="0">
-                <a:solidFill>
-                  <a:srgbClr val="D4D4D4"/>
-                </a:solidFill>
-                <a:effectLst/>
-                <a:latin typeface="Consolas" panose="020B0609020204030204" pitchFamily="49" charset="0"/>
-              </a:rPr>
-              <a:t>        </a:t>
-            </a:r>
-            <a:r>
-              <a:rPr lang="en-US" b="0" dirty="0">
-                <a:solidFill>
-                  <a:srgbClr val="808080"/>
-                </a:solidFill>
-                <a:effectLst/>
-                <a:latin typeface="Consolas" panose="020B0609020204030204" pitchFamily="49" charset="0"/>
-              </a:rPr>
-              <a:t>&lt;</a:t>
-            </a:r>
-            <a:r>
-              <a:rPr lang="en-US" b="0" dirty="0">
-                <a:solidFill>
-                  <a:srgbClr val="569CD6"/>
-                </a:solidFill>
-                <a:effectLst/>
-                <a:latin typeface="Consolas" panose="020B0609020204030204" pitchFamily="49" charset="0"/>
-              </a:rPr>
-              <a:t>input</a:t>
-            </a:r>
-            <a:r>
-              <a:rPr lang="en-US" b="0" dirty="0">
-                <a:solidFill>
-                  <a:srgbClr val="D4D4D4"/>
-                </a:solidFill>
-                <a:effectLst/>
-                <a:latin typeface="Consolas" panose="020B0609020204030204" pitchFamily="49" charset="0"/>
-              </a:rPr>
-              <a:t> </a:t>
-            </a:r>
-            <a:r>
-              <a:rPr lang="en-US" b="0" dirty="0">
-                <a:solidFill>
-                  <a:srgbClr val="9CDCFE"/>
-                </a:solidFill>
-                <a:effectLst/>
-                <a:latin typeface="Consolas" panose="020B0609020204030204" pitchFamily="49" charset="0"/>
-              </a:rPr>
-              <a:t>type</a:t>
-            </a:r>
-            <a:r>
-              <a:rPr lang="en-US" b="0" dirty="0">
-                <a:solidFill>
-                  <a:srgbClr val="D4D4D4"/>
-                </a:solidFill>
-                <a:effectLst/>
-                <a:latin typeface="Consolas" panose="020B0609020204030204" pitchFamily="49" charset="0"/>
-              </a:rPr>
-              <a:t>=</a:t>
-            </a:r>
-            <a:r>
-              <a:rPr lang="en-US" b="0" dirty="0">
-                <a:solidFill>
-                  <a:srgbClr val="CE9178"/>
-                </a:solidFill>
-                <a:effectLst/>
-                <a:latin typeface="Consolas" panose="020B0609020204030204" pitchFamily="49" charset="0"/>
-              </a:rPr>
-              <a:t>"time"</a:t>
-            </a:r>
-            <a:r>
-              <a:rPr lang="en-US" b="0" dirty="0">
-                <a:solidFill>
-                  <a:srgbClr val="808080"/>
-                </a:solidFill>
-                <a:effectLst/>
-                <a:latin typeface="Consolas" panose="020B0609020204030204" pitchFamily="49" charset="0"/>
-              </a:rPr>
-              <a:t>&gt;</a:t>
-            </a:r>
-            <a:endParaRPr lang="en-US" b="0" dirty="0">
-              <a:solidFill>
-                <a:srgbClr val="D4D4D4"/>
-              </a:solidFill>
-              <a:effectLst/>
-              <a:latin typeface="Consolas" panose="020B0609020204030204" pitchFamily="49" charset="0"/>
-            </a:endParaRPr>
-          </a:p>
-          <a:p>
-            <a:r>
-              <a:rPr lang="en-US" b="0" dirty="0">
-                <a:solidFill>
-                  <a:srgbClr val="D4D4D4"/>
-                </a:solidFill>
-                <a:effectLst/>
-                <a:latin typeface="Consolas" panose="020B0609020204030204" pitchFamily="49" charset="0"/>
-              </a:rPr>
-              <a:t>        </a:t>
-            </a:r>
-            <a:r>
-              <a:rPr lang="en-US" b="0" dirty="0">
-                <a:solidFill>
-                  <a:srgbClr val="808080"/>
-                </a:solidFill>
-                <a:effectLst/>
-                <a:latin typeface="Consolas" panose="020B0609020204030204" pitchFamily="49" charset="0"/>
-              </a:rPr>
-              <a:t>&lt;</a:t>
-            </a:r>
-            <a:r>
-              <a:rPr lang="en-US" b="0" dirty="0">
-                <a:solidFill>
-                  <a:srgbClr val="569CD6"/>
-                </a:solidFill>
-                <a:effectLst/>
-                <a:latin typeface="Consolas" panose="020B0609020204030204" pitchFamily="49" charset="0"/>
-              </a:rPr>
-              <a:t>input</a:t>
-            </a:r>
-            <a:r>
-              <a:rPr lang="en-US" b="0" dirty="0">
-                <a:solidFill>
-                  <a:srgbClr val="D4D4D4"/>
-                </a:solidFill>
-                <a:effectLst/>
-                <a:latin typeface="Consolas" panose="020B0609020204030204" pitchFamily="49" charset="0"/>
-              </a:rPr>
-              <a:t> </a:t>
-            </a:r>
-            <a:r>
-              <a:rPr lang="en-US" b="0" dirty="0">
-                <a:solidFill>
-                  <a:srgbClr val="9CDCFE"/>
-                </a:solidFill>
-                <a:effectLst/>
-                <a:latin typeface="Consolas" panose="020B0609020204030204" pitchFamily="49" charset="0"/>
-              </a:rPr>
-              <a:t>type</a:t>
-            </a:r>
-            <a:r>
-              <a:rPr lang="en-US" b="0" dirty="0">
-                <a:solidFill>
-                  <a:srgbClr val="D4D4D4"/>
-                </a:solidFill>
-                <a:effectLst/>
-                <a:latin typeface="Consolas" panose="020B0609020204030204" pitchFamily="49" charset="0"/>
-              </a:rPr>
-              <a:t>=</a:t>
-            </a:r>
-            <a:r>
-              <a:rPr lang="en-US" b="0" dirty="0">
-                <a:solidFill>
-                  <a:srgbClr val="CE9178"/>
-                </a:solidFill>
-                <a:effectLst/>
-                <a:latin typeface="Consolas" panose="020B0609020204030204" pitchFamily="49" charset="0"/>
-              </a:rPr>
-              <a:t>"</a:t>
-            </a:r>
-            <a:r>
-              <a:rPr lang="en-US" b="0" dirty="0" err="1">
-                <a:solidFill>
-                  <a:srgbClr val="CE9178"/>
-                </a:solidFill>
-                <a:effectLst/>
-                <a:latin typeface="Consolas" panose="020B0609020204030204" pitchFamily="49" charset="0"/>
-              </a:rPr>
-              <a:t>url</a:t>
-            </a:r>
-            <a:r>
-              <a:rPr lang="en-US" b="0" dirty="0">
-                <a:solidFill>
-                  <a:srgbClr val="CE9178"/>
-                </a:solidFill>
-                <a:effectLst/>
-                <a:latin typeface="Consolas" panose="020B0609020204030204" pitchFamily="49" charset="0"/>
-              </a:rPr>
-              <a:t>"</a:t>
-            </a:r>
-            <a:r>
-              <a:rPr lang="en-US" b="0" dirty="0">
-                <a:solidFill>
-                  <a:srgbClr val="808080"/>
-                </a:solidFill>
-                <a:effectLst/>
-                <a:latin typeface="Consolas" panose="020B0609020204030204" pitchFamily="49" charset="0"/>
-              </a:rPr>
-              <a:t>&gt;</a:t>
-            </a:r>
-            <a:endParaRPr lang="en-US" b="0" dirty="0">
-              <a:solidFill>
-                <a:srgbClr val="D4D4D4"/>
-              </a:solidFill>
-              <a:effectLst/>
-              <a:latin typeface="Consolas" panose="020B0609020204030204" pitchFamily="49" charset="0"/>
-            </a:endParaRPr>
-          </a:p>
-          <a:p>
-            <a:r>
-              <a:rPr lang="en-US" b="0" dirty="0">
-                <a:solidFill>
-                  <a:srgbClr val="D4D4D4"/>
-                </a:solidFill>
-                <a:effectLst/>
-                <a:latin typeface="Consolas" panose="020B0609020204030204" pitchFamily="49" charset="0"/>
-              </a:rPr>
-              <a:t>        </a:t>
-            </a:r>
-            <a:r>
-              <a:rPr lang="en-US" b="0" dirty="0">
-                <a:solidFill>
-                  <a:srgbClr val="808080"/>
-                </a:solidFill>
-                <a:effectLst/>
-                <a:latin typeface="Consolas" panose="020B0609020204030204" pitchFamily="49" charset="0"/>
-              </a:rPr>
-              <a:t>&lt;</a:t>
-            </a:r>
-            <a:r>
-              <a:rPr lang="en-US" b="0" dirty="0">
-                <a:solidFill>
-                  <a:srgbClr val="569CD6"/>
-                </a:solidFill>
-                <a:effectLst/>
-                <a:latin typeface="Consolas" panose="020B0609020204030204" pitchFamily="49" charset="0"/>
-              </a:rPr>
-              <a:t>input</a:t>
-            </a:r>
-            <a:r>
-              <a:rPr lang="en-US" b="0" dirty="0">
-                <a:solidFill>
-                  <a:srgbClr val="D4D4D4"/>
-                </a:solidFill>
-                <a:effectLst/>
-                <a:latin typeface="Consolas" panose="020B0609020204030204" pitchFamily="49" charset="0"/>
-              </a:rPr>
-              <a:t> </a:t>
-            </a:r>
-            <a:r>
-              <a:rPr lang="en-US" b="0" dirty="0">
-                <a:solidFill>
-                  <a:srgbClr val="9CDCFE"/>
-                </a:solidFill>
-                <a:effectLst/>
-                <a:latin typeface="Consolas" panose="020B0609020204030204" pitchFamily="49" charset="0"/>
-              </a:rPr>
-              <a:t>type</a:t>
-            </a:r>
-            <a:r>
-              <a:rPr lang="en-US" b="0" dirty="0">
-                <a:solidFill>
-                  <a:srgbClr val="D4D4D4"/>
-                </a:solidFill>
-                <a:effectLst/>
-                <a:latin typeface="Consolas" panose="020B0609020204030204" pitchFamily="49" charset="0"/>
-              </a:rPr>
-              <a:t>=</a:t>
-            </a:r>
-            <a:r>
-              <a:rPr lang="en-US" b="0" dirty="0">
-                <a:solidFill>
-                  <a:srgbClr val="CE9178"/>
-                </a:solidFill>
-                <a:effectLst/>
-                <a:latin typeface="Consolas" panose="020B0609020204030204" pitchFamily="49" charset="0"/>
-              </a:rPr>
-              <a:t>"week"</a:t>
-            </a:r>
-            <a:r>
-              <a:rPr lang="en-US" b="0" dirty="0">
-                <a:solidFill>
-                  <a:srgbClr val="808080"/>
-                </a:solidFill>
-                <a:effectLst/>
-                <a:latin typeface="Consolas" panose="020B0609020204030204" pitchFamily="49" charset="0"/>
-              </a:rPr>
-              <a:t>&gt;</a:t>
-            </a:r>
-            <a:endParaRPr lang="he-IL" b="1" dirty="0"/>
-          </a:p>
-        </p:txBody>
-      </p:sp>
-      <p:pic>
-        <p:nvPicPr>
-          <p:cNvPr id="5" name="Picture 2" descr="https://upload.wikimedia.org/wikipedia/commons/thumb/6/61/HTML5_logo_and_wordmark.svg/512px-HTML5_logo_and_wordmark.svg.png">
-            <a:extLst>
-              <a:ext uri="{FF2B5EF4-FFF2-40B4-BE49-F238E27FC236}">
-                <a16:creationId xmlns:a16="http://schemas.microsoft.com/office/drawing/2014/main" id="{FC03673A-5009-4140-8008-133D436C7A27}"/>
-              </a:ext>
-            </a:extLst>
-          </p:cNvPr>
-          <p:cNvPicPr>
-            <a:picLocks noChangeAspect="1" noChangeArrowheads="1"/>
-          </p:cNvPicPr>
-          <p:nvPr/>
-        </p:nvPicPr>
-        <p:blipFill>
-          <a:blip r:embed="rId2" cstate="print">
-            <a:extLst>
-              <a:ext uri="{28A0092B-C50C-407E-A947-70E740481C1C}">
-                <a14:useLocalDpi xmlns:a14="http://schemas.microsoft.com/office/drawing/2010/main" val="0"/>
-              </a:ext>
-            </a:extLst>
-          </a:blip>
-          <a:srcRect/>
-          <a:stretch>
-            <a:fillRect/>
-          </a:stretch>
-        </p:blipFill>
-        <p:spPr bwMode="auto">
-          <a:xfrm>
-            <a:off x="-112454" y="5403902"/>
-            <a:ext cx="1368152" cy="1368153"/>
-          </a:xfrm>
-          <a:prstGeom prst="rect">
-            <a:avLst/>
-          </a:prstGeom>
-          <a:noFill/>
-          <a:extLst>
-            <a:ext uri="{909E8E84-426E-40DD-AFC4-6F175D3DCCD1}">
-              <a14:hiddenFill xmlns:a14="http://schemas.microsoft.com/office/drawing/2010/main">
-                <a:solidFill>
-                  <a:srgbClr val="FFFFFF"/>
-                </a:solidFill>
-              </a14:hiddenFill>
-            </a:ext>
-          </a:extLst>
-        </p:spPr>
-      </p:pic>
-      <p:pic>
-        <p:nvPicPr>
-          <p:cNvPr id="3076" name="Picture 4">
-            <a:extLst>
-              <a:ext uri="{FF2B5EF4-FFF2-40B4-BE49-F238E27FC236}">
-                <a16:creationId xmlns:a16="http://schemas.microsoft.com/office/drawing/2014/main" id="{251734CA-FA41-49D0-A3AE-228066AB17AE}"/>
-              </a:ext>
-            </a:extLst>
-          </p:cNvPr>
-          <p:cNvPicPr>
-            <a:picLocks noChangeAspect="1" noChangeArrowheads="1"/>
-          </p:cNvPicPr>
-          <p:nvPr/>
-        </p:nvPicPr>
-        <p:blipFill>
-          <a:blip r:embed="rId3"/>
-          <a:srcRect/>
-          <a:stretch/>
-        </p:blipFill>
-        <p:spPr bwMode="auto">
-          <a:xfrm>
-            <a:off x="2374237" y="1408891"/>
-            <a:ext cx="1721385" cy="573795"/>
-          </a:xfrm>
-          <a:prstGeom prst="rect">
-            <a:avLst/>
-          </a:prstGeom>
-          <a:noFill/>
-          <a:extLst>
-            <a:ext uri="{909E8E84-426E-40DD-AFC4-6F175D3DCCD1}">
-              <a14:hiddenFill xmlns:a14="http://schemas.microsoft.com/office/drawing/2010/main">
-                <a:solidFill>
-                  <a:srgbClr val="FFFFFF"/>
-                </a:solidFill>
-              </a14:hiddenFill>
-            </a:ext>
-          </a:extLst>
-        </p:spPr>
-      </p:pic>
-      <p:sp>
-        <p:nvSpPr>
-          <p:cNvPr id="11" name="Text Placeholder 6">
-            <a:extLst>
-              <a:ext uri="{FF2B5EF4-FFF2-40B4-BE49-F238E27FC236}">
-                <a16:creationId xmlns:a16="http://schemas.microsoft.com/office/drawing/2014/main" id="{8B9FC476-7FF3-4976-9BB3-9B75A73BDC22}"/>
-              </a:ext>
-            </a:extLst>
-          </p:cNvPr>
-          <p:cNvSpPr txBox="1">
-            <a:spLocks/>
-          </p:cNvSpPr>
-          <p:nvPr/>
-        </p:nvSpPr>
-        <p:spPr>
-          <a:xfrm>
-            <a:off x="1779721" y="1659466"/>
-            <a:ext cx="10134372" cy="5103284"/>
-          </a:xfrm>
-          <a:prstGeom prst="rect">
-            <a:avLst/>
-          </a:prstGeom>
-        </p:spPr>
-        <p:txBody>
-          <a:bodyPr vert="horz" lIns="0" tIns="45720" rIns="0" bIns="45720" rtlCol="0" anchor="t">
-            <a:normAutofit/>
-          </a:bodyPr>
-          <a:lstStyle>
-            <a:lvl1pPr marL="0" indent="0" algn="l" defTabSz="914400" rtl="0" eaLnBrk="1" latinLnBrk="0" hangingPunct="1">
-              <a:lnSpc>
-                <a:spcPct val="100000"/>
-              </a:lnSpc>
-              <a:spcBef>
-                <a:spcPts val="1000"/>
-              </a:spcBef>
-              <a:buFont typeface="Arial" panose="020B0604020202020204" pitchFamily="34" charset="0"/>
-              <a:buNone/>
-              <a:defRPr sz="1600" kern="1200">
-                <a:solidFill>
-                  <a:schemeClr val="tx1"/>
-                </a:solidFill>
-                <a:latin typeface="+mj-lt"/>
-                <a:ea typeface="+mn-ea"/>
-                <a:cs typeface="+mn-cs"/>
-              </a:defRPr>
-            </a:lvl1pPr>
-            <a:lvl2pPr marL="457200" indent="0" algn="l" defTabSz="914400" rtl="0" eaLnBrk="1" latinLnBrk="0" hangingPunct="1">
-              <a:lnSpc>
-                <a:spcPct val="100000"/>
-              </a:lnSpc>
-              <a:spcBef>
-                <a:spcPts val="500"/>
-              </a:spcBef>
-              <a:buFont typeface="Arial" panose="020B0604020202020204" pitchFamily="34" charset="0"/>
-              <a:buNone/>
-              <a:defRPr sz="1600" kern="1200">
-                <a:solidFill>
-                  <a:schemeClr val="tx1"/>
-                </a:solidFill>
-                <a:latin typeface="+mj-lt"/>
-                <a:ea typeface="+mn-ea"/>
-                <a:cs typeface="+mn-cs"/>
-              </a:defRPr>
-            </a:lvl2pPr>
-            <a:lvl3pPr marL="914400" indent="0" algn="l" defTabSz="914400" rtl="0" eaLnBrk="1" latinLnBrk="0" hangingPunct="1">
-              <a:lnSpc>
-                <a:spcPct val="100000"/>
-              </a:lnSpc>
-              <a:spcBef>
-                <a:spcPts val="500"/>
-              </a:spcBef>
-              <a:buFont typeface="Arial" panose="020B0604020202020204" pitchFamily="34" charset="0"/>
-              <a:buNone/>
-              <a:defRPr sz="1600" kern="1200">
-                <a:solidFill>
-                  <a:schemeClr val="tx1"/>
-                </a:solidFill>
-                <a:latin typeface="+mj-lt"/>
-                <a:ea typeface="+mn-ea"/>
-                <a:cs typeface="+mn-cs"/>
-              </a:defRPr>
-            </a:lvl3pPr>
-            <a:lvl4pPr marL="1371600" indent="0" algn="l" defTabSz="914400" rtl="0" eaLnBrk="1" latinLnBrk="0" hangingPunct="1">
-              <a:lnSpc>
-                <a:spcPct val="100000"/>
-              </a:lnSpc>
-              <a:spcBef>
-                <a:spcPts val="500"/>
-              </a:spcBef>
-              <a:buFont typeface="Arial" panose="020B0604020202020204" pitchFamily="34" charset="0"/>
-              <a:buNone/>
-              <a:defRPr sz="1600" kern="1200">
-                <a:solidFill>
-                  <a:schemeClr val="tx1"/>
-                </a:solidFill>
-                <a:latin typeface="+mj-lt"/>
-                <a:ea typeface="+mn-ea"/>
-                <a:cs typeface="+mn-cs"/>
-              </a:defRPr>
-            </a:lvl4pPr>
-            <a:lvl5pPr marL="1828800" indent="0" algn="l" defTabSz="914400" rtl="0" eaLnBrk="1" latinLnBrk="0" hangingPunct="1">
-              <a:lnSpc>
-                <a:spcPct val="100000"/>
-              </a:lnSpc>
-              <a:spcBef>
-                <a:spcPts val="500"/>
-              </a:spcBef>
-              <a:buFont typeface="Arial" panose="020B0604020202020204" pitchFamily="34" charset="0"/>
-              <a:buNone/>
-              <a:defRPr sz="1600" kern="1200">
-                <a:solidFill>
-                  <a:schemeClr val="tx1"/>
-                </a:solidFill>
-                <a:latin typeface="+mj-lt"/>
-                <a:ea typeface="+mn-ea"/>
-                <a:cs typeface="+mn-cs"/>
-              </a:defRPr>
-            </a:lvl5pPr>
-            <a:lvl6pPr marL="2514600" indent="-228600" algn="l" defTabSz="914400" rtl="0" eaLnBrk="1" latinLnBrk="0" hangingPunct="1">
-              <a:lnSpc>
-                <a:spcPct val="90000"/>
-              </a:lnSpc>
-              <a:spcBef>
-                <a:spcPts val="500"/>
-              </a:spcBef>
-              <a:buFont typeface="Arial" panose="020B0604020202020204" pitchFamily="34" charset="0"/>
-              <a:buChar char="•"/>
-              <a:defRPr sz="1800" kern="1200">
-                <a:solidFill>
-                  <a:schemeClr val="tx1"/>
-                </a:solidFill>
-                <a:latin typeface="+mn-lt"/>
-                <a:ea typeface="+mn-ea"/>
-                <a:cs typeface="+mn-cs"/>
-              </a:defRPr>
-            </a:lvl6pPr>
-            <a:lvl7pPr marL="2971800" indent="-228600" algn="l" defTabSz="914400" rtl="0" eaLnBrk="1" latinLnBrk="0" hangingPunct="1">
-              <a:lnSpc>
-                <a:spcPct val="90000"/>
-              </a:lnSpc>
-              <a:spcBef>
-                <a:spcPts val="500"/>
-              </a:spcBef>
-              <a:buFont typeface="Arial" panose="020B0604020202020204" pitchFamily="34" charset="0"/>
-              <a:buChar char="•"/>
-              <a:defRPr sz="1800" kern="1200">
-                <a:solidFill>
-                  <a:schemeClr val="tx1"/>
-                </a:solidFill>
-                <a:latin typeface="+mn-lt"/>
-                <a:ea typeface="+mn-ea"/>
-                <a:cs typeface="+mn-cs"/>
-              </a:defRPr>
-            </a:lvl7pPr>
-            <a:lvl8pPr marL="3429000" indent="-228600" algn="l" defTabSz="914400" rtl="0" eaLnBrk="1" latinLnBrk="0" hangingPunct="1">
-              <a:lnSpc>
-                <a:spcPct val="90000"/>
-              </a:lnSpc>
-              <a:spcBef>
-                <a:spcPts val="500"/>
-              </a:spcBef>
-              <a:buFont typeface="Arial" panose="020B0604020202020204" pitchFamily="34" charset="0"/>
-              <a:buChar char="•"/>
-              <a:defRPr sz="1800" kern="1200">
-                <a:solidFill>
-                  <a:schemeClr val="tx1"/>
-                </a:solidFill>
-                <a:latin typeface="+mn-lt"/>
-                <a:ea typeface="+mn-ea"/>
-                <a:cs typeface="+mn-cs"/>
-              </a:defRPr>
-            </a:lvl8pPr>
-            <a:lvl9pPr marL="3886200" indent="-228600" algn="l" defTabSz="914400" rtl="0" eaLnBrk="1" latinLnBrk="0" hangingPunct="1">
-              <a:lnSpc>
-                <a:spcPct val="90000"/>
-              </a:lnSpc>
-              <a:spcBef>
-                <a:spcPts val="500"/>
-              </a:spcBef>
-              <a:buFont typeface="Arial" panose="020B0604020202020204" pitchFamily="34" charset="0"/>
-              <a:buChar char="•"/>
-              <a:defRPr sz="1800" kern="1200">
-                <a:solidFill>
-                  <a:schemeClr val="tx1"/>
-                </a:solidFill>
-                <a:latin typeface="+mn-lt"/>
-                <a:ea typeface="+mn-ea"/>
-                <a:cs typeface="+mn-cs"/>
-              </a:defRPr>
-            </a:lvl9pPr>
-          </a:lstStyle>
-          <a:p>
-            <a:pPr algn="r" rtl="1"/>
-            <a:r>
-              <a:rPr lang="he-IL" b="1" dirty="0"/>
-              <a:t>אלמנטים של טפסים</a:t>
-            </a:r>
-            <a:endParaRPr lang="he-IL" dirty="0"/>
-          </a:p>
-        </p:txBody>
-      </p:sp>
-    </p:spTree>
-    <p:extLst>
-      <p:ext uri="{BB962C8B-B14F-4D97-AF65-F5344CB8AC3E}">
-        <p14:creationId xmlns:p14="http://schemas.microsoft.com/office/powerpoint/2010/main" val="2973914374"/>
-      </p:ext>
-    </p:extLst>
-  </p:cSld>
-  <p:clrMapOvr>
-    <a:masterClrMapping/>
-  </p:clrMapOvr>
-</p:sld>
-</file>
-
-<file path=ppt/slides/slide9.xml><?xml version="1.0" encoding="utf-8"?>
-<p:sld xmlns:a="http://schemas.openxmlformats.org/drawingml/2006/main" xmlns:r="http://schemas.openxmlformats.org/officeDocument/2006/relationships" xmlns:p="http://schemas.openxmlformats.org/presentationml/2006/main">
-  <p:cSld>
-    <p:spTree>
-      <p:nvGrpSpPr>
-        <p:cNvPr id="1" name=""/>
-        <p:cNvGrpSpPr/>
-        <p:nvPr/>
-      </p:nvGrpSpPr>
-      <p:grpSpPr>
-        <a:xfrm>
-          <a:off x="0" y="0"/>
-          <a:ext cx="0" cy="0"/>
-          <a:chOff x="0" y="0"/>
-          <a:chExt cx="0" cy="0"/>
-        </a:xfrm>
-      </p:grpSpPr>
-      <p:pic>
-        <p:nvPicPr>
-          <p:cNvPr id="3074" name="Picture 2" descr="The role of HTML - HTML Video Tutorial | LinkedIn Learning, formerly  Lynda.com">
-            <a:extLst>
-              <a:ext uri="{FF2B5EF4-FFF2-40B4-BE49-F238E27FC236}">
-                <a16:creationId xmlns:a16="http://schemas.microsoft.com/office/drawing/2014/main" id="{BC4B2F6E-14FD-4D03-95AC-DC731F3AED75}"/>
-              </a:ext>
-            </a:extLst>
-          </p:cNvPr>
-          <p:cNvPicPr>
-            <a:picLocks noChangeAspect="1" noChangeArrowheads="1"/>
-          </p:cNvPicPr>
-          <p:nvPr/>
-        </p:nvPicPr>
-        <p:blipFill>
-          <a:blip r:embed="rId2">
-            <a:alphaModFix amt="24000"/>
-            <a:extLst>
-              <a:ext uri="{28A0092B-C50C-407E-A947-70E740481C1C}">
-                <a14:useLocalDpi xmlns:a14="http://schemas.microsoft.com/office/drawing/2010/main" val="0"/>
-              </a:ext>
-            </a:extLst>
-          </a:blip>
-          <a:srcRect/>
-          <a:stretch>
-            <a:fillRect/>
-          </a:stretch>
-        </p:blipFill>
-        <p:spPr bwMode="auto">
-          <a:xfrm>
-            <a:off x="0" y="0"/>
-            <a:ext cx="12192000" cy="6858000"/>
-          </a:xfrm>
-          <a:prstGeom prst="rect">
-            <a:avLst/>
-          </a:prstGeom>
-          <a:noFill/>
-          <a:extLst>
-            <a:ext uri="{909E8E84-426E-40DD-AFC4-6F175D3DCCD1}">
-              <a14:hiddenFill xmlns:a14="http://schemas.microsoft.com/office/drawing/2010/main">
-                <a:solidFill>
-                  <a:srgbClr val="FFFFFF"/>
-                </a:solidFill>
-              </a14:hiddenFill>
-            </a:ext>
-          </a:extLst>
-        </p:spPr>
-      </p:pic>
-      <p:sp>
-        <p:nvSpPr>
-          <p:cNvPr id="3" name="Title 2">
-            <a:extLst>
-              <a:ext uri="{FF2B5EF4-FFF2-40B4-BE49-F238E27FC236}">
-                <a16:creationId xmlns:a16="http://schemas.microsoft.com/office/drawing/2014/main" id="{12B178B4-CDED-454C-BED2-2E2B10ADA703}"/>
-              </a:ext>
-            </a:extLst>
-          </p:cNvPr>
-          <p:cNvSpPr>
-            <a:spLocks noGrp="1"/>
-          </p:cNvSpPr>
-          <p:nvPr>
-            <p:ph type="ctrTitle"/>
-          </p:nvPr>
-        </p:nvSpPr>
-        <p:spPr/>
-        <p:txBody>
-          <a:bodyPr/>
-          <a:lstStyle/>
-          <a:p>
-            <a:pPr algn="r" rtl="1"/>
-            <a:r>
-              <a:rPr lang="en-US" dirty="0"/>
-              <a:t>HTML </a:t>
-            </a:r>
-            <a:r>
-              <a:rPr lang="he-IL" dirty="0"/>
-              <a:t> - תגים בסיסיים</a:t>
-            </a:r>
-            <a:endParaRPr lang="en-US" dirty="0"/>
-          </a:p>
-        </p:txBody>
-      </p:sp>
-      <p:sp>
-        <p:nvSpPr>
-          <p:cNvPr id="7" name="Text Placeholder 6">
-            <a:extLst>
-              <a:ext uri="{FF2B5EF4-FFF2-40B4-BE49-F238E27FC236}">
-                <a16:creationId xmlns:a16="http://schemas.microsoft.com/office/drawing/2014/main" id="{54E9E228-B02C-3941-B458-23CB2D67B476}"/>
-              </a:ext>
-            </a:extLst>
-          </p:cNvPr>
-          <p:cNvSpPr>
-            <a:spLocks noGrp="1"/>
-          </p:cNvSpPr>
-          <p:nvPr>
-            <p:ph type="body" sz="quarter" idx="14"/>
-          </p:nvPr>
-        </p:nvSpPr>
-        <p:spPr>
-          <a:xfrm>
-            <a:off x="1627321" y="1507066"/>
-            <a:ext cx="10134372" cy="5103284"/>
-          </a:xfrm>
-        </p:spPr>
-        <p:txBody>
-          <a:bodyPr>
-            <a:normAutofit lnSpcReduction="10000"/>
-          </a:bodyPr>
-          <a:lstStyle/>
-          <a:p>
-            <a:pPr algn="r" rtl="1" fontAlgn="base"/>
-            <a:r>
-              <a:rPr lang="he-IL" b="1" dirty="0"/>
-              <a:t>תרגיל 2</a:t>
-            </a:r>
-            <a:endParaRPr lang="en-US" b="1" dirty="0"/>
-          </a:p>
-          <a:p>
-            <a:pPr algn="r" rtl="1" fontAlgn="base"/>
-            <a:endParaRPr lang="en-US" dirty="0">
-              <a:solidFill>
-                <a:srgbClr val="D4D4D4"/>
-              </a:solidFill>
-              <a:latin typeface="Consolas" panose="020B0609020204030204" pitchFamily="49" charset="0"/>
-            </a:endParaRPr>
-          </a:p>
-          <a:p>
-            <a:pPr marL="285750" indent="-285750" algn="r" rtl="1" fontAlgn="base">
-              <a:buFont typeface="Wingdings" panose="05000000000000000000" pitchFamily="2" charset="2"/>
-              <a:buChar char="v"/>
-            </a:pPr>
-            <a:r>
-              <a:rPr lang="he-IL" dirty="0"/>
-              <a:t>תיצרו קובץ </a:t>
-            </a:r>
-            <a:r>
-              <a:rPr lang="en-US" dirty="0"/>
-              <a:t>HTML</a:t>
-            </a:r>
-            <a:r>
-              <a:rPr lang="he-IL" dirty="0"/>
-              <a:t> חדש.</a:t>
-            </a:r>
-            <a:endParaRPr lang="ru-RU" dirty="0"/>
-          </a:p>
-          <a:p>
-            <a:pPr marL="285750" indent="-285750" algn="r" rtl="1" fontAlgn="base">
-              <a:buFont typeface="Wingdings" panose="05000000000000000000" pitchFamily="2" charset="2"/>
-              <a:buChar char="v"/>
-            </a:pPr>
-            <a:r>
-              <a:rPr lang="he-IL" dirty="0"/>
-              <a:t>תגדירו כותרת של הדף "תרגיל </a:t>
-            </a:r>
-            <a:r>
-              <a:rPr lang="en-US" dirty="0"/>
-              <a:t>2</a:t>
-            </a:r>
-            <a:r>
-              <a:rPr lang="he-IL" dirty="0"/>
-              <a:t>".</a:t>
-            </a:r>
-          </a:p>
-          <a:p>
-            <a:pPr marL="285750" indent="-285750" algn="r" rtl="1" fontAlgn="base">
-              <a:buFont typeface="Wingdings" panose="05000000000000000000" pitchFamily="2" charset="2"/>
-              <a:buChar char="v"/>
-            </a:pPr>
-            <a:r>
-              <a:rPr lang="he-IL" dirty="0"/>
-              <a:t>תעצבו טבלת מחירון של מוצרים לחברה</a:t>
-            </a:r>
-          </a:p>
-          <a:p>
-            <a:pPr marL="285750" indent="-285750" algn="r" rtl="1" fontAlgn="base">
-              <a:buFont typeface="Wingdings" panose="05000000000000000000" pitchFamily="2" charset="2"/>
-              <a:buChar char="v"/>
-            </a:pPr>
-            <a:r>
-              <a:rPr lang="he-IL" dirty="0"/>
-              <a:t>טבלה תכלול:</a:t>
-            </a:r>
-          </a:p>
-          <a:p>
-            <a:pPr marL="742950" lvl="1" indent="-285750" algn="r" rtl="1" fontAlgn="base">
-              <a:buFont typeface="Wingdings" panose="05000000000000000000" pitchFamily="2" charset="2"/>
-              <a:buChar char="v"/>
-            </a:pPr>
-            <a:r>
-              <a:rPr lang="he-IL" dirty="0"/>
-              <a:t>כותרת</a:t>
-            </a:r>
-          </a:p>
-          <a:p>
-            <a:pPr marL="742950" lvl="1" indent="-285750" algn="r" rtl="1" fontAlgn="base">
-              <a:buFont typeface="Wingdings" panose="05000000000000000000" pitchFamily="2" charset="2"/>
-              <a:buChar char="v"/>
-            </a:pPr>
-            <a:r>
-              <a:rPr lang="he-IL" dirty="0"/>
-              <a:t>שורת הכותרת</a:t>
-            </a:r>
-          </a:p>
-          <a:p>
-            <a:pPr marL="742950" lvl="1" indent="-285750" algn="r" rtl="1" fontAlgn="base">
-              <a:buFont typeface="Wingdings" panose="05000000000000000000" pitchFamily="2" charset="2"/>
-              <a:buChar char="v"/>
-            </a:pPr>
-            <a:r>
-              <a:rPr lang="he-IL" dirty="0"/>
-              <a:t>לפחות 6 מאפיינים של המוצר</a:t>
-            </a:r>
-          </a:p>
-          <a:p>
-            <a:pPr marL="742950" lvl="1" indent="-285750" algn="r" rtl="1" fontAlgn="base">
-              <a:buFont typeface="Wingdings" panose="05000000000000000000" pitchFamily="2" charset="2"/>
-              <a:buChar char="v"/>
-            </a:pPr>
-            <a:r>
-              <a:rPr lang="he-IL" dirty="0"/>
-              <a:t>לפחות 6 מוצרים, כולל תמונה של המוצר</a:t>
-            </a:r>
-          </a:p>
-          <a:p>
-            <a:pPr marL="742950" lvl="1" indent="-285750" algn="r" rtl="1" fontAlgn="base">
-              <a:buFont typeface="Wingdings" panose="05000000000000000000" pitchFamily="2" charset="2"/>
-              <a:buChar char="v"/>
-            </a:pPr>
-            <a:r>
-              <a:rPr lang="he-IL" dirty="0"/>
-              <a:t>שימוש ב-</a:t>
-            </a:r>
-            <a:r>
-              <a:rPr lang="en-US" dirty="0"/>
-              <a:t>rowspan</a:t>
-            </a:r>
-            <a:r>
-              <a:rPr lang="he-IL" dirty="0"/>
-              <a:t> ו-</a:t>
-            </a:r>
-            <a:r>
-              <a:rPr lang="en-US" dirty="0"/>
-              <a:t>colspan</a:t>
-            </a:r>
-          </a:p>
-          <a:p>
-            <a:pPr marL="285750" indent="-285750" algn="r" rtl="1" fontAlgn="base">
-              <a:buFont typeface="Wingdings" panose="05000000000000000000" pitchFamily="2" charset="2"/>
-              <a:buChar char="v"/>
-            </a:pPr>
-            <a:r>
-              <a:rPr lang="he-IL" dirty="0"/>
-              <a:t>טופס שליחת שלאה, כולל:</a:t>
-            </a:r>
-          </a:p>
-          <a:p>
-            <a:pPr marL="742950" lvl="1" indent="-285750" algn="r" rtl="1" fontAlgn="base">
-              <a:buFont typeface="Wingdings" panose="05000000000000000000" pitchFamily="2" charset="2"/>
-              <a:buChar char="v"/>
-            </a:pPr>
-            <a:r>
-              <a:rPr lang="he-IL" dirty="0"/>
-              <a:t>שם השולח</a:t>
-            </a:r>
-          </a:p>
-          <a:p>
-            <a:pPr marL="742950" lvl="1" indent="-285750" algn="r" rtl="1" fontAlgn="base">
-              <a:buFont typeface="Wingdings" panose="05000000000000000000" pitchFamily="2" charset="2"/>
-              <a:buChar char="v"/>
-            </a:pPr>
-            <a:r>
-              <a:rPr lang="he-IL" dirty="0"/>
-              <a:t>תאריך פנייה</a:t>
-            </a:r>
-          </a:p>
-          <a:p>
-            <a:pPr marL="742950" lvl="1" indent="-285750" algn="r" rtl="1" fontAlgn="base">
-              <a:buFont typeface="Wingdings" panose="05000000000000000000" pitchFamily="2" charset="2"/>
-              <a:buChar char="v"/>
-            </a:pPr>
-            <a:r>
-              <a:rPr lang="he-IL" dirty="0"/>
-              <a:t>העלאת קובץ</a:t>
-            </a:r>
-          </a:p>
-          <a:p>
-            <a:pPr marL="742950" lvl="1" indent="-285750" algn="r" rtl="1" fontAlgn="base">
-              <a:buFont typeface="Wingdings" panose="05000000000000000000" pitchFamily="2" charset="2"/>
-              <a:buChar char="v"/>
-            </a:pPr>
-            <a:r>
-              <a:rPr lang="he-IL" dirty="0"/>
-              <a:t>מתן ציון עבור שירות</a:t>
-            </a:r>
-          </a:p>
-          <a:p>
-            <a:pPr marL="285750" indent="-285750" algn="r" rtl="1" fontAlgn="base">
-              <a:buFont typeface="Wingdings" panose="05000000000000000000" pitchFamily="2" charset="2"/>
-              <a:buChar char="v"/>
-            </a:pPr>
-            <a:endParaRPr lang="en-US" dirty="0"/>
-          </a:p>
-        </p:txBody>
-      </p:sp>
-      <p:pic>
-        <p:nvPicPr>
-          <p:cNvPr id="5" name="Picture 2" descr="https://upload.wikimedia.org/wikipedia/commons/thumb/6/61/HTML5_logo_and_wordmark.svg/512px-HTML5_logo_and_wordmark.svg.png">
-            <a:extLst>
-              <a:ext uri="{FF2B5EF4-FFF2-40B4-BE49-F238E27FC236}">
-                <a16:creationId xmlns:a16="http://schemas.microsoft.com/office/drawing/2014/main" id="{FC03673A-5009-4140-8008-133D436C7A27}"/>
-              </a:ext>
-            </a:extLst>
-          </p:cNvPr>
-          <p:cNvPicPr>
-            <a:picLocks noChangeAspect="1" noChangeArrowheads="1"/>
-          </p:cNvPicPr>
-          <p:nvPr/>
-        </p:nvPicPr>
-        <p:blipFill>
-          <a:blip r:embed="rId3" cstate="print">
-            <a:extLst>
-              <a:ext uri="{28A0092B-C50C-407E-A947-70E740481C1C}">
-                <a14:useLocalDpi xmlns:a14="http://schemas.microsoft.com/office/drawing/2010/main" val="0"/>
-              </a:ext>
-            </a:extLst>
-          </a:blip>
-          <a:srcRect/>
-          <a:stretch>
-            <a:fillRect/>
-          </a:stretch>
-        </p:blipFill>
-        <p:spPr bwMode="auto">
-          <a:xfrm>
-            <a:off x="-112454" y="5403902"/>
-            <a:ext cx="1368152" cy="1368153"/>
-          </a:xfrm>
-          <a:prstGeom prst="rect">
-            <a:avLst/>
-          </a:prstGeom>
-          <a:noFill/>
-          <a:extLst>
-            <a:ext uri="{909E8E84-426E-40DD-AFC4-6F175D3DCCD1}">
-              <a14:hiddenFill xmlns:a14="http://schemas.microsoft.com/office/drawing/2010/main">
-                <a:solidFill>
-                  <a:srgbClr val="FFFFFF"/>
-                </a:solidFill>
-              </a14:hiddenFill>
-            </a:ext>
-          </a:extLst>
-        </p:spPr>
-      </p:pic>
-    </p:spTree>
-    <p:extLst>
-      <p:ext uri="{BB962C8B-B14F-4D97-AF65-F5344CB8AC3E}">
-        <p14:creationId xmlns:p14="http://schemas.microsoft.com/office/powerpoint/2010/main" val="4152344990"/>
+        <p14:creationId xmlns:p14="http://schemas.microsoft.com/office/powerpoint/2010/main" val="4067864897"/>
       </p:ext>
     </p:extLst>
   </p:cSld>
